--- a/node_js_performance/nodejs_performance/NodeJs_Performance.pptx
+++ b/node_js_performance/nodejs_performance/NodeJs_Performance.pptx
@@ -5,7 +5,7 @@
     <p:sldMasterId id="2147483689" r:id="rId1"/>
   </p:sldMasterIdLst>
   <p:notesMasterIdLst>
-    <p:notesMasterId r:id="rId60"/>
+    <p:notesMasterId r:id="rId63"/>
   </p:notesMasterIdLst>
   <p:sldIdLst>
     <p:sldId id="256" r:id="rId2"/>
@@ -38,34 +38,37 @@
     <p:sldId id="405" r:id="rId29"/>
     <p:sldId id="409" r:id="rId30"/>
     <p:sldId id="410" r:id="rId31"/>
-    <p:sldId id="411" r:id="rId32"/>
-    <p:sldId id="414" r:id="rId33"/>
-    <p:sldId id="413" r:id="rId34"/>
-    <p:sldId id="412" r:id="rId35"/>
-    <p:sldId id="417" r:id="rId36"/>
-    <p:sldId id="418" r:id="rId37"/>
-    <p:sldId id="419" r:id="rId38"/>
-    <p:sldId id="420" r:id="rId39"/>
-    <p:sldId id="421" r:id="rId40"/>
-    <p:sldId id="422" r:id="rId41"/>
-    <p:sldId id="423" r:id="rId42"/>
-    <p:sldId id="424" r:id="rId43"/>
-    <p:sldId id="425" r:id="rId44"/>
-    <p:sldId id="435" r:id="rId45"/>
-    <p:sldId id="426" r:id="rId46"/>
-    <p:sldId id="427" r:id="rId47"/>
-    <p:sldId id="428" r:id="rId48"/>
-    <p:sldId id="429" r:id="rId49"/>
-    <p:sldId id="446" r:id="rId50"/>
-    <p:sldId id="430" r:id="rId51"/>
-    <p:sldId id="438" r:id="rId52"/>
-    <p:sldId id="433" r:id="rId53"/>
-    <p:sldId id="434" r:id="rId54"/>
-    <p:sldId id="432" r:id="rId55"/>
-    <p:sldId id="436" r:id="rId56"/>
-    <p:sldId id="437" r:id="rId57"/>
-    <p:sldId id="304" r:id="rId58"/>
-    <p:sldId id="448" r:id="rId59"/>
+    <p:sldId id="450" r:id="rId32"/>
+    <p:sldId id="451" r:id="rId33"/>
+    <p:sldId id="411" r:id="rId34"/>
+    <p:sldId id="413" r:id="rId35"/>
+    <p:sldId id="452" r:id="rId36"/>
+    <p:sldId id="414" r:id="rId37"/>
+    <p:sldId id="412" r:id="rId38"/>
+    <p:sldId id="417" r:id="rId39"/>
+    <p:sldId id="418" r:id="rId40"/>
+    <p:sldId id="419" r:id="rId41"/>
+    <p:sldId id="420" r:id="rId42"/>
+    <p:sldId id="421" r:id="rId43"/>
+    <p:sldId id="422" r:id="rId44"/>
+    <p:sldId id="423" r:id="rId45"/>
+    <p:sldId id="424" r:id="rId46"/>
+    <p:sldId id="425" r:id="rId47"/>
+    <p:sldId id="435" r:id="rId48"/>
+    <p:sldId id="426" r:id="rId49"/>
+    <p:sldId id="427" r:id="rId50"/>
+    <p:sldId id="428" r:id="rId51"/>
+    <p:sldId id="429" r:id="rId52"/>
+    <p:sldId id="446" r:id="rId53"/>
+    <p:sldId id="430" r:id="rId54"/>
+    <p:sldId id="438" r:id="rId55"/>
+    <p:sldId id="433" r:id="rId56"/>
+    <p:sldId id="434" r:id="rId57"/>
+    <p:sldId id="432" r:id="rId58"/>
+    <p:sldId id="436" r:id="rId59"/>
+    <p:sldId id="437" r:id="rId60"/>
+    <p:sldId id="304" r:id="rId61"/>
+    <p:sldId id="448" r:id="rId62"/>
   </p:sldIdLst>
   <p:sldSz cx="9144000" cy="6858000" type="screen4x3"/>
   <p:notesSz cx="6858000" cy="9144000"/>
@@ -166,7 +169,7 @@
   </p:defaultTextStyle>
   <p:extLst>
     <p:ext uri="{EFAFB233-063F-42B5-8137-9DF3F51BA10A}">
-      <p15:sldGuideLst xmlns="" xmlns:p15="http://schemas.microsoft.com/office/powerpoint/2012/main">
+      <p15:sldGuideLst xmlns:p15="http://schemas.microsoft.com/office/powerpoint/2012/main" xmlns="">
         <p15:guide id="1" orient="horz" pos="2160">
           <p15:clr>
             <a:srgbClr val="A4A3A4"/>
@@ -265,7 +268,7 @@
           <a:p>
             <a:fld id="{1E64356D-F091-4486-B0BB-66BE03FC5D73}" type="datetimeFigureOut">
               <a:rPr lang="en-US" smtClean="0"/>
-              <a:t>10/12/2018</a:t>
+              <a:t>10/18/2018</a:t>
             </a:fld>
             <a:endParaRPr lang="en-US"/>
           </a:p>
@@ -607,6 +610,90 @@
     <p:extLst>
       <p:ext uri="{BB962C8B-B14F-4D97-AF65-F5344CB8AC3E}">
         <p14:creationId xmlns:p14="http://schemas.microsoft.com/office/powerpoint/2010/main" val="420671078"/>
+      </p:ext>
+    </p:extLst>
+  </p:cSld>
+  <p:clrMapOvr>
+    <a:masterClrMapping/>
+  </p:clrMapOvr>
+</p:notes>
+</file>
+
+<file path=ppt/notesSlides/notesSlide2.xml><?xml version="1.0" encoding="utf-8"?>
+<p:notes xmlns:a="http://schemas.openxmlformats.org/drawingml/2006/main" xmlns:r="http://schemas.openxmlformats.org/officeDocument/2006/relationships" xmlns:p="http://schemas.openxmlformats.org/presentationml/2006/main">
+  <p:cSld>
+    <p:spTree>
+      <p:nvGrpSpPr>
+        <p:cNvPr id="1" name=""/>
+        <p:cNvGrpSpPr/>
+        <p:nvPr/>
+      </p:nvGrpSpPr>
+      <p:grpSpPr>
+        <a:xfrm>
+          <a:off x="0" y="0"/>
+          <a:ext cx="0" cy="0"/>
+          <a:chOff x="0" y="0"/>
+          <a:chExt cx="0" cy="0"/>
+        </a:xfrm>
+      </p:grpSpPr>
+      <p:sp>
+        <p:nvSpPr>
+          <p:cNvPr id="2" name="Slide Image Placeholder 1"/>
+          <p:cNvSpPr>
+            <a:spLocks noGrp="1" noRot="1" noChangeAspect="1"/>
+          </p:cNvSpPr>
+          <p:nvPr>
+            <p:ph type="sldImg"/>
+          </p:nvPr>
+        </p:nvSpPr>
+        <p:spPr/>
+      </p:sp>
+      <p:sp>
+        <p:nvSpPr>
+          <p:cNvPr id="3" name="Notes Placeholder 2"/>
+          <p:cNvSpPr>
+            <a:spLocks noGrp="1"/>
+          </p:cNvSpPr>
+          <p:nvPr>
+            <p:ph type="body" idx="1"/>
+          </p:nvPr>
+        </p:nvSpPr>
+        <p:spPr/>
+        <p:txBody>
+          <a:bodyPr/>
+          <a:lstStyle/>
+          <a:p>
+            <a:endParaRPr lang="en-US" dirty="0"/>
+          </a:p>
+        </p:txBody>
+      </p:sp>
+      <p:sp>
+        <p:nvSpPr>
+          <p:cNvPr id="4" name="Slide Number Placeholder 3"/>
+          <p:cNvSpPr>
+            <a:spLocks noGrp="1"/>
+          </p:cNvSpPr>
+          <p:nvPr>
+            <p:ph type="sldNum" sz="quarter" idx="10"/>
+          </p:nvPr>
+        </p:nvSpPr>
+        <p:spPr/>
+        <p:txBody>
+          <a:bodyPr/>
+          <a:lstStyle/>
+          <a:p>
+            <a:fld id="{3B3F3BDD-84E3-4B4E-B52E-EBB072A171E0}" type="slidenum">
+              <a:rPr lang="en-US" smtClean="0"/>
+              <a:t>25</a:t>
+            </a:fld>
+            <a:endParaRPr lang="en-US"/>
+          </a:p>
+        </p:txBody>
+      </p:sp>
+    </p:spTree>
+    <p:extLst>
+      <p:ext uri="{BB962C8B-B14F-4D97-AF65-F5344CB8AC3E}">
+        <p14:creationId xmlns:p14="http://schemas.microsoft.com/office/powerpoint/2010/main" val="3325096316"/>
       </p:ext>
     </p:extLst>
   </p:cSld>
@@ -1411,7 +1498,7 @@
             <a:fld id="{1D8BD707-D9CF-40AE-B4C6-C98DA3205C09}" type="datetimeFigureOut">
               <a:rPr lang="en-US" smtClean="0"/>
               <a:pPr/>
-              <a:t>10/12/2018</a:t>
+              <a:t>10/18/2018</a:t>
             </a:fld>
             <a:endParaRPr lang="en-US"/>
           </a:p>
@@ -1664,7 +1751,7 @@
             <a:fld id="{1D8BD707-D9CF-40AE-B4C6-C98DA3205C09}" type="datetimeFigureOut">
               <a:rPr lang="en-US" smtClean="0"/>
               <a:pPr/>
-              <a:t>10/12/2018</a:t>
+              <a:t>10/18/2018</a:t>
             </a:fld>
             <a:endParaRPr lang="en-US"/>
           </a:p>
@@ -1980,7 +2067,7 @@
             <a:fld id="{1D8BD707-D9CF-40AE-B4C6-C98DA3205C09}" type="datetimeFigureOut">
               <a:rPr lang="en-US" smtClean="0"/>
               <a:pPr/>
-              <a:t>10/12/2018</a:t>
+              <a:t>10/18/2018</a:t>
             </a:fld>
             <a:endParaRPr lang="en-US"/>
           </a:p>
@@ -2315,7 +2402,7 @@
             <a:fld id="{1D8BD707-D9CF-40AE-B4C6-C98DA3205C09}" type="datetimeFigureOut">
               <a:rPr lang="en-US" smtClean="0"/>
               <a:pPr/>
-              <a:t>10/12/2018</a:t>
+              <a:t>10/18/2018</a:t>
             </a:fld>
             <a:endParaRPr lang="en-US"/>
           </a:p>
@@ -2631,7 +2718,7 @@
             <a:fld id="{1D8BD707-D9CF-40AE-B4C6-C98DA3205C09}" type="datetimeFigureOut">
               <a:rPr lang="en-US" smtClean="0"/>
               <a:pPr/>
-              <a:t>10/12/2018</a:t>
+              <a:t>10/18/2018</a:t>
             </a:fld>
             <a:endParaRPr lang="en-US"/>
           </a:p>
@@ -3026,7 +3113,7 @@
             <a:fld id="{1D8BD707-D9CF-40AE-B4C6-C98DA3205C09}" type="datetimeFigureOut">
               <a:rPr lang="en-US" smtClean="0"/>
               <a:pPr/>
-              <a:t>10/12/2018</a:t>
+              <a:t>10/18/2018</a:t>
             </a:fld>
             <a:endParaRPr lang="en-US"/>
           </a:p>
@@ -3198,7 +3285,7 @@
             <a:fld id="{1D8BD707-D9CF-40AE-B4C6-C98DA3205C09}" type="datetimeFigureOut">
               <a:rPr lang="en-US" smtClean="0"/>
               <a:pPr/>
-              <a:t>10/12/2018</a:t>
+              <a:t>10/18/2018</a:t>
             </a:fld>
             <a:endParaRPr lang="en-US"/>
           </a:p>
@@ -3380,7 +3467,7 @@
             <a:fld id="{1D8BD707-D9CF-40AE-B4C6-C98DA3205C09}" type="datetimeFigureOut">
               <a:rPr lang="en-US" smtClean="0"/>
               <a:pPr/>
-              <a:t>10/12/2018</a:t>
+              <a:t>10/18/2018</a:t>
             </a:fld>
             <a:endParaRPr lang="en-US"/>
           </a:p>
@@ -3552,7 +3639,7 @@
             <a:fld id="{1D8BD707-D9CF-40AE-B4C6-C98DA3205C09}" type="datetimeFigureOut">
               <a:rPr lang="en-US" smtClean="0"/>
               <a:pPr/>
-              <a:t>10/12/2018</a:t>
+              <a:t>10/18/2018</a:t>
             </a:fld>
             <a:endParaRPr lang="en-US"/>
           </a:p>
@@ -3801,7 +3888,7 @@
             <a:fld id="{1D8BD707-D9CF-40AE-B4C6-C98DA3205C09}" type="datetimeFigureOut">
               <a:rPr lang="en-US" smtClean="0"/>
               <a:pPr/>
-              <a:t>10/12/2018</a:t>
+              <a:t>10/18/2018</a:t>
             </a:fld>
             <a:endParaRPr lang="en-US"/>
           </a:p>
@@ -4100,7 +4187,7 @@
             <a:fld id="{1D8BD707-D9CF-40AE-B4C6-C98DA3205C09}" type="datetimeFigureOut">
               <a:rPr lang="en-US" smtClean="0"/>
               <a:pPr/>
-              <a:t>10/12/2018</a:t>
+              <a:t>10/18/2018</a:t>
             </a:fld>
             <a:endParaRPr lang="en-US"/>
           </a:p>
@@ -4481,7 +4568,7 @@
             <a:fld id="{1D8BD707-D9CF-40AE-B4C6-C98DA3205C09}" type="datetimeFigureOut">
               <a:rPr lang="en-US" smtClean="0"/>
               <a:pPr/>
-              <a:t>10/12/2018</a:t>
+              <a:t>10/18/2018</a:t>
             </a:fld>
             <a:endParaRPr lang="en-US"/>
           </a:p>
@@ -4606,7 +4693,7 @@
             <a:fld id="{1D8BD707-D9CF-40AE-B4C6-C98DA3205C09}" type="datetimeFigureOut">
               <a:rPr lang="en-US" smtClean="0"/>
               <a:pPr/>
-              <a:t>10/12/2018</a:t>
+              <a:t>10/18/2018</a:t>
             </a:fld>
             <a:endParaRPr lang="en-US"/>
           </a:p>
@@ -4703,7 +4790,7 @@
             <a:fld id="{1D8BD707-D9CF-40AE-B4C6-C98DA3205C09}" type="datetimeFigureOut">
               <a:rPr lang="en-US" smtClean="0"/>
               <a:pPr/>
-              <a:t>10/12/2018</a:t>
+              <a:t>10/18/2018</a:t>
             </a:fld>
             <a:endParaRPr lang="en-US"/>
           </a:p>
@@ -4960,7 +5047,7 @@
             <a:fld id="{1D8BD707-D9CF-40AE-B4C6-C98DA3205C09}" type="datetimeFigureOut">
               <a:rPr lang="en-US" smtClean="0"/>
               <a:pPr/>
-              <a:t>10/12/2018</a:t>
+              <a:t>10/18/2018</a:t>
             </a:fld>
             <a:endParaRPr lang="en-US"/>
           </a:p>
@@ -5225,7 +5312,7 @@
             <a:fld id="{1D8BD707-D9CF-40AE-B4C6-C98DA3205C09}" type="datetimeFigureOut">
               <a:rPr lang="en-US" smtClean="0"/>
               <a:pPr/>
-              <a:t>10/12/2018</a:t>
+              <a:t>10/18/2018</a:t>
             </a:fld>
             <a:endParaRPr lang="en-US"/>
           </a:p>
@@ -6041,7 +6128,7 @@
             <a:fld id="{1D8BD707-D9CF-40AE-B4C6-C98DA3205C09}" type="datetimeFigureOut">
               <a:rPr lang="en-US" smtClean="0"/>
               <a:pPr/>
-              <a:t>10/12/2018</a:t>
+              <a:t>10/18/2018</a:t>
             </a:fld>
             <a:endParaRPr lang="en-US"/>
           </a:p>
@@ -6943,7 +7030,15 @@
             <a:pPr lvl="1"/>
             <a:r>
               <a:rPr lang="en-US" sz="2400" dirty="0"/>
-              <a:t>Long callback (event loop)</a:t>
+              <a:t>Long </a:t>
+            </a:r>
+            <a:r>
+              <a:rPr lang="en-US" sz="2400" dirty="0" smtClean="0"/>
+              <a:t>Synchronous Operation(event </a:t>
+            </a:r>
+            <a:r>
+              <a:rPr lang="en-US" sz="2400" dirty="0"/>
+              <a:t>loop)</a:t>
             </a:r>
           </a:p>
           <a:p>
@@ -6962,7 +7057,6 @@
               <a:rPr lang="en-US" sz="2400" dirty="0" smtClean="0"/>
               <a:t>other consumer.</a:t>
             </a:r>
-            <a:endParaRPr lang="en-US" sz="2400" dirty="0" smtClean="0"/>
           </a:p>
         </p:txBody>
       </p:sp>
@@ -7277,7 +7371,7 @@
           <a:p>
             <a:r>
               <a:rPr lang="en-US" dirty="0" smtClean="0"/>
-              <a:t>Avoid Serial Code</a:t>
+              <a:t>Avoid Sequential IO Operations</a:t>
             </a:r>
             <a:endParaRPr lang="en-US" dirty="0"/>
           </a:p>
@@ -7337,7 +7431,15 @@
           <a:p>
             <a:r>
               <a:rPr lang="en-US" dirty="0" smtClean="0"/>
-              <a:t>What Is Serial Code?</a:t>
+              <a:t>What Are </a:t>
+            </a:r>
+            <a:r>
+              <a:rPr lang="en-US" dirty="0" err="1" smtClean="0"/>
+              <a:t>Sequantial</a:t>
+            </a:r>
+            <a:r>
+              <a:rPr lang="en-US" dirty="0" smtClean="0"/>
+              <a:t> IO Operations?</a:t>
             </a:r>
             <a:endParaRPr lang="en-US" dirty="0"/>
           </a:p>
@@ -7355,7 +7457,7 @@
         </p:nvSpPr>
         <p:spPr>
           <a:xfrm>
-            <a:off x="609599" y="1529427"/>
+            <a:off x="609599" y="1834227"/>
             <a:ext cx="6347714" cy="3880773"/>
           </a:xfrm>
         </p:spPr>
@@ -7367,25 +7469,13 @@
           <a:p>
             <a:r>
               <a:rPr lang="en-US" sz="2400" dirty="0" smtClean="0"/>
-              <a:t>IO operations </a:t>
-            </a:r>
+              <a:t>IO operations are executed one by one.</a:t>
+            </a:r>
+          </a:p>
+          <a:p>
             <a:r>
               <a:rPr lang="en-US" sz="2400" dirty="0" smtClean="0"/>
-              <a:t>are executed one by one.</a:t>
-            </a:r>
-          </a:p>
-          <a:p>
-            <a:r>
-              <a:rPr lang="en-US" sz="2400" dirty="0" smtClean="0"/>
-              <a:t>Waiting until one </a:t>
-            </a:r>
-            <a:r>
-              <a:rPr lang="en-US" sz="2400" dirty="0" smtClean="0"/>
-              <a:t>IO operation </a:t>
-            </a:r>
-            <a:r>
-              <a:rPr lang="en-US" sz="2400" dirty="0" smtClean="0"/>
-              <a:t>will finish to start the next</a:t>
+              <a:t>Waiting until one IO operation will finish to start the next</a:t>
             </a:r>
           </a:p>
         </p:txBody>
@@ -7449,7 +7539,7 @@
           <a:p>
             <a:r>
               <a:rPr lang="en-US" dirty="0" smtClean="0"/>
-              <a:t>Why To Avoid Serial Code ?</a:t>
+              <a:t>Why To Avoid Sequential IO Operations?</a:t>
             </a:r>
             <a:endParaRPr lang="en-US" dirty="0"/>
           </a:p>
@@ -7472,59 +7562,61 @@
           </a:xfrm>
         </p:spPr>
         <p:txBody>
-          <a:bodyPr/>
-          <a:lstStyle/>
-          <a:p>
-            <a:r>
-              <a:rPr lang="en-US" dirty="0"/>
+          <a:bodyPr>
+            <a:noAutofit/>
+          </a:bodyPr>
+          <a:lstStyle/>
+          <a:p>
+            <a:r>
+              <a:rPr lang="en-US" sz="2200" dirty="0"/>
               <a:t>T</a:t>
             </a:r>
             <a:r>
-              <a:rPr lang="en-US" dirty="0" smtClean="0"/>
+              <a:rPr lang="en-US" sz="2200" dirty="0" smtClean="0"/>
               <a:t>he way that the event loop is build.</a:t>
             </a:r>
           </a:p>
           <a:p>
             <a:pPr lvl="1"/>
             <a:r>
-              <a:rPr lang="en-US" dirty="0" smtClean="0"/>
+              <a:rPr lang="en-US" sz="2200" dirty="0" smtClean="0"/>
               <a:t>In Node.js there is no parallel code execution.</a:t>
             </a:r>
           </a:p>
           <a:p>
             <a:pPr lvl="1"/>
             <a:r>
-              <a:rPr lang="en-US" dirty="0" smtClean="0"/>
+              <a:rPr lang="en-US" sz="2200" dirty="0" smtClean="0"/>
               <a:t>You always schedule asynchronous operations one by one.</a:t>
             </a:r>
           </a:p>
           <a:p>
             <a:pPr lvl="1"/>
             <a:r>
-              <a:rPr lang="en-US" dirty="0" smtClean="0"/>
+              <a:rPr lang="en-US" sz="2200" dirty="0" smtClean="0"/>
               <a:t>You can execute asynchronous operations in parallel with the worker thread pool.</a:t>
             </a:r>
           </a:p>
           <a:p>
             <a:pPr lvl="1"/>
             <a:r>
-              <a:rPr lang="en-US" dirty="0" smtClean="0"/>
+              <a:rPr lang="en-US" sz="2200" dirty="0" smtClean="0"/>
               <a:t>Attention – real parallel execution happened only if you have multi core CPU.</a:t>
             </a:r>
           </a:p>
           <a:p>
             <a:r>
-              <a:rPr lang="en-US" dirty="0" smtClean="0"/>
-              <a:t>When writing serial code :</a:t>
+              <a:rPr lang="en-US" sz="2200" dirty="0" smtClean="0"/>
+              <a:t>When writing Sequential IO operations:</a:t>
             </a:r>
           </a:p>
           <a:p>
             <a:pPr lvl="1"/>
             <a:r>
-              <a:rPr lang="en-US" dirty="0" smtClean="0"/>
+              <a:rPr lang="en-US" sz="2200" dirty="0" smtClean="0"/>
               <a:t>You do not use the advantages of the worker pool.</a:t>
             </a:r>
-            <a:endParaRPr lang="en-US" dirty="0"/>
+            <a:endParaRPr lang="en-US" sz="2200" dirty="0"/>
           </a:p>
         </p:txBody>
       </p:sp>
@@ -7582,12 +7674,14 @@
           </a:xfrm>
         </p:spPr>
         <p:txBody>
-          <a:bodyPr/>
+          <a:bodyPr>
+            <a:normAutofit/>
+          </a:bodyPr>
           <a:lstStyle/>
           <a:p>
             <a:r>
               <a:rPr lang="en-US" dirty="0" smtClean="0"/>
-              <a:t>Serial Code Example – ES5 </a:t>
+              <a:t>Sequential IO operations Example – ES5 </a:t>
             </a:r>
             <a:r>
               <a:rPr lang="en-US" dirty="0" err="1" smtClean="0"/>
@@ -7685,8 +7779,12 @@
           <a:lstStyle/>
           <a:p>
             <a:r>
+              <a:rPr lang="en-US" dirty="0"/>
+              <a:t>Sequential IO operations </a:t>
+            </a:r>
+            <a:r>
               <a:rPr lang="en-US" dirty="0" smtClean="0"/>
-              <a:t>Serial Code Example – ES5 - </a:t>
+              <a:t>Example – ES5 - </a:t>
             </a:r>
             <a:r>
               <a:rPr lang="en-US" dirty="0" err="1" smtClean="0"/>
@@ -7835,7 +7933,15 @@
             </a:r>
             <a:r>
               <a:rPr lang="en-US" dirty="0" smtClean="0"/>
-              <a:t> CTO group in Israel, Oecloud.io Architect</a:t>
+              <a:t> </a:t>
+            </a:r>
+            <a:r>
+              <a:rPr lang="en-US" dirty="0" smtClean="0"/>
+              <a:t>Development group </a:t>
+            </a:r>
+            <a:r>
+              <a:rPr lang="en-US" dirty="0" smtClean="0"/>
+              <a:t>in Israel, Oecloud.io Architect</a:t>
             </a:r>
           </a:p>
           <a:p>
@@ -8086,8 +8192,12 @@
           <a:lstStyle/>
           <a:p>
             <a:r>
+              <a:rPr lang="en-US" dirty="0"/>
+              <a:t>Sequential IO operations </a:t>
+            </a:r>
+            <a:r>
               <a:rPr lang="en-US" dirty="0" smtClean="0"/>
-              <a:t>Serial Code Example – ES6 - Promises</a:t>
+              <a:t>Example – ES6 - Promises</a:t>
             </a:r>
             <a:endParaRPr lang="en-US" dirty="0"/>
           </a:p>
@@ -8177,12 +8287,18 @@
           </a:xfrm>
         </p:spPr>
         <p:txBody>
-          <a:bodyPr/>
-          <a:lstStyle/>
-          <a:p>
+          <a:bodyPr>
+            <a:normAutofit fontScale="90000"/>
+          </a:bodyPr>
+          <a:lstStyle/>
+          <a:p>
+            <a:r>
+              <a:rPr lang="en-US" dirty="0"/>
+              <a:t>Sequential IO operations </a:t>
+            </a:r>
             <a:r>
               <a:rPr lang="en-US" dirty="0" smtClean="0"/>
-              <a:t>Serial Code Example Continue – ES6 - Promises</a:t>
+              <a:t>Example Continue – ES6 - Promises</a:t>
             </a:r>
             <a:endParaRPr lang="en-US" dirty="0"/>
           </a:p>
@@ -8276,8 +8392,12 @@
           <a:lstStyle/>
           <a:p>
             <a:r>
+              <a:rPr lang="en-US" dirty="0"/>
+              <a:t>Sequential IO operations </a:t>
+            </a:r>
+            <a:r>
               <a:rPr lang="en-US" dirty="0" smtClean="0"/>
-              <a:t>Serial Code Example – ES6 – The Problem</a:t>
+              <a:t>Example – ES6 – The Problem</a:t>
             </a:r>
             <a:endParaRPr lang="en-US" dirty="0"/>
           </a:p>
@@ -8468,8 +8588,12 @@
           <a:lstStyle/>
           <a:p>
             <a:r>
+              <a:rPr lang="en-US" dirty="0"/>
+              <a:t>Sequential IO operations </a:t>
+            </a:r>
+            <a:r>
               <a:rPr lang="en-US" dirty="0" smtClean="0"/>
-              <a:t>Serial Code With </a:t>
+              <a:t>With </a:t>
             </a:r>
             <a:r>
               <a:rPr lang="en-US" dirty="0" err="1" smtClean="0"/>
@@ -8492,7 +8616,7 @@
           <p:nvPr/>
         </p:nvPicPr>
         <p:blipFill>
-          <a:blip r:embed="rId2">
+          <a:blip r:embed="rId3">
             <a:extLst>
               <a:ext uri="{28A0092B-C50C-407E-A947-70E740481C1C}">
                 <a14:useLocalDpi xmlns:a14="http://schemas.microsoft.com/office/drawing/2010/main" val="0"/>
@@ -8675,7 +8799,15 @@
           <a:p>
             <a:r>
               <a:rPr lang="en-US" dirty="0" smtClean="0"/>
-              <a:t>Demo – Serial vs Parallel Code</a:t>
+              <a:t>Demo – </a:t>
+            </a:r>
+            <a:r>
+              <a:rPr lang="en-US" dirty="0"/>
+              <a:t>Sequential IO operations vs </a:t>
+            </a:r>
+            <a:r>
+              <a:rPr lang="en-US" dirty="0" smtClean="0"/>
+              <a:t>Parallel Code</a:t>
             </a:r>
             <a:endParaRPr lang="en-US" dirty="0"/>
           </a:p>
@@ -8783,19 +8915,7 @@
           <a:p>
             <a:r>
               <a:rPr lang="en-US" sz="2400" dirty="0" smtClean="0"/>
-              <a:t>Try to re-structure your code in order to execute as much </a:t>
-            </a:r>
-            <a:r>
-              <a:rPr lang="en-US" sz="2400" dirty="0" smtClean="0"/>
-              <a:t>IO operations </a:t>
-            </a:r>
-            <a:r>
-              <a:rPr lang="en-US" sz="2400" dirty="0" smtClean="0"/>
-              <a:t>in </a:t>
-            </a:r>
-            <a:r>
-              <a:rPr lang="en-US" sz="2400" dirty="0" smtClean="0"/>
-              <a:t>parallel as you can</a:t>
+              <a:t>Try to re-structure your code in order to execute as much IO operations in parallel as you can</a:t>
             </a:r>
             <a:endParaRPr lang="en-US" sz="2400" dirty="0"/>
           </a:p>
@@ -9071,11 +9191,7 @@
           <a:p>
             <a:r>
               <a:rPr lang="en-US" sz="2400" dirty="0" smtClean="0"/>
-              <a:t>To utilize the entire power of the CPUs of the machine – we must </a:t>
-            </a:r>
-            <a:r>
-              <a:rPr lang="en-US" sz="2400" dirty="0" smtClean="0"/>
-              <a:t>have more processes running</a:t>
+              <a:t>To utilize the entire power of the CPUs of the machine – we must have more processes running</a:t>
             </a:r>
             <a:endParaRPr lang="en-US" sz="2400" dirty="0"/>
           </a:p>
@@ -9128,19 +9244,14 @@
             <p:ph type="title"/>
           </p:nvPr>
         </p:nvSpPr>
-        <p:spPr>
-          <a:xfrm>
-            <a:off x="609599" y="228600"/>
-            <a:ext cx="6347713" cy="1320800"/>
-          </a:xfrm>
-        </p:spPr>
+        <p:spPr/>
         <p:txBody>
           <a:bodyPr/>
           <a:lstStyle/>
           <a:p>
             <a:r>
               <a:rPr lang="en-US" dirty="0" smtClean="0"/>
-              <a:t>Possible Multi Process Setups – Option 1</a:t>
+              <a:t>Possible Multi Process Setups</a:t>
             </a:r>
             <a:endParaRPr lang="en-US" dirty="0"/>
           </a:p>
@@ -9156,12 +9267,7 @@
             <p:ph idx="1"/>
           </p:nvPr>
         </p:nvSpPr>
-        <p:spPr>
-          <a:xfrm>
-            <a:off x="510286" y="1600200"/>
-            <a:ext cx="6347714" cy="4441163"/>
-          </a:xfrm>
-        </p:spPr>
+        <p:spPr/>
         <p:txBody>
           <a:bodyPr>
             <a:normAutofit/>
@@ -9169,44 +9275,38 @@
           <a:lstStyle/>
           <a:p>
             <a:r>
-              <a:rPr lang="en-US" sz="2200" dirty="0" smtClean="0"/>
-              <a:t>Using the Cluster Module </a:t>
-            </a:r>
-          </a:p>
-          <a:p>
-            <a:pPr lvl="1"/>
-            <a:r>
-              <a:rPr lang="en-US" sz="2200" dirty="0" smtClean="0"/>
-              <a:t>Master Process will spawn child processes</a:t>
-            </a:r>
-          </a:p>
-          <a:p>
-            <a:pPr lvl="1"/>
-            <a:r>
-              <a:rPr lang="en-US" sz="2200" dirty="0" smtClean="0"/>
-              <a:t>Master Process will be responsible to load balance the requests to the worker process.</a:t>
-            </a:r>
-          </a:p>
-          <a:p>
-            <a:pPr lvl="1"/>
-            <a:r>
-              <a:rPr lang="en-US" sz="2200" dirty="0" smtClean="0"/>
-              <a:t>All processes listen to the same port</a:t>
-            </a:r>
-          </a:p>
-          <a:p>
-            <a:pPr lvl="1"/>
-            <a:r>
-              <a:rPr lang="en-US" sz="2200" dirty="0" smtClean="0"/>
-              <a:t>The number of worker processes is equal to the number of the CPUs in the machine</a:t>
-            </a:r>
+              <a:rPr lang="en-US" sz="2400" dirty="0" smtClean="0"/>
+              <a:t>Node.js cluster module</a:t>
+            </a:r>
+          </a:p>
+          <a:p>
+            <a:r>
+              <a:rPr lang="en-US" sz="2400" dirty="0" smtClean="0"/>
+              <a:t>Docker Containers + </a:t>
+            </a:r>
+            <a:r>
+              <a:rPr lang="en-US" sz="2400" dirty="0" err="1" smtClean="0"/>
+              <a:t>IPTables</a:t>
+            </a:r>
+            <a:endParaRPr lang="en-US" sz="2400" dirty="0" smtClean="0"/>
+          </a:p>
+          <a:p>
+            <a:r>
+              <a:rPr lang="en-US" sz="2400" dirty="0" smtClean="0"/>
+              <a:t>Docker Containers + NGNIX / </a:t>
+            </a:r>
+            <a:r>
+              <a:rPr lang="en-US" sz="2400" dirty="0" err="1" smtClean="0"/>
+              <a:t>HAProxy</a:t>
+            </a:r>
+            <a:endParaRPr lang="en-US" sz="2400" dirty="0"/>
           </a:p>
         </p:txBody>
       </p:sp>
     </p:spTree>
     <p:extLst>
       <p:ext uri="{BB962C8B-B14F-4D97-AF65-F5344CB8AC3E}">
-        <p14:creationId xmlns:p14="http://schemas.microsoft.com/office/powerpoint/2010/main" val="2889138942"/>
+        <p14:creationId xmlns:p14="http://schemas.microsoft.com/office/powerpoint/2010/main" val="1695427947"/>
       </p:ext>
     </p:extLst>
   </p:cSld>
@@ -9262,7 +9362,7 @@
           <a:p>
             <a:r>
               <a:rPr lang="en-US" dirty="0" smtClean="0"/>
-              <a:t>Possible Multi Process Setup – Option 2</a:t>
+              <a:t>The Cluster Module</a:t>
             </a:r>
             <a:endParaRPr lang="en-US" dirty="0"/>
           </a:p>
@@ -9270,98 +9370,703 @@
       </p:sp>
       <p:sp>
         <p:nvSpPr>
-          <p:cNvPr id="3" name="Content Placeholder 2"/>
-          <p:cNvSpPr>
-            <a:spLocks noGrp="1"/>
-          </p:cNvSpPr>
-          <p:nvPr>
-            <p:ph idx="1"/>
-          </p:nvPr>
-        </p:nvSpPr>
-        <p:spPr>
-          <a:xfrm>
-            <a:off x="609599" y="1828800"/>
-            <a:ext cx="6347714" cy="3880773"/>
-          </a:xfrm>
-        </p:spPr>
-        <p:txBody>
-          <a:bodyPr>
-            <a:normAutofit/>
+          <p:cNvPr id="4" name="Rectangle 3"/>
+          <p:cNvSpPr/>
+          <p:nvPr/>
+        </p:nvSpPr>
+        <p:spPr>
+          <a:xfrm>
+            <a:off x="1295400" y="1371600"/>
+            <a:ext cx="1447800" cy="914400"/>
+          </a:xfrm>
+          <a:prstGeom prst="rect">
+            <a:avLst/>
+          </a:prstGeom>
+          <a:noFill/>
+        </p:spPr>
+        <p:style>
+          <a:lnRef idx="2">
+            <a:schemeClr val="accent1">
+              <a:shade val="50000"/>
+            </a:schemeClr>
+          </a:lnRef>
+          <a:fillRef idx="1">
+            <a:schemeClr val="accent1"/>
+          </a:fillRef>
+          <a:effectRef idx="0">
+            <a:schemeClr val="accent1"/>
+          </a:effectRef>
+          <a:fontRef idx="minor">
+            <a:schemeClr val="lt1"/>
+          </a:fontRef>
+        </p:style>
+        <p:txBody>
+          <a:bodyPr rtlCol="0" anchor="ctr"/>
+          <a:lstStyle/>
+          <a:p>
+            <a:pPr algn="ctr"/>
+            <a:r>
+              <a:rPr lang="en-US" dirty="0" smtClean="0">
+                <a:solidFill>
+                  <a:schemeClr val="tx1"/>
+                </a:solidFill>
+              </a:rPr>
+              <a:t>Client1</a:t>
+            </a:r>
+            <a:endParaRPr lang="en-US" dirty="0">
+              <a:solidFill>
+                <a:schemeClr val="tx1"/>
+              </a:solidFill>
+            </a:endParaRPr>
+          </a:p>
+        </p:txBody>
+      </p:sp>
+      <p:sp>
+        <p:nvSpPr>
+          <p:cNvPr id="5" name="Rectangle 4"/>
+          <p:cNvSpPr/>
+          <p:nvPr/>
+        </p:nvSpPr>
+        <p:spPr>
+          <a:xfrm>
+            <a:off x="3429000" y="1371600"/>
+            <a:ext cx="1447800" cy="914400"/>
+          </a:xfrm>
+          <a:prstGeom prst="rect">
+            <a:avLst/>
+          </a:prstGeom>
+          <a:noFill/>
+        </p:spPr>
+        <p:style>
+          <a:lnRef idx="2">
+            <a:schemeClr val="accent1">
+              <a:shade val="50000"/>
+            </a:schemeClr>
+          </a:lnRef>
+          <a:fillRef idx="1">
+            <a:schemeClr val="accent1"/>
+          </a:fillRef>
+          <a:effectRef idx="0">
+            <a:schemeClr val="accent1"/>
+          </a:effectRef>
+          <a:fontRef idx="minor">
+            <a:schemeClr val="lt1"/>
+          </a:fontRef>
+        </p:style>
+        <p:txBody>
+          <a:bodyPr rtlCol="0" anchor="ctr"/>
+          <a:lstStyle/>
+          <a:p>
+            <a:pPr algn="ctr"/>
+            <a:r>
+              <a:rPr lang="en-US" dirty="0" smtClean="0">
+                <a:solidFill>
+                  <a:schemeClr val="tx1"/>
+                </a:solidFill>
+              </a:rPr>
+              <a:t>Client2</a:t>
+            </a:r>
+            <a:endParaRPr lang="en-US" dirty="0">
+              <a:solidFill>
+                <a:schemeClr val="tx1"/>
+              </a:solidFill>
+            </a:endParaRPr>
+          </a:p>
+        </p:txBody>
+      </p:sp>
+      <p:sp>
+        <p:nvSpPr>
+          <p:cNvPr id="6" name="Rectangle 5"/>
+          <p:cNvSpPr/>
+          <p:nvPr/>
+        </p:nvSpPr>
+        <p:spPr>
+          <a:xfrm>
+            <a:off x="5715000" y="1371600"/>
+            <a:ext cx="1447800" cy="914400"/>
+          </a:xfrm>
+          <a:prstGeom prst="rect">
+            <a:avLst/>
+          </a:prstGeom>
+          <a:noFill/>
+        </p:spPr>
+        <p:style>
+          <a:lnRef idx="2">
+            <a:schemeClr val="accent1">
+              <a:shade val="50000"/>
+            </a:schemeClr>
+          </a:lnRef>
+          <a:fillRef idx="1">
+            <a:schemeClr val="accent1"/>
+          </a:fillRef>
+          <a:effectRef idx="0">
+            <a:schemeClr val="accent1"/>
+          </a:effectRef>
+          <a:fontRef idx="minor">
+            <a:schemeClr val="lt1"/>
+          </a:fontRef>
+        </p:style>
+        <p:txBody>
+          <a:bodyPr rtlCol="0" anchor="ctr"/>
+          <a:lstStyle/>
+          <a:p>
+            <a:pPr algn="ctr"/>
+            <a:r>
+              <a:rPr lang="en-US" dirty="0" smtClean="0">
+                <a:solidFill>
+                  <a:schemeClr val="tx1"/>
+                </a:solidFill>
+              </a:rPr>
+              <a:t>Client3</a:t>
+            </a:r>
+            <a:endParaRPr lang="en-US" dirty="0">
+              <a:solidFill>
+                <a:schemeClr val="tx1"/>
+              </a:solidFill>
+            </a:endParaRPr>
+          </a:p>
+        </p:txBody>
+      </p:sp>
+      <p:sp>
+        <p:nvSpPr>
+          <p:cNvPr id="8" name="Rectangle 7"/>
+          <p:cNvSpPr/>
+          <p:nvPr/>
+        </p:nvSpPr>
+        <p:spPr>
+          <a:xfrm>
+            <a:off x="3200400" y="3352800"/>
+            <a:ext cx="1447800" cy="914400"/>
+          </a:xfrm>
+          <a:prstGeom prst="rect">
+            <a:avLst/>
+          </a:prstGeom>
+          <a:noFill/>
+        </p:spPr>
+        <p:style>
+          <a:lnRef idx="2">
+            <a:schemeClr val="accent1">
+              <a:shade val="50000"/>
+            </a:schemeClr>
+          </a:lnRef>
+          <a:fillRef idx="1">
+            <a:schemeClr val="accent1"/>
+          </a:fillRef>
+          <a:effectRef idx="0">
+            <a:schemeClr val="accent1"/>
+          </a:effectRef>
+          <a:fontRef idx="minor">
+            <a:schemeClr val="lt1"/>
+          </a:fontRef>
+        </p:style>
+        <p:txBody>
+          <a:bodyPr rtlCol="0" anchor="ctr"/>
+          <a:lstStyle/>
+          <a:p>
+            <a:pPr algn="ctr"/>
+            <a:r>
+              <a:rPr lang="en-US" dirty="0" smtClean="0">
+                <a:solidFill>
+                  <a:schemeClr val="tx1"/>
+                </a:solidFill>
+              </a:rPr>
+              <a:t>Master</a:t>
+            </a:r>
+            <a:endParaRPr lang="en-US" dirty="0">
+              <a:solidFill>
+                <a:schemeClr val="tx1"/>
+              </a:solidFill>
+            </a:endParaRPr>
+          </a:p>
+        </p:txBody>
+      </p:sp>
+      <p:sp>
+        <p:nvSpPr>
+          <p:cNvPr id="19" name="Rectangle 18"/>
+          <p:cNvSpPr/>
+          <p:nvPr/>
+        </p:nvSpPr>
+        <p:spPr>
+          <a:xfrm>
+            <a:off x="762000" y="5257800"/>
+            <a:ext cx="1447800" cy="914400"/>
+          </a:xfrm>
+          <a:prstGeom prst="rect">
+            <a:avLst/>
+          </a:prstGeom>
+          <a:noFill/>
+        </p:spPr>
+        <p:style>
+          <a:lnRef idx="2">
+            <a:schemeClr val="accent1">
+              <a:shade val="50000"/>
+            </a:schemeClr>
+          </a:lnRef>
+          <a:fillRef idx="1">
+            <a:schemeClr val="accent1"/>
+          </a:fillRef>
+          <a:effectRef idx="0">
+            <a:schemeClr val="accent1"/>
+          </a:effectRef>
+          <a:fontRef idx="minor">
+            <a:schemeClr val="lt1"/>
+          </a:fontRef>
+        </p:style>
+        <p:txBody>
+          <a:bodyPr rtlCol="0" anchor="ctr"/>
+          <a:lstStyle/>
+          <a:p>
+            <a:pPr algn="ctr"/>
+            <a:r>
+              <a:rPr lang="en-US" dirty="0" smtClean="0">
+                <a:solidFill>
+                  <a:schemeClr val="tx1"/>
+                </a:solidFill>
+              </a:rPr>
+              <a:t>Worker</a:t>
+            </a:r>
+            <a:endParaRPr lang="en-US" dirty="0">
+              <a:solidFill>
+                <a:schemeClr val="tx1"/>
+              </a:solidFill>
+            </a:endParaRPr>
+          </a:p>
+        </p:txBody>
+      </p:sp>
+      <p:sp>
+        <p:nvSpPr>
+          <p:cNvPr id="20" name="Rectangle 19"/>
+          <p:cNvSpPr/>
+          <p:nvPr/>
+        </p:nvSpPr>
+        <p:spPr>
+          <a:xfrm>
+            <a:off x="3200400" y="5257800"/>
+            <a:ext cx="1447800" cy="914400"/>
+          </a:xfrm>
+          <a:prstGeom prst="rect">
+            <a:avLst/>
+          </a:prstGeom>
+          <a:noFill/>
+        </p:spPr>
+        <p:style>
+          <a:lnRef idx="2">
+            <a:schemeClr val="accent1">
+              <a:shade val="50000"/>
+            </a:schemeClr>
+          </a:lnRef>
+          <a:fillRef idx="1">
+            <a:schemeClr val="accent1"/>
+          </a:fillRef>
+          <a:effectRef idx="0">
+            <a:schemeClr val="accent1"/>
+          </a:effectRef>
+          <a:fontRef idx="minor">
+            <a:schemeClr val="lt1"/>
+          </a:fontRef>
+        </p:style>
+        <p:txBody>
+          <a:bodyPr rtlCol="0" anchor="ctr"/>
+          <a:lstStyle/>
+          <a:p>
+            <a:pPr algn="ctr"/>
+            <a:r>
+              <a:rPr lang="en-US" dirty="0" smtClean="0">
+                <a:solidFill>
+                  <a:schemeClr val="tx1"/>
+                </a:solidFill>
+              </a:rPr>
+              <a:t>Worker</a:t>
+            </a:r>
+            <a:endParaRPr lang="en-US" dirty="0">
+              <a:solidFill>
+                <a:schemeClr val="tx1"/>
+              </a:solidFill>
+            </a:endParaRPr>
+          </a:p>
+        </p:txBody>
+      </p:sp>
+      <p:sp>
+        <p:nvSpPr>
+          <p:cNvPr id="21" name="Rectangle 20"/>
+          <p:cNvSpPr/>
+          <p:nvPr/>
+        </p:nvSpPr>
+        <p:spPr>
+          <a:xfrm>
+            <a:off x="5410200" y="5257800"/>
+            <a:ext cx="1447800" cy="914400"/>
+          </a:xfrm>
+          <a:prstGeom prst="rect">
+            <a:avLst/>
+          </a:prstGeom>
+          <a:noFill/>
+        </p:spPr>
+        <p:style>
+          <a:lnRef idx="2">
+            <a:schemeClr val="accent1">
+              <a:shade val="50000"/>
+            </a:schemeClr>
+          </a:lnRef>
+          <a:fillRef idx="1">
+            <a:schemeClr val="accent1"/>
+          </a:fillRef>
+          <a:effectRef idx="0">
+            <a:schemeClr val="accent1"/>
+          </a:effectRef>
+          <a:fontRef idx="minor">
+            <a:schemeClr val="lt1"/>
+          </a:fontRef>
+        </p:style>
+        <p:txBody>
+          <a:bodyPr rtlCol="0" anchor="ctr"/>
+          <a:lstStyle/>
+          <a:p>
+            <a:pPr algn="ctr"/>
+            <a:r>
+              <a:rPr lang="en-US" dirty="0" smtClean="0">
+                <a:solidFill>
+                  <a:schemeClr val="tx1"/>
+                </a:solidFill>
+              </a:rPr>
+              <a:t>Worker</a:t>
+            </a:r>
+            <a:endParaRPr lang="en-US" dirty="0">
+              <a:solidFill>
+                <a:schemeClr val="tx1"/>
+              </a:solidFill>
+            </a:endParaRPr>
+          </a:p>
+        </p:txBody>
+      </p:sp>
+      <p:sp>
+        <p:nvSpPr>
+          <p:cNvPr id="32" name="TextBox 31"/>
+          <p:cNvSpPr txBox="1"/>
+          <p:nvPr/>
+        </p:nvSpPr>
+        <p:spPr>
+          <a:xfrm>
+            <a:off x="76200" y="3247072"/>
+            <a:ext cx="2400300" cy="1477328"/>
+          </a:xfrm>
+          <a:prstGeom prst="rect">
+            <a:avLst/>
+          </a:prstGeom>
+          <a:noFill/>
+        </p:spPr>
+        <p:txBody>
+          <a:bodyPr wrap="square" rtlCol="0">
+            <a:spAutoFit/>
           </a:bodyPr>
           <a:lstStyle/>
           <a:p>
             <a:r>
-              <a:rPr lang="en-US" sz="2400" dirty="0"/>
-              <a:t>Using </a:t>
-            </a:r>
-            <a:r>
-              <a:rPr lang="en-US" sz="2400" dirty="0" err="1"/>
-              <a:t>IPTable</a:t>
-            </a:r>
-            <a:r>
-              <a:rPr lang="en-US" sz="2400" dirty="0"/>
-              <a:t> module to load balance the requests</a:t>
-            </a:r>
-          </a:p>
-          <a:p>
-            <a:pPr lvl="1"/>
-            <a:r>
-              <a:rPr lang="en-US" sz="2400" dirty="0"/>
-              <a:t>Setup several </a:t>
-            </a:r>
-            <a:r>
-              <a:rPr lang="en-US" sz="2400" dirty="0" err="1"/>
-              <a:t>docker</a:t>
-            </a:r>
-            <a:r>
-              <a:rPr lang="en-US" sz="2400" dirty="0"/>
-              <a:t> containers </a:t>
-            </a:r>
-          </a:p>
-          <a:p>
-            <a:pPr lvl="1"/>
-            <a:r>
-              <a:rPr lang="en-US" sz="2400" dirty="0" smtClean="0"/>
-              <a:t>Containers listening </a:t>
-            </a:r>
-            <a:r>
-              <a:rPr lang="en-US" sz="2400" dirty="0"/>
-              <a:t>on different </a:t>
-            </a:r>
-            <a:r>
-              <a:rPr lang="en-US" sz="2400" dirty="0" smtClean="0"/>
-              <a:t>ports</a:t>
-            </a:r>
-          </a:p>
-          <a:p>
-            <a:pPr lvl="1"/>
-            <a:r>
-              <a:rPr lang="en-US" sz="2400" dirty="0" smtClean="0"/>
-              <a:t>each Container is mapped </a:t>
-            </a:r>
-            <a:r>
-              <a:rPr lang="en-US" sz="2400" dirty="0"/>
-              <a:t>to one CPU</a:t>
-            </a:r>
-          </a:p>
-          <a:p>
-            <a:pPr lvl="1"/>
-            <a:r>
-              <a:rPr lang="en-US" sz="2400" dirty="0" err="1"/>
-              <a:t>IPTables</a:t>
-            </a:r>
-            <a:r>
-              <a:rPr lang="en-US" sz="2400" dirty="0"/>
-              <a:t> will listen on port 80 and will redirect to containers. </a:t>
-            </a:r>
-            <a:endParaRPr lang="he-IL" sz="2400" dirty="0"/>
+              <a:rPr lang="en-US" dirty="0" smtClean="0"/>
+              <a:t>Master is the main process. Responsible to spawn workers + distribute requests between workers</a:t>
+            </a:r>
+            <a:endParaRPr lang="en-US" dirty="0"/>
+          </a:p>
+        </p:txBody>
+      </p:sp>
+      <p:sp>
+        <p:nvSpPr>
+          <p:cNvPr id="33" name="TextBox 32"/>
+          <p:cNvSpPr txBox="1"/>
+          <p:nvPr/>
+        </p:nvSpPr>
+        <p:spPr>
+          <a:xfrm>
+            <a:off x="5753100" y="3505200"/>
+            <a:ext cx="2705100" cy="923330"/>
+          </a:xfrm>
+          <a:prstGeom prst="rect">
+            <a:avLst/>
+          </a:prstGeom>
+          <a:noFill/>
+        </p:spPr>
+        <p:txBody>
+          <a:bodyPr wrap="square" rtlCol="0">
+            <a:spAutoFit/>
+          </a:bodyPr>
+          <a:lstStyle/>
+          <a:p>
+            <a:r>
+              <a:rPr lang="en-US" dirty="0" smtClean="0"/>
+              <a:t>Worker processes Responsible to return the response to client</a:t>
+            </a:r>
+            <a:endParaRPr lang="en-US" dirty="0"/>
+          </a:p>
+        </p:txBody>
+      </p:sp>
+      <p:sp>
+        <p:nvSpPr>
+          <p:cNvPr id="25" name="Right Arrow 24"/>
+          <p:cNvSpPr/>
+          <p:nvPr/>
+        </p:nvSpPr>
+        <p:spPr>
+          <a:xfrm rot="3176660">
+            <a:off x="2041891" y="2561175"/>
+            <a:ext cx="609600" cy="533400"/>
+          </a:xfrm>
+          <a:prstGeom prst="rightArrow">
+            <a:avLst>
+              <a:gd name="adj1" fmla="val 50000"/>
+              <a:gd name="adj2" fmla="val 44286"/>
+            </a:avLst>
+          </a:prstGeom>
+          <a:noFill/>
+        </p:spPr>
+        <p:style>
+          <a:lnRef idx="2">
+            <a:schemeClr val="accent1">
+              <a:shade val="50000"/>
+            </a:schemeClr>
+          </a:lnRef>
+          <a:fillRef idx="1">
+            <a:schemeClr val="accent1"/>
+          </a:fillRef>
+          <a:effectRef idx="0">
+            <a:schemeClr val="accent1"/>
+          </a:effectRef>
+          <a:fontRef idx="minor">
+            <a:schemeClr val="lt1"/>
+          </a:fontRef>
+        </p:style>
+        <p:txBody>
+          <a:bodyPr rtlCol="0" anchor="ctr"/>
+          <a:lstStyle/>
+          <a:p>
+            <a:pPr algn="ctr"/>
+            <a:endParaRPr lang="en-US"/>
+          </a:p>
+        </p:txBody>
+      </p:sp>
+      <p:sp>
+        <p:nvSpPr>
+          <p:cNvPr id="26" name="Right Arrow 25"/>
+          <p:cNvSpPr/>
+          <p:nvPr/>
+        </p:nvSpPr>
+        <p:spPr>
+          <a:xfrm rot="5400000">
+            <a:off x="3695700" y="2552700"/>
+            <a:ext cx="609600" cy="533400"/>
+          </a:xfrm>
+          <a:prstGeom prst="rightArrow">
+            <a:avLst>
+              <a:gd name="adj1" fmla="val 50000"/>
+              <a:gd name="adj2" fmla="val 44286"/>
+            </a:avLst>
+          </a:prstGeom>
+          <a:noFill/>
+        </p:spPr>
+        <p:style>
+          <a:lnRef idx="2">
+            <a:schemeClr val="accent1">
+              <a:shade val="50000"/>
+            </a:schemeClr>
+          </a:lnRef>
+          <a:fillRef idx="1">
+            <a:schemeClr val="accent1"/>
+          </a:fillRef>
+          <a:effectRef idx="0">
+            <a:schemeClr val="accent1"/>
+          </a:effectRef>
+          <a:fontRef idx="minor">
+            <a:schemeClr val="lt1"/>
+          </a:fontRef>
+        </p:style>
+        <p:txBody>
+          <a:bodyPr rtlCol="0" anchor="ctr"/>
+          <a:lstStyle/>
+          <a:p>
+            <a:pPr algn="ctr"/>
+            <a:endParaRPr lang="en-US"/>
+          </a:p>
+        </p:txBody>
+      </p:sp>
+      <p:sp>
+        <p:nvSpPr>
+          <p:cNvPr id="27" name="Right Arrow 26"/>
+          <p:cNvSpPr/>
+          <p:nvPr/>
+        </p:nvSpPr>
+        <p:spPr>
+          <a:xfrm rot="7301135">
+            <a:off x="5928090" y="2575657"/>
+            <a:ext cx="609600" cy="533400"/>
+          </a:xfrm>
+          <a:prstGeom prst="rightArrow">
+            <a:avLst>
+              <a:gd name="adj1" fmla="val 50000"/>
+              <a:gd name="adj2" fmla="val 44286"/>
+            </a:avLst>
+          </a:prstGeom>
+          <a:noFill/>
+        </p:spPr>
+        <p:style>
+          <a:lnRef idx="2">
+            <a:schemeClr val="accent1">
+              <a:shade val="50000"/>
+            </a:schemeClr>
+          </a:lnRef>
+          <a:fillRef idx="1">
+            <a:schemeClr val="accent1"/>
+          </a:fillRef>
+          <a:effectRef idx="0">
+            <a:schemeClr val="accent1"/>
+          </a:effectRef>
+          <a:fontRef idx="minor">
+            <a:schemeClr val="lt1"/>
+          </a:fontRef>
+        </p:style>
+        <p:txBody>
+          <a:bodyPr rtlCol="0" anchor="ctr"/>
+          <a:lstStyle/>
+          <a:p>
+            <a:pPr algn="ctr"/>
+            <a:endParaRPr lang="en-US"/>
+          </a:p>
+        </p:txBody>
+      </p:sp>
+      <p:sp>
+        <p:nvSpPr>
+          <p:cNvPr id="29" name="Right Arrow 28"/>
+          <p:cNvSpPr/>
+          <p:nvPr/>
+        </p:nvSpPr>
+        <p:spPr>
+          <a:xfrm rot="8089720">
+            <a:off x="2262970" y="4480891"/>
+            <a:ext cx="609600" cy="533400"/>
+          </a:xfrm>
+          <a:prstGeom prst="rightArrow">
+            <a:avLst>
+              <a:gd name="adj1" fmla="val 50000"/>
+              <a:gd name="adj2" fmla="val 44286"/>
+            </a:avLst>
+          </a:prstGeom>
+          <a:noFill/>
+        </p:spPr>
+        <p:style>
+          <a:lnRef idx="2">
+            <a:schemeClr val="accent1">
+              <a:shade val="50000"/>
+            </a:schemeClr>
+          </a:lnRef>
+          <a:fillRef idx="1">
+            <a:schemeClr val="accent1"/>
+          </a:fillRef>
+          <a:effectRef idx="0">
+            <a:schemeClr val="accent1"/>
+          </a:effectRef>
+          <a:fontRef idx="minor">
+            <a:schemeClr val="lt1"/>
+          </a:fontRef>
+        </p:style>
+        <p:txBody>
+          <a:bodyPr rtlCol="0" anchor="ctr"/>
+          <a:lstStyle/>
+          <a:p>
+            <a:pPr algn="ctr"/>
+            <a:endParaRPr lang="en-US"/>
+          </a:p>
+        </p:txBody>
+      </p:sp>
+      <p:sp>
+        <p:nvSpPr>
+          <p:cNvPr id="31" name="Right Arrow 30"/>
+          <p:cNvSpPr/>
+          <p:nvPr/>
+        </p:nvSpPr>
+        <p:spPr>
+          <a:xfrm rot="3176660">
+            <a:off x="4892310" y="4510943"/>
+            <a:ext cx="609600" cy="533400"/>
+          </a:xfrm>
+          <a:prstGeom prst="rightArrow">
+            <a:avLst>
+              <a:gd name="adj1" fmla="val 50000"/>
+              <a:gd name="adj2" fmla="val 44286"/>
+            </a:avLst>
+          </a:prstGeom>
+          <a:noFill/>
+        </p:spPr>
+        <p:style>
+          <a:lnRef idx="2">
+            <a:schemeClr val="accent1">
+              <a:shade val="50000"/>
+            </a:schemeClr>
+          </a:lnRef>
+          <a:fillRef idx="1">
+            <a:schemeClr val="accent1"/>
+          </a:fillRef>
+          <a:effectRef idx="0">
+            <a:schemeClr val="accent1"/>
+          </a:effectRef>
+          <a:fontRef idx="minor">
+            <a:schemeClr val="lt1"/>
+          </a:fontRef>
+        </p:style>
+        <p:txBody>
+          <a:bodyPr rtlCol="0" anchor="ctr"/>
+          <a:lstStyle/>
+          <a:p>
+            <a:pPr algn="ctr"/>
+            <a:endParaRPr lang="en-US"/>
+          </a:p>
+        </p:txBody>
+      </p:sp>
+      <p:sp>
+        <p:nvSpPr>
+          <p:cNvPr id="34" name="Right Arrow 33"/>
+          <p:cNvSpPr/>
+          <p:nvPr/>
+        </p:nvSpPr>
+        <p:spPr>
+          <a:xfrm rot="5400000">
+            <a:off x="3619500" y="4533900"/>
+            <a:ext cx="609600" cy="533400"/>
+          </a:xfrm>
+          <a:prstGeom prst="rightArrow">
+            <a:avLst>
+              <a:gd name="adj1" fmla="val 50000"/>
+              <a:gd name="adj2" fmla="val 44286"/>
+            </a:avLst>
+          </a:prstGeom>
+          <a:noFill/>
+        </p:spPr>
+        <p:style>
+          <a:lnRef idx="2">
+            <a:schemeClr val="accent1">
+              <a:shade val="50000"/>
+            </a:schemeClr>
+          </a:lnRef>
+          <a:fillRef idx="1">
+            <a:schemeClr val="accent1"/>
+          </a:fillRef>
+          <a:effectRef idx="0">
+            <a:schemeClr val="accent1"/>
+          </a:effectRef>
+          <a:fontRef idx="minor">
+            <a:schemeClr val="lt1"/>
+          </a:fontRef>
+        </p:style>
+        <p:txBody>
+          <a:bodyPr rtlCol="0" anchor="ctr"/>
+          <a:lstStyle/>
+          <a:p>
+            <a:pPr algn="ctr"/>
+            <a:endParaRPr lang="en-US"/>
           </a:p>
         </p:txBody>
       </p:sp>
     </p:spTree>
     <p:extLst>
       <p:ext uri="{BB962C8B-B14F-4D97-AF65-F5344CB8AC3E}">
-        <p14:creationId xmlns:p14="http://schemas.microsoft.com/office/powerpoint/2010/main" val="288439853"/>
+        <p14:creationId xmlns:p14="http://schemas.microsoft.com/office/powerpoint/2010/main" val="3267885253"/>
       </p:ext>
     </p:extLst>
   </p:cSld>
@@ -9379,7 +10084,7 @@
 </file>
 
 <file path=ppt/slides/slide33.xml><?xml version="1.0" encoding="utf-8"?>
-<p:sld xmlns:a="http://schemas.openxmlformats.org/drawingml/2006/main" xmlns:r="http://schemas.openxmlformats.org/officeDocument/2006/relationships" xmlns:p="http://schemas.openxmlformats.org/presentationml/2006/main">
+<p:sld xmlns:a="http://schemas.openxmlformats.org/drawingml/2006/main" xmlns:r="http://schemas.openxmlformats.org/officeDocument/2006/relationships" xmlns:p="http://schemas.openxmlformats.org/presentationml/2006/main" show="0">
   <p:cSld>
     <p:spTree>
       <p:nvGrpSpPr>
@@ -9407,7 +10112,7 @@
         </p:nvSpPr>
         <p:spPr>
           <a:xfrm>
-            <a:off x="457200" y="304800"/>
+            <a:off x="609599" y="228600"/>
             <a:ext cx="6347713" cy="1320800"/>
           </a:xfrm>
         </p:spPr>
@@ -9417,7 +10122,7 @@
           <a:p>
             <a:r>
               <a:rPr lang="en-US" dirty="0" smtClean="0"/>
-              <a:t>Possible Multi Process Setup – Option 3</a:t>
+              <a:t>The Cluster Module</a:t>
             </a:r>
             <a:endParaRPr lang="en-US" dirty="0"/>
           </a:p>
@@ -9435,8 +10140,8 @@
         </p:nvSpPr>
         <p:spPr>
           <a:xfrm>
-            <a:off x="533400" y="1752600"/>
-            <a:ext cx="6347714" cy="3880773"/>
+            <a:off x="510286" y="1600200"/>
+            <a:ext cx="6347714" cy="4441163"/>
           </a:xfrm>
         </p:spPr>
         <p:txBody>
@@ -9446,100 +10151,58 @@
           <a:lstStyle/>
           <a:p>
             <a:r>
-              <a:rPr lang="en-US" sz="2400" dirty="0"/>
-              <a:t>Using a load balancer to load balance the requests</a:t>
+              <a:rPr lang="en-US" sz="2200" dirty="0" smtClean="0"/>
+              <a:t>Using the Cluster Module </a:t>
             </a:r>
           </a:p>
           <a:p>
             <a:pPr lvl="1"/>
             <a:r>
-              <a:rPr lang="en-US" sz="2400" dirty="0"/>
-              <a:t>Setup several </a:t>
-            </a:r>
-            <a:r>
-              <a:rPr lang="en-US" sz="2400" dirty="0" err="1"/>
-              <a:t>docker</a:t>
-            </a:r>
-            <a:r>
-              <a:rPr lang="en-US" sz="2400" dirty="0"/>
-              <a:t> containers </a:t>
-            </a:r>
-            <a:r>
-              <a:rPr lang="en-US" sz="2400" dirty="0" smtClean="0"/>
-              <a:t>.</a:t>
+              <a:rPr lang="en-US" sz="2200" dirty="0" smtClean="0"/>
+              <a:t>Master Process will spawn child processes</a:t>
             </a:r>
           </a:p>
           <a:p>
             <a:pPr lvl="1"/>
             <a:r>
-              <a:rPr lang="en-US" sz="2400" dirty="0" smtClean="0"/>
-              <a:t>Each container </a:t>
-            </a:r>
-            <a:r>
-              <a:rPr lang="en-US" sz="2400" dirty="0"/>
-              <a:t>listening on different </a:t>
-            </a:r>
-            <a:r>
-              <a:rPr lang="en-US" sz="2400" dirty="0" smtClean="0"/>
-              <a:t>port.</a:t>
+              <a:rPr lang="en-US" sz="2200" dirty="0" smtClean="0"/>
+              <a:t>Master Process will be responsible to load balance the requests to the worker process.</a:t>
             </a:r>
           </a:p>
           <a:p>
             <a:pPr lvl="1"/>
             <a:r>
-              <a:rPr lang="en-US" sz="2400" dirty="0" smtClean="0"/>
-              <a:t>Each </a:t>
-            </a:r>
-            <a:r>
-              <a:rPr lang="en-US" sz="2400" dirty="0"/>
-              <a:t>one mapped to one </a:t>
-            </a:r>
-            <a:r>
-              <a:rPr lang="en-US" sz="2400" dirty="0" smtClean="0"/>
-              <a:t>CPU.</a:t>
-            </a:r>
-            <a:endParaRPr lang="en-US" sz="2400" dirty="0"/>
+              <a:rPr lang="en-US" sz="2200" dirty="0" smtClean="0"/>
+              <a:t>All processes listen to the same port</a:t>
+            </a:r>
           </a:p>
           <a:p>
             <a:pPr lvl="1"/>
             <a:r>
-              <a:rPr lang="en-US" sz="2400" dirty="0"/>
-              <a:t>We can use </a:t>
-            </a:r>
-            <a:r>
-              <a:rPr lang="en-US" sz="2400" dirty="0" err="1"/>
-              <a:t>Ngnix</a:t>
-            </a:r>
-            <a:r>
-              <a:rPr lang="en-US" sz="2400" dirty="0"/>
-              <a:t> or </a:t>
-            </a:r>
-            <a:r>
-              <a:rPr lang="en-US" sz="2400" dirty="0" err="1"/>
-              <a:t>HAProxy</a:t>
-            </a:r>
-            <a:r>
-              <a:rPr lang="en-US" sz="2400" dirty="0"/>
-              <a:t> as load balancer</a:t>
-            </a:r>
-            <a:r>
-              <a:rPr lang="en-US" sz="2400" dirty="0" smtClean="0"/>
-              <a:t>.</a:t>
-            </a:r>
-            <a:endParaRPr lang="en-US" sz="2400" dirty="0"/>
+              <a:rPr lang="en-US" sz="2200" dirty="0" smtClean="0"/>
+              <a:t>The number of worker processes is equal to the number of the CPUs in the machine</a:t>
+            </a:r>
           </a:p>
         </p:txBody>
       </p:sp>
     </p:spTree>
     <p:extLst>
       <p:ext uri="{BB962C8B-B14F-4D97-AF65-F5344CB8AC3E}">
-        <p14:creationId xmlns:p14="http://schemas.microsoft.com/office/powerpoint/2010/main" val="326703396"/>
+        <p14:creationId xmlns:p14="http://schemas.microsoft.com/office/powerpoint/2010/main" val="2889138942"/>
       </p:ext>
     </p:extLst>
   </p:cSld>
   <p:clrMapOvr>
     <a:masterClrMapping/>
   </p:clrMapOvr>
+  <mc:AlternateContent xmlns:mc="http://schemas.openxmlformats.org/markup-compatibility/2006" xmlns:p14="http://schemas.microsoft.com/office/powerpoint/2010/main">
+    <mc:Choice Requires="p14">
+      <p:transition spd="slow" p14:dur="2000"/>
+    </mc:Choice>
+    <mc:Fallback xmlns="">
+      <p:transition spd="slow"/>
+    </mc:Fallback>
+  </mc:AlternateContent>
   <p:timing>
     <p:tnLst>
       <p:par>
@@ -9551,7 +10214,7 @@
 </file>
 
 <file path=ppt/slides/slide34.xml><?xml version="1.0" encoding="utf-8"?>
-<p:sld xmlns:a="http://schemas.openxmlformats.org/drawingml/2006/main" xmlns:r="http://schemas.openxmlformats.org/officeDocument/2006/relationships" xmlns:p="http://schemas.openxmlformats.org/presentationml/2006/main">
+<p:sld xmlns:a="http://schemas.openxmlformats.org/drawingml/2006/main" xmlns:r="http://schemas.openxmlformats.org/officeDocument/2006/relationships" xmlns:p="http://schemas.openxmlformats.org/presentationml/2006/main" show="0">
   <p:cSld>
     <p:spTree>
       <p:nvGrpSpPr>
@@ -9577,59 +10240,149 @@
             <p:ph type="title"/>
           </p:nvPr>
         </p:nvSpPr>
-        <p:spPr/>
+        <p:spPr>
+          <a:xfrm>
+            <a:off x="457200" y="304800"/>
+            <a:ext cx="6347713" cy="1320800"/>
+          </a:xfrm>
+        </p:spPr>
         <p:txBody>
           <a:bodyPr/>
           <a:lstStyle/>
           <a:p>
             <a:r>
               <a:rPr lang="en-US" dirty="0" smtClean="0"/>
-              <a:t>Request Load Comparison</a:t>
+              <a:t>NGNIX + Docker Containers</a:t>
             </a:r>
             <a:endParaRPr lang="en-US" dirty="0"/>
           </a:p>
         </p:txBody>
       </p:sp>
-      <p:pic>
-        <p:nvPicPr>
-          <p:cNvPr id="4" name="Picture 3"/>
-          <p:cNvPicPr>
-            <a:picLocks noChangeAspect="1"/>
-          </p:cNvPicPr>
-          <p:nvPr/>
-        </p:nvPicPr>
-        <p:blipFill>
-          <a:blip r:embed="rId2">
-            <a:extLst>
-              <a:ext uri="{28A0092B-C50C-407E-A947-70E740481C1C}">
-                <a14:useLocalDpi xmlns:a14="http://schemas.microsoft.com/office/drawing/2010/main" val="0"/>
-              </a:ext>
-            </a:extLst>
-          </a:blip>
-          <a:stretch>
-            <a:fillRect/>
-          </a:stretch>
-        </p:blipFill>
-        <p:spPr>
-          <a:xfrm>
-            <a:off x="609600" y="1981200"/>
-            <a:ext cx="6576630" cy="3650296"/>
-          </a:xfrm>
-          <a:prstGeom prst="rect">
-            <a:avLst/>
-          </a:prstGeom>
-        </p:spPr>
-      </p:pic>
+      <p:sp>
+        <p:nvSpPr>
+          <p:cNvPr id="3" name="Content Placeholder 2"/>
+          <p:cNvSpPr>
+            <a:spLocks noGrp="1"/>
+          </p:cNvSpPr>
+          <p:nvPr>
+            <p:ph idx="1"/>
+          </p:nvPr>
+        </p:nvSpPr>
+        <p:spPr>
+          <a:xfrm>
+            <a:off x="533400" y="1752600"/>
+            <a:ext cx="6347714" cy="3880773"/>
+          </a:xfrm>
+        </p:spPr>
+        <p:txBody>
+          <a:bodyPr>
+            <a:normAutofit/>
+          </a:bodyPr>
+          <a:lstStyle/>
+          <a:p>
+            <a:r>
+              <a:rPr lang="en-US" sz="2400" dirty="0"/>
+              <a:t>Using a load balancer to load balance the requests</a:t>
+            </a:r>
+          </a:p>
+          <a:p>
+            <a:pPr lvl="1"/>
+            <a:r>
+              <a:rPr lang="en-US" sz="2400" dirty="0"/>
+              <a:t>Setup several </a:t>
+            </a:r>
+            <a:r>
+              <a:rPr lang="en-US" sz="2400" dirty="0" err="1"/>
+              <a:t>docker</a:t>
+            </a:r>
+            <a:r>
+              <a:rPr lang="en-US" sz="2400" dirty="0"/>
+              <a:t> containers </a:t>
+            </a:r>
+            <a:r>
+              <a:rPr lang="en-US" sz="2400" dirty="0" smtClean="0"/>
+              <a:t>.</a:t>
+            </a:r>
+          </a:p>
+          <a:p>
+            <a:pPr lvl="1"/>
+            <a:r>
+              <a:rPr lang="en-US" sz="2400" dirty="0" smtClean="0"/>
+              <a:t>Each container </a:t>
+            </a:r>
+            <a:r>
+              <a:rPr lang="en-US" sz="2400" dirty="0"/>
+              <a:t>listening on different </a:t>
+            </a:r>
+            <a:r>
+              <a:rPr lang="en-US" sz="2400" dirty="0" smtClean="0"/>
+              <a:t>port.</a:t>
+            </a:r>
+          </a:p>
+          <a:p>
+            <a:pPr lvl="1"/>
+            <a:r>
+              <a:rPr lang="en-US" sz="2400" dirty="0" smtClean="0"/>
+              <a:t>Each </a:t>
+            </a:r>
+            <a:r>
+              <a:rPr lang="en-US" sz="2400" dirty="0"/>
+              <a:t>one mapped to one </a:t>
+            </a:r>
+            <a:r>
+              <a:rPr lang="en-US" sz="2400" dirty="0" smtClean="0"/>
+              <a:t>CPU.</a:t>
+            </a:r>
+            <a:endParaRPr lang="en-US" sz="2400" dirty="0"/>
+          </a:p>
+          <a:p>
+            <a:pPr lvl="1"/>
+            <a:r>
+              <a:rPr lang="en-US" sz="2400" dirty="0"/>
+              <a:t>We can use </a:t>
+            </a:r>
+            <a:r>
+              <a:rPr lang="en-US" sz="2400" dirty="0" err="1"/>
+              <a:t>Ngnix</a:t>
+            </a:r>
+            <a:r>
+              <a:rPr lang="en-US" sz="2400" dirty="0"/>
+              <a:t> or </a:t>
+            </a:r>
+            <a:r>
+              <a:rPr lang="en-US" sz="2400" dirty="0" err="1"/>
+              <a:t>HAProxy</a:t>
+            </a:r>
+            <a:r>
+              <a:rPr lang="en-US" sz="2400" dirty="0"/>
+              <a:t> as load balancer</a:t>
+            </a:r>
+            <a:r>
+              <a:rPr lang="en-US" sz="2400" dirty="0" smtClean="0"/>
+              <a:t>.</a:t>
+            </a:r>
+            <a:endParaRPr lang="en-US" sz="2400" dirty="0"/>
+          </a:p>
+        </p:txBody>
+      </p:sp>
     </p:spTree>
     <p:extLst>
       <p:ext uri="{BB962C8B-B14F-4D97-AF65-F5344CB8AC3E}">
-        <p14:creationId xmlns:p14="http://schemas.microsoft.com/office/powerpoint/2010/main" val="967484501"/>
+        <p14:creationId xmlns:p14="http://schemas.microsoft.com/office/powerpoint/2010/main" val="326703396"/>
       </p:ext>
     </p:extLst>
   </p:cSld>
   <p:clrMapOvr>
     <a:masterClrMapping/>
   </p:clrMapOvr>
+  <mc:AlternateContent xmlns:mc="http://schemas.openxmlformats.org/markup-compatibility/2006" xmlns:p14="http://schemas.microsoft.com/office/powerpoint/2010/main">
+    <mc:Choice Requires="p14">
+      <p:transition spd="slow" p14:dur="2000"/>
+    </mc:Choice>
+    <mc:Fallback xmlns="">
+      <p:transition spd="slow"/>
+    </mc:Fallback>
+  </mc:AlternateContent>
   <p:timing>
     <p:tnLst>
       <p:par>
@@ -9667,14 +10420,27 @@
             <p:ph type="title"/>
           </p:nvPr>
         </p:nvSpPr>
-        <p:spPr/>
+        <p:spPr>
+          <a:xfrm>
+            <a:off x="609599" y="304800"/>
+            <a:ext cx="6347713" cy="1320800"/>
+          </a:xfrm>
+        </p:spPr>
         <p:txBody>
           <a:bodyPr/>
           <a:lstStyle/>
           <a:p>
             <a:r>
               <a:rPr lang="en-US" dirty="0" smtClean="0"/>
-              <a:t>Why Cluster Module Handles Less Load</a:t>
+              <a:t>NGNIX / </a:t>
+            </a:r>
+            <a:r>
+              <a:rPr lang="en-US" dirty="0" err="1" smtClean="0"/>
+              <a:t>HAProxy</a:t>
+            </a:r>
+            <a:r>
+              <a:rPr lang="en-US" dirty="0" smtClean="0"/>
+              <a:t> + Docker Containers</a:t>
             </a:r>
             <a:endParaRPr lang="en-US" dirty="0"/>
           </a:p>
@@ -9682,52 +10448,386 @@
       </p:sp>
       <p:sp>
         <p:nvSpPr>
-          <p:cNvPr id="3" name="Content Placeholder 2"/>
-          <p:cNvSpPr>
-            <a:spLocks noGrp="1"/>
-          </p:cNvSpPr>
-          <p:nvPr>
-            <p:ph idx="1"/>
-          </p:nvPr>
-        </p:nvSpPr>
-        <p:spPr/>
-        <p:txBody>
-          <a:bodyPr/>
-          <a:lstStyle/>
-          <a:p>
-            <a:r>
-              <a:rPr lang="en-US" dirty="0"/>
-              <a:t>T</a:t>
-            </a:r>
+          <p:cNvPr id="4" name="Rectangle 3"/>
+          <p:cNvSpPr/>
+          <p:nvPr/>
+        </p:nvSpPr>
+        <p:spPr>
+          <a:xfrm>
+            <a:off x="533400" y="2895600"/>
+            <a:ext cx="1447800" cy="914400"/>
+          </a:xfrm>
+          <a:prstGeom prst="rect">
+            <a:avLst/>
+          </a:prstGeom>
+          <a:noFill/>
+        </p:spPr>
+        <p:style>
+          <a:lnRef idx="2">
+            <a:schemeClr val="accent1">
+              <a:shade val="50000"/>
+            </a:schemeClr>
+          </a:lnRef>
+          <a:fillRef idx="1">
+            <a:schemeClr val="accent1"/>
+          </a:fillRef>
+          <a:effectRef idx="0">
+            <a:schemeClr val="accent1"/>
+          </a:effectRef>
+          <a:fontRef idx="minor">
+            <a:schemeClr val="lt1"/>
+          </a:fontRef>
+        </p:style>
+        <p:txBody>
+          <a:bodyPr rtlCol="0" anchor="ctr"/>
+          <a:lstStyle/>
+          <a:p>
+            <a:pPr algn="ctr"/>
+            <a:r>
+              <a:rPr lang="en-US" dirty="0" smtClean="0">
+                <a:solidFill>
+                  <a:schemeClr val="tx1"/>
+                </a:solidFill>
+              </a:rPr>
+              <a:t>NGNIX</a:t>
+            </a:r>
+            <a:endParaRPr lang="en-US" dirty="0">
+              <a:solidFill>
+                <a:schemeClr val="tx1"/>
+              </a:solidFill>
+            </a:endParaRPr>
+          </a:p>
+        </p:txBody>
+      </p:sp>
+      <p:sp>
+        <p:nvSpPr>
+          <p:cNvPr id="5" name="Rectangle 4"/>
+          <p:cNvSpPr/>
+          <p:nvPr/>
+        </p:nvSpPr>
+        <p:spPr>
+          <a:xfrm>
+            <a:off x="4114800" y="1524000"/>
+            <a:ext cx="1447800" cy="914400"/>
+          </a:xfrm>
+          <a:prstGeom prst="rect">
+            <a:avLst/>
+          </a:prstGeom>
+          <a:noFill/>
+        </p:spPr>
+        <p:style>
+          <a:lnRef idx="2">
+            <a:schemeClr val="accent1">
+              <a:shade val="50000"/>
+            </a:schemeClr>
+          </a:lnRef>
+          <a:fillRef idx="1">
+            <a:schemeClr val="accent1"/>
+          </a:fillRef>
+          <a:effectRef idx="0">
+            <a:schemeClr val="accent1"/>
+          </a:effectRef>
+          <a:fontRef idx="minor">
+            <a:schemeClr val="lt1"/>
+          </a:fontRef>
+        </p:style>
+        <p:txBody>
+          <a:bodyPr rtlCol="0" anchor="ctr"/>
+          <a:lstStyle/>
+          <a:p>
+            <a:pPr algn="ctr"/>
+            <a:r>
+              <a:rPr lang="en-US" dirty="0" smtClean="0">
+                <a:solidFill>
+                  <a:schemeClr val="tx1"/>
+                </a:solidFill>
+              </a:rPr>
+              <a:t>Container</a:t>
+            </a:r>
+            <a:endParaRPr lang="en-US" dirty="0">
+              <a:solidFill>
+                <a:schemeClr val="tx1"/>
+              </a:solidFill>
+            </a:endParaRPr>
+          </a:p>
+        </p:txBody>
+      </p:sp>
+      <p:sp>
+        <p:nvSpPr>
+          <p:cNvPr id="6" name="Rectangle 5"/>
+          <p:cNvSpPr/>
+          <p:nvPr/>
+        </p:nvSpPr>
+        <p:spPr>
+          <a:xfrm>
+            <a:off x="4114800" y="2895600"/>
+            <a:ext cx="1447800" cy="914400"/>
+          </a:xfrm>
+          <a:prstGeom prst="rect">
+            <a:avLst/>
+          </a:prstGeom>
+          <a:noFill/>
+        </p:spPr>
+        <p:style>
+          <a:lnRef idx="2">
+            <a:schemeClr val="accent1">
+              <a:shade val="50000"/>
+            </a:schemeClr>
+          </a:lnRef>
+          <a:fillRef idx="1">
+            <a:schemeClr val="accent1"/>
+          </a:fillRef>
+          <a:effectRef idx="0">
+            <a:schemeClr val="accent1"/>
+          </a:effectRef>
+          <a:fontRef idx="minor">
+            <a:schemeClr val="lt1"/>
+          </a:fontRef>
+        </p:style>
+        <p:txBody>
+          <a:bodyPr rtlCol="0" anchor="ctr"/>
+          <a:lstStyle/>
+          <a:p>
+            <a:pPr algn="ctr"/>
+            <a:r>
+              <a:rPr lang="en-US" dirty="0" smtClean="0">
+                <a:solidFill>
+                  <a:schemeClr val="tx1"/>
+                </a:solidFill>
+              </a:rPr>
+              <a:t>Container</a:t>
+            </a:r>
+            <a:endParaRPr lang="en-US" dirty="0">
+              <a:solidFill>
+                <a:schemeClr val="tx1"/>
+              </a:solidFill>
+            </a:endParaRPr>
+          </a:p>
+        </p:txBody>
+      </p:sp>
+      <p:sp>
+        <p:nvSpPr>
+          <p:cNvPr id="7" name="Rectangle 6"/>
+          <p:cNvSpPr/>
+          <p:nvPr/>
+        </p:nvSpPr>
+        <p:spPr>
+          <a:xfrm>
+            <a:off x="4114800" y="4572000"/>
+            <a:ext cx="1447800" cy="914400"/>
+          </a:xfrm>
+          <a:prstGeom prst="rect">
+            <a:avLst/>
+          </a:prstGeom>
+          <a:noFill/>
+        </p:spPr>
+        <p:style>
+          <a:lnRef idx="2">
+            <a:schemeClr val="accent1">
+              <a:shade val="50000"/>
+            </a:schemeClr>
+          </a:lnRef>
+          <a:fillRef idx="1">
+            <a:schemeClr val="accent1"/>
+          </a:fillRef>
+          <a:effectRef idx="0">
+            <a:schemeClr val="accent1"/>
+          </a:effectRef>
+          <a:fontRef idx="minor">
+            <a:schemeClr val="lt1"/>
+          </a:fontRef>
+        </p:style>
+        <p:txBody>
+          <a:bodyPr rtlCol="0" anchor="ctr"/>
+          <a:lstStyle/>
+          <a:p>
+            <a:pPr algn="ctr"/>
+            <a:r>
+              <a:rPr lang="en-US" dirty="0" smtClean="0">
+                <a:solidFill>
+                  <a:schemeClr val="tx1"/>
+                </a:solidFill>
+              </a:rPr>
+              <a:t>Container</a:t>
+            </a:r>
+            <a:endParaRPr lang="en-US" dirty="0">
+              <a:solidFill>
+                <a:schemeClr val="tx1"/>
+              </a:solidFill>
+            </a:endParaRPr>
+          </a:p>
+        </p:txBody>
+      </p:sp>
+      <p:sp>
+        <p:nvSpPr>
+          <p:cNvPr id="9" name="Right Arrow 8"/>
+          <p:cNvSpPr/>
+          <p:nvPr/>
+        </p:nvSpPr>
+        <p:spPr>
+          <a:xfrm>
+            <a:off x="2743200" y="3048000"/>
+            <a:ext cx="609600" cy="533400"/>
+          </a:xfrm>
+          <a:prstGeom prst="rightArrow">
+            <a:avLst>
+              <a:gd name="adj1" fmla="val 50000"/>
+              <a:gd name="adj2" fmla="val 44286"/>
+            </a:avLst>
+          </a:prstGeom>
+          <a:noFill/>
+        </p:spPr>
+        <p:style>
+          <a:lnRef idx="2">
+            <a:schemeClr val="accent1">
+              <a:shade val="50000"/>
+            </a:schemeClr>
+          </a:lnRef>
+          <a:fillRef idx="1">
+            <a:schemeClr val="accent1"/>
+          </a:fillRef>
+          <a:effectRef idx="0">
+            <a:schemeClr val="accent1"/>
+          </a:effectRef>
+          <a:fontRef idx="minor">
+            <a:schemeClr val="lt1"/>
+          </a:fontRef>
+        </p:style>
+        <p:txBody>
+          <a:bodyPr rtlCol="0" anchor="ctr"/>
+          <a:lstStyle/>
+          <a:p>
+            <a:pPr algn="ctr"/>
+            <a:endParaRPr lang="en-US"/>
+          </a:p>
+        </p:txBody>
+      </p:sp>
+      <p:sp>
+        <p:nvSpPr>
+          <p:cNvPr id="10" name="Right Arrow 9"/>
+          <p:cNvSpPr/>
+          <p:nvPr/>
+        </p:nvSpPr>
+        <p:spPr>
+          <a:xfrm rot="1184925">
+            <a:off x="2743200" y="4419600"/>
+            <a:ext cx="609600" cy="533400"/>
+          </a:xfrm>
+          <a:prstGeom prst="rightArrow">
+            <a:avLst>
+              <a:gd name="adj1" fmla="val 50000"/>
+              <a:gd name="adj2" fmla="val 44286"/>
+            </a:avLst>
+          </a:prstGeom>
+          <a:noFill/>
+        </p:spPr>
+        <p:style>
+          <a:lnRef idx="2">
+            <a:schemeClr val="accent1">
+              <a:shade val="50000"/>
+            </a:schemeClr>
+          </a:lnRef>
+          <a:fillRef idx="1">
+            <a:schemeClr val="accent1"/>
+          </a:fillRef>
+          <a:effectRef idx="0">
+            <a:schemeClr val="accent1"/>
+          </a:effectRef>
+          <a:fontRef idx="minor">
+            <a:schemeClr val="lt1"/>
+          </a:fontRef>
+        </p:style>
+        <p:txBody>
+          <a:bodyPr rtlCol="0" anchor="ctr"/>
+          <a:lstStyle/>
+          <a:p>
+            <a:pPr algn="ctr"/>
+            <a:endParaRPr lang="en-US"/>
+          </a:p>
+        </p:txBody>
+      </p:sp>
+      <p:sp>
+        <p:nvSpPr>
+          <p:cNvPr id="11" name="Right Arrow 10"/>
+          <p:cNvSpPr/>
+          <p:nvPr/>
+        </p:nvSpPr>
+        <p:spPr>
+          <a:xfrm rot="19602253">
+            <a:off x="2667000" y="1905000"/>
+            <a:ext cx="609600" cy="533400"/>
+          </a:xfrm>
+          <a:prstGeom prst="rightArrow">
+            <a:avLst>
+              <a:gd name="adj1" fmla="val 50000"/>
+              <a:gd name="adj2" fmla="val 44286"/>
+            </a:avLst>
+          </a:prstGeom>
+          <a:noFill/>
+        </p:spPr>
+        <p:style>
+          <a:lnRef idx="2">
+            <a:schemeClr val="accent1">
+              <a:shade val="50000"/>
+            </a:schemeClr>
+          </a:lnRef>
+          <a:fillRef idx="1">
+            <a:schemeClr val="accent1"/>
+          </a:fillRef>
+          <a:effectRef idx="0">
+            <a:schemeClr val="accent1"/>
+          </a:effectRef>
+          <a:fontRef idx="minor">
+            <a:schemeClr val="lt1"/>
+          </a:fontRef>
+        </p:style>
+        <p:txBody>
+          <a:bodyPr rtlCol="0" anchor="ctr"/>
+          <a:lstStyle/>
+          <a:p>
+            <a:pPr algn="ctr"/>
+            <a:endParaRPr lang="en-US"/>
+          </a:p>
+        </p:txBody>
+      </p:sp>
+      <p:sp>
+        <p:nvSpPr>
+          <p:cNvPr id="13" name="TextBox 12"/>
+          <p:cNvSpPr txBox="1"/>
+          <p:nvPr/>
+        </p:nvSpPr>
+        <p:spPr>
+          <a:xfrm>
+            <a:off x="457200" y="4572000"/>
+            <a:ext cx="1981200" cy="1477328"/>
+          </a:xfrm>
+          <a:prstGeom prst="rect">
+            <a:avLst/>
+          </a:prstGeom>
+          <a:noFill/>
+        </p:spPr>
+        <p:txBody>
+          <a:bodyPr wrap="square" rtlCol="0">
+            <a:spAutoFit/>
+          </a:bodyPr>
+          <a:lstStyle/>
+          <a:p>
             <a:r>
               <a:rPr lang="en-US" dirty="0" smtClean="0"/>
-              <a:t>he master process is responsible for load balancing the requests.</a:t>
-            </a:r>
-          </a:p>
-          <a:p>
-            <a:r>
-              <a:rPr lang="en-US" dirty="0" smtClean="0"/>
-              <a:t>Master will handle much less load.</a:t>
-            </a:r>
-          </a:p>
-          <a:p>
-            <a:r>
-              <a:rPr lang="en-US" dirty="0" smtClean="0"/>
-              <a:t>Master will waste the CPU on load balancing </a:t>
-            </a:r>
-          </a:p>
-          <a:p>
-            <a:r>
-              <a:rPr lang="en-US" dirty="0" smtClean="0"/>
-              <a:t>Master will use much more memory then other processes.</a:t>
-            </a:r>
+              <a:t>Each Container listening to a different port and mapped to a </a:t>
+            </a:r>
+            <a:r>
+              <a:rPr lang="en-US" dirty="0" err="1" smtClean="0"/>
+              <a:t>cpu</a:t>
+            </a:r>
+            <a:endParaRPr lang="en-US" dirty="0"/>
           </a:p>
         </p:txBody>
       </p:sp>
     </p:spTree>
     <p:extLst>
       <p:ext uri="{BB962C8B-B14F-4D97-AF65-F5344CB8AC3E}">
-        <p14:creationId xmlns:p14="http://schemas.microsoft.com/office/powerpoint/2010/main" val="2994990670"/>
+        <p14:creationId xmlns:p14="http://schemas.microsoft.com/office/powerpoint/2010/main" val="873287538"/>
       </p:ext>
     </p:extLst>
   </p:cSld>
@@ -9773,7 +10873,7 @@
         </p:nvSpPr>
         <p:spPr>
           <a:xfrm>
-            <a:off x="457200" y="228600"/>
+            <a:off x="609599" y="381000"/>
             <a:ext cx="6347713" cy="1320800"/>
           </a:xfrm>
         </p:spPr>
@@ -9782,8 +10882,12 @@
           <a:lstStyle/>
           <a:p>
             <a:r>
+              <a:rPr lang="en-US" dirty="0" err="1" smtClean="0"/>
+              <a:t>IPTables</a:t>
+            </a:r>
+            <a:r>
               <a:rPr lang="en-US" dirty="0" smtClean="0"/>
-              <a:t>Conclusion</a:t>
+              <a:t> + Docker Containers</a:t>
             </a:r>
             <a:endParaRPr lang="en-US" dirty="0"/>
           </a:p>
@@ -9801,7 +10905,7 @@
         </p:nvSpPr>
         <p:spPr>
           <a:xfrm>
-            <a:off x="381000" y="1300827"/>
+            <a:off x="609599" y="1828800"/>
             <a:ext cx="6347714" cy="3880773"/>
           </a:xfrm>
         </p:spPr>
@@ -9812,48 +10916,81 @@
           <a:lstStyle/>
           <a:p>
             <a:r>
-              <a:rPr lang="en-US" sz="2200" dirty="0"/>
-              <a:t>T</a:t>
-            </a:r>
-            <a:r>
-              <a:rPr lang="en-US" sz="2200" dirty="0" smtClean="0"/>
-              <a:t>o </a:t>
-            </a:r>
-            <a:r>
-              <a:rPr lang="en-US" sz="2200" dirty="0"/>
-              <a:t>squeeze </a:t>
-            </a:r>
-            <a:r>
-              <a:rPr lang="en-US" sz="2200" dirty="0" smtClean="0"/>
-              <a:t>throughput– Use load balancer.</a:t>
-            </a:r>
-          </a:p>
-          <a:p>
-            <a:r>
-              <a:rPr lang="en-US" sz="2200" dirty="0" smtClean="0"/>
-              <a:t>Load balancer routing performance will always be better. </a:t>
-            </a:r>
-          </a:p>
-          <a:p>
-            <a:r>
-              <a:rPr lang="en-US" sz="2200" dirty="0" smtClean="0"/>
-              <a:t>Cluster module is an easy ,out of the box solution.</a:t>
+              <a:rPr lang="en-US" sz="2400" dirty="0" smtClean="0"/>
+              <a:t>Using </a:t>
+            </a:r>
+            <a:r>
+              <a:rPr lang="en-US" sz="2400" dirty="0" err="1" smtClean="0"/>
+              <a:t>IPTable</a:t>
+            </a:r>
+            <a:r>
+              <a:rPr lang="en-US" sz="2400" dirty="0" smtClean="0"/>
+              <a:t> module to load balance the requests</a:t>
             </a:r>
           </a:p>
           <a:p>
             <a:pPr lvl="1"/>
             <a:r>
-              <a:rPr lang="en-US" sz="2200" dirty="0" smtClean="0"/>
-              <a:t>Does not require other software or much integration.</a:t>
-            </a:r>
-            <a:endParaRPr lang="en-US" sz="2200" dirty="0"/>
+              <a:rPr lang="en-US" sz="2400" dirty="0" smtClean="0"/>
+              <a:t>Setup </a:t>
+            </a:r>
+            <a:r>
+              <a:rPr lang="en-US" sz="2400" dirty="0"/>
+              <a:t>several </a:t>
+            </a:r>
+            <a:r>
+              <a:rPr lang="en-US" sz="2400" dirty="0" err="1"/>
+              <a:t>docker</a:t>
+            </a:r>
+            <a:r>
+              <a:rPr lang="en-US" sz="2400" dirty="0"/>
+              <a:t> containers </a:t>
+            </a:r>
+          </a:p>
+          <a:p>
+            <a:pPr lvl="1"/>
+            <a:r>
+              <a:rPr lang="en-US" sz="2400" dirty="0" smtClean="0"/>
+              <a:t>Containers listening </a:t>
+            </a:r>
+            <a:r>
+              <a:rPr lang="en-US" sz="2400" dirty="0"/>
+              <a:t>on different </a:t>
+            </a:r>
+            <a:r>
+              <a:rPr lang="en-US" sz="2400" dirty="0" smtClean="0"/>
+              <a:t>ports</a:t>
+            </a:r>
+          </a:p>
+          <a:p>
+            <a:pPr lvl="1"/>
+            <a:r>
+              <a:rPr lang="en-US" sz="2400" dirty="0" smtClean="0"/>
+              <a:t>each Container is mapped </a:t>
+            </a:r>
+            <a:r>
+              <a:rPr lang="en-US" sz="2400" dirty="0"/>
+              <a:t>to one CPU</a:t>
+            </a:r>
+          </a:p>
+          <a:p>
+            <a:pPr lvl="1"/>
+            <a:r>
+              <a:rPr lang="en-US" sz="2400" dirty="0" err="1"/>
+              <a:t>IPTables</a:t>
+            </a:r>
+            <a:r>
+              <a:rPr lang="en-US" sz="2400" dirty="0"/>
+              <a:t> will listen on port 80 and will redirect to containers. </a:t>
+            </a:r>
+            <a:endParaRPr lang="he-IL" sz="2400" dirty="0"/>
           </a:p>
         </p:txBody>
       </p:sp>
     </p:spTree>
     <p:extLst>
       <p:ext uri="{BB962C8B-B14F-4D97-AF65-F5344CB8AC3E}">
-        <p14:creationId xmlns:p14="http://schemas.microsoft.com/office/powerpoint/2010/main" val="3282722332"/>
+        <p14:creationId xmlns:p14="http://schemas.microsoft.com/office/powerpoint/2010/main" val="288439853"/>
       </p:ext>
     </p:extLst>
   </p:cSld>
@@ -9897,28 +11034,53 @@
             <p:ph type="title"/>
           </p:nvPr>
         </p:nvSpPr>
-        <p:spPr>
-          <a:xfrm>
-            <a:off x="609599" y="2514600"/>
-            <a:ext cx="6347713" cy="1320800"/>
-          </a:xfrm>
-        </p:spPr>
+        <p:spPr/>
         <p:txBody>
           <a:bodyPr/>
           <a:lstStyle/>
           <a:p>
             <a:r>
               <a:rPr lang="en-US" dirty="0" smtClean="0"/>
-              <a:t>Promises Performance</a:t>
+              <a:t>Request Load Comparison</a:t>
             </a:r>
             <a:endParaRPr lang="en-US" dirty="0"/>
           </a:p>
         </p:txBody>
       </p:sp>
+      <p:pic>
+        <p:nvPicPr>
+          <p:cNvPr id="4" name="Picture 3"/>
+          <p:cNvPicPr>
+            <a:picLocks noChangeAspect="1"/>
+          </p:cNvPicPr>
+          <p:nvPr/>
+        </p:nvPicPr>
+        <p:blipFill>
+          <a:blip r:embed="rId2">
+            <a:extLst>
+              <a:ext uri="{28A0092B-C50C-407E-A947-70E740481C1C}">
+                <a14:useLocalDpi xmlns:a14="http://schemas.microsoft.com/office/drawing/2010/main" val="0"/>
+              </a:ext>
+            </a:extLst>
+          </a:blip>
+          <a:stretch>
+            <a:fillRect/>
+          </a:stretch>
+        </p:blipFill>
+        <p:spPr>
+          <a:xfrm>
+            <a:off x="609600" y="1981200"/>
+            <a:ext cx="6576630" cy="3650296"/>
+          </a:xfrm>
+          <a:prstGeom prst="rect">
+            <a:avLst/>
+          </a:prstGeom>
+        </p:spPr>
+      </p:pic>
     </p:spTree>
     <p:extLst>
       <p:ext uri="{BB962C8B-B14F-4D97-AF65-F5344CB8AC3E}">
-        <p14:creationId xmlns:p14="http://schemas.microsoft.com/office/powerpoint/2010/main" val="1111870207"/>
+        <p14:creationId xmlns:p14="http://schemas.microsoft.com/office/powerpoint/2010/main" val="967484501"/>
       </p:ext>
     </p:extLst>
   </p:cSld>
@@ -9962,19 +11124,14 @@
             <p:ph type="title"/>
           </p:nvPr>
         </p:nvSpPr>
-        <p:spPr>
-          <a:xfrm>
-            <a:off x="457200" y="304800"/>
-            <a:ext cx="6347713" cy="1320800"/>
-          </a:xfrm>
-        </p:spPr>
+        <p:spPr/>
         <p:txBody>
           <a:bodyPr/>
           <a:lstStyle/>
           <a:p>
             <a:r>
               <a:rPr lang="en-US" dirty="0" smtClean="0"/>
-              <a:t>Promises - Overview</a:t>
+              <a:t>Why Cluster Module Handles Less Load</a:t>
             </a:r>
             <a:endParaRPr lang="en-US" dirty="0"/>
           </a:p>
@@ -9990,12 +11147,7 @@
             <p:ph idx="1"/>
           </p:nvPr>
         </p:nvSpPr>
-        <p:spPr>
-          <a:xfrm>
-            <a:off x="662686" y="1600200"/>
-            <a:ext cx="6347714" cy="3880773"/>
-          </a:xfrm>
-        </p:spPr>
+        <p:spPr/>
         <p:txBody>
           <a:bodyPr>
             <a:normAutofit/>
@@ -10003,41 +11155,38 @@
           <a:lstStyle/>
           <a:p>
             <a:r>
+              <a:rPr lang="en-US" sz="2400" dirty="0"/>
+              <a:t>T</a:t>
+            </a:r>
+            <a:r>
               <a:rPr lang="en-US" sz="2400" dirty="0" smtClean="0"/>
-              <a:t>Promises and </a:t>
-            </a:r>
-            <a:r>
-              <a:rPr lang="en-US" sz="2400" dirty="0" err="1"/>
-              <a:t>a</a:t>
-            </a:r>
-            <a:r>
-              <a:rPr lang="en-US" sz="2400" dirty="0" err="1" smtClean="0"/>
-              <a:t>sync</a:t>
-            </a:r>
+              <a:t>he master process is responsible for load balancing the requests.</a:t>
+            </a:r>
+          </a:p>
+          <a:p>
             <a:r>
               <a:rPr lang="en-US" sz="2400" dirty="0" smtClean="0"/>
-              <a:t> await are everywhere.</a:t>
+              <a:t>Master will handle much less load.</a:t>
             </a:r>
           </a:p>
           <a:p>
             <a:r>
               <a:rPr lang="en-US" sz="2400" dirty="0" smtClean="0"/>
-              <a:t>Which promise library will give me the best performance?</a:t>
+              <a:t>Master will waste the CPU on load balancing </a:t>
             </a:r>
           </a:p>
           <a:p>
             <a:r>
               <a:rPr lang="en-US" sz="2400" dirty="0" smtClean="0"/>
-              <a:t>What is the overhead on callbacks ?</a:t>
-            </a:r>
-            <a:endParaRPr lang="en-US" sz="2400" dirty="0"/>
+              <a:t>Master will use much more memory then other processes.</a:t>
+            </a:r>
           </a:p>
         </p:txBody>
       </p:sp>
     </p:spTree>
     <p:extLst>
       <p:ext uri="{BB962C8B-B14F-4D97-AF65-F5344CB8AC3E}">
-        <p14:creationId xmlns:p14="http://schemas.microsoft.com/office/powerpoint/2010/main" val="1425075094"/>
+        <p14:creationId xmlns:p14="http://schemas.microsoft.com/office/powerpoint/2010/main" val="2994990670"/>
       </p:ext>
     </p:extLst>
   </p:cSld>
@@ -10083,28 +11232,87 @@
         </p:nvSpPr>
         <p:spPr>
           <a:xfrm>
-            <a:off x="609600" y="2260600"/>
+            <a:off x="457200" y="228600"/>
             <a:ext cx="6347713" cy="1320800"/>
           </a:xfrm>
         </p:spPr>
         <p:txBody>
+          <a:bodyPr/>
+          <a:lstStyle/>
+          <a:p>
+            <a:r>
+              <a:rPr lang="en-US" dirty="0" smtClean="0"/>
+              <a:t>Conclusion</a:t>
+            </a:r>
+            <a:endParaRPr lang="en-US" dirty="0"/>
+          </a:p>
+        </p:txBody>
+      </p:sp>
+      <p:sp>
+        <p:nvSpPr>
+          <p:cNvPr id="3" name="Content Placeholder 2"/>
+          <p:cNvSpPr>
+            <a:spLocks noGrp="1"/>
+          </p:cNvSpPr>
+          <p:nvPr>
+            <p:ph idx="1"/>
+          </p:nvPr>
+        </p:nvSpPr>
+        <p:spPr>
+          <a:xfrm>
+            <a:off x="381000" y="1300827"/>
+            <a:ext cx="6347714" cy="3880773"/>
+          </a:xfrm>
+        </p:spPr>
+        <p:txBody>
           <a:bodyPr>
-            <a:normAutofit fontScale="90000"/>
+            <a:normAutofit/>
           </a:bodyPr>
           <a:lstStyle/>
           <a:p>
             <a:r>
-              <a:rPr lang="en-US" dirty="0" smtClean="0"/>
-              <a:t>Code Demo – Performance : Native Promises vs Bluebird Promises</a:t>
-            </a:r>
-            <a:endParaRPr lang="en-US" dirty="0"/>
+              <a:rPr lang="en-US" sz="2200" dirty="0"/>
+              <a:t>T</a:t>
+            </a:r>
+            <a:r>
+              <a:rPr lang="en-US" sz="2200" dirty="0" smtClean="0"/>
+              <a:t>o </a:t>
+            </a:r>
+            <a:r>
+              <a:rPr lang="en-US" sz="2200" dirty="0"/>
+              <a:t>squeeze </a:t>
+            </a:r>
+            <a:r>
+              <a:rPr lang="en-US" sz="2200" dirty="0" smtClean="0"/>
+              <a:t>throughput– Use load balancer.</a:t>
+            </a:r>
+          </a:p>
+          <a:p>
+            <a:r>
+              <a:rPr lang="en-US" sz="2200" dirty="0" smtClean="0"/>
+              <a:t>Load balancer routing performance will always be better. </a:t>
+            </a:r>
+          </a:p>
+          <a:p>
+            <a:r>
+              <a:rPr lang="en-US" sz="2200" dirty="0" smtClean="0"/>
+              <a:t>Cluster module is an easy ,out of the box solution.</a:t>
+            </a:r>
+          </a:p>
+          <a:p>
+            <a:pPr lvl="1"/>
+            <a:r>
+              <a:rPr lang="en-US" sz="2200" dirty="0" smtClean="0"/>
+              <a:t>Does not require other software or much integration.</a:t>
+            </a:r>
+            <a:endParaRPr lang="en-US" sz="2200" dirty="0"/>
           </a:p>
         </p:txBody>
       </p:sp>
     </p:spTree>
     <p:extLst>
       <p:ext uri="{BB962C8B-B14F-4D97-AF65-F5344CB8AC3E}">
-        <p14:creationId xmlns:p14="http://schemas.microsoft.com/office/powerpoint/2010/main" val="692989858"/>
+        <p14:creationId xmlns:p14="http://schemas.microsoft.com/office/powerpoint/2010/main" val="3282722332"/>
       </p:ext>
     </p:extLst>
   </p:cSld>
@@ -10257,82 +11465,26 @@
         </p:nvSpPr>
         <p:spPr>
           <a:xfrm>
-            <a:off x="533400" y="228600"/>
+            <a:off x="609599" y="2514600"/>
             <a:ext cx="6347713" cy="1320800"/>
           </a:xfrm>
         </p:spPr>
         <p:txBody>
-          <a:bodyPr>
-            <a:normAutofit/>
-          </a:bodyPr>
+          <a:bodyPr/>
           <a:lstStyle/>
           <a:p>
             <a:r>
               <a:rPr lang="en-US" dirty="0" smtClean="0"/>
-              <a:t>Bluebird Promises Are Currently Faster</a:t>
+              <a:t>Promises Performance</a:t>
             </a:r>
             <a:endParaRPr lang="en-US" dirty="0"/>
-          </a:p>
-        </p:txBody>
-      </p:sp>
-      <p:sp>
-        <p:nvSpPr>
-          <p:cNvPr id="3" name="Content Placeholder 2"/>
-          <p:cNvSpPr>
-            <a:spLocks noGrp="1"/>
-          </p:cNvSpPr>
-          <p:nvPr>
-            <p:ph idx="1"/>
-          </p:nvPr>
-        </p:nvSpPr>
-        <p:spPr>
-          <a:xfrm>
-            <a:off x="609599" y="1828800"/>
-            <a:ext cx="6347714" cy="3880773"/>
-          </a:xfrm>
-        </p:spPr>
-        <p:txBody>
-          <a:bodyPr>
-            <a:normAutofit/>
-          </a:bodyPr>
-          <a:lstStyle/>
-          <a:p>
-            <a:r>
-              <a:rPr lang="en-US" sz="2400" dirty="0" smtClean="0"/>
-              <a:t>Allocate space much more efficiently</a:t>
-            </a:r>
-          </a:p>
-          <a:p>
-            <a:r>
-              <a:rPr lang="en-US" sz="2400" dirty="0" smtClean="0"/>
-              <a:t>Use less memory</a:t>
-            </a:r>
-          </a:p>
-          <a:p>
-            <a:r>
-              <a:rPr lang="en-US" sz="2400" dirty="0" smtClean="0"/>
-              <a:t>More optimize</a:t>
-            </a:r>
-          </a:p>
-          <a:p>
-            <a:r>
-              <a:rPr lang="en-US" sz="2400" dirty="0"/>
-              <a:t>P</a:t>
-            </a:r>
-            <a:r>
-              <a:rPr lang="en-US" sz="2400" dirty="0" smtClean="0"/>
-              <a:t>refer to use bluebird and not   native promises.</a:t>
-            </a:r>
-          </a:p>
-          <a:p>
-            <a:endParaRPr lang="en-US" sz="2400" dirty="0"/>
           </a:p>
         </p:txBody>
       </p:sp>
     </p:spTree>
     <p:extLst>
       <p:ext uri="{BB962C8B-B14F-4D97-AF65-F5344CB8AC3E}">
-        <p14:creationId xmlns:p14="http://schemas.microsoft.com/office/powerpoint/2010/main" val="3379303965"/>
+        <p14:creationId xmlns:p14="http://schemas.microsoft.com/office/powerpoint/2010/main" val="1111870207"/>
       </p:ext>
     </p:extLst>
   </p:cSld>
@@ -10376,61 +11528,82 @@
             <p:ph type="title"/>
           </p:nvPr>
         </p:nvSpPr>
-        <p:spPr/>
+        <p:spPr>
+          <a:xfrm>
+            <a:off x="457200" y="304800"/>
+            <a:ext cx="6347713" cy="1320800"/>
+          </a:xfrm>
+        </p:spPr>
         <p:txBody>
           <a:bodyPr/>
           <a:lstStyle/>
           <a:p>
             <a:r>
               <a:rPr lang="en-US" dirty="0" smtClean="0"/>
-              <a:t>Callbacks vs Promises vs </a:t>
-            </a:r>
-            <a:r>
-              <a:rPr lang="en-US" dirty="0" err="1" smtClean="0"/>
-              <a:t>Async</a:t>
-            </a:r>
-            <a:r>
-              <a:rPr lang="en-US" dirty="0" smtClean="0"/>
-              <a:t> / Await</a:t>
+              <a:t>Promises - Overview</a:t>
             </a:r>
             <a:endParaRPr lang="en-US" dirty="0"/>
           </a:p>
         </p:txBody>
       </p:sp>
-      <p:pic>
-        <p:nvPicPr>
-          <p:cNvPr id="5" name="Picture 4"/>
-          <p:cNvPicPr>
-            <a:picLocks noChangeAspect="1"/>
-          </p:cNvPicPr>
-          <p:nvPr/>
-        </p:nvPicPr>
-        <p:blipFill>
-          <a:blip r:embed="rId2">
-            <a:extLst>
-              <a:ext uri="{28A0092B-C50C-407E-A947-70E740481C1C}">
-                <a14:useLocalDpi xmlns:a14="http://schemas.microsoft.com/office/drawing/2010/main" val="0"/>
-              </a:ext>
-            </a:extLst>
-          </a:blip>
-          <a:stretch>
-            <a:fillRect/>
-          </a:stretch>
-        </p:blipFill>
-        <p:spPr>
-          <a:xfrm>
-            <a:off x="593588" y="2133600"/>
-            <a:ext cx="8024555" cy="3368332"/>
-          </a:xfrm>
-          <a:prstGeom prst="rect">
-            <a:avLst/>
-          </a:prstGeom>
-        </p:spPr>
-      </p:pic>
+      <p:sp>
+        <p:nvSpPr>
+          <p:cNvPr id="3" name="Content Placeholder 2"/>
+          <p:cNvSpPr>
+            <a:spLocks noGrp="1"/>
+          </p:cNvSpPr>
+          <p:nvPr>
+            <p:ph idx="1"/>
+          </p:nvPr>
+        </p:nvSpPr>
+        <p:spPr>
+          <a:xfrm>
+            <a:off x="662686" y="1600200"/>
+            <a:ext cx="6347714" cy="3880773"/>
+          </a:xfrm>
+        </p:spPr>
+        <p:txBody>
+          <a:bodyPr>
+            <a:normAutofit/>
+          </a:bodyPr>
+          <a:lstStyle/>
+          <a:p>
+            <a:r>
+              <a:rPr lang="en-US" sz="2400" dirty="0" smtClean="0"/>
+              <a:t>Promises and </a:t>
+            </a:r>
+            <a:r>
+              <a:rPr lang="en-US" sz="2400" dirty="0" err="1"/>
+              <a:t>a</a:t>
+            </a:r>
+            <a:r>
+              <a:rPr lang="en-US" sz="2400" dirty="0" err="1" smtClean="0"/>
+              <a:t>sync</a:t>
+            </a:r>
+            <a:r>
+              <a:rPr lang="en-US" sz="2400" dirty="0" smtClean="0"/>
+              <a:t> await are everywhere.</a:t>
+            </a:r>
+          </a:p>
+          <a:p>
+            <a:r>
+              <a:rPr lang="en-US" sz="2400" dirty="0" smtClean="0"/>
+              <a:t>Which promise library will give me the best performance?</a:t>
+            </a:r>
+          </a:p>
+          <a:p>
+            <a:r>
+              <a:rPr lang="en-US" sz="2400" dirty="0" smtClean="0"/>
+              <a:t>What is the overhead on callbacks ?</a:t>
+            </a:r>
+            <a:endParaRPr lang="en-US" sz="2400" dirty="0"/>
+          </a:p>
+        </p:txBody>
+      </p:sp>
     </p:spTree>
     <p:extLst>
       <p:ext uri="{BB962C8B-B14F-4D97-AF65-F5344CB8AC3E}">
-        <p14:creationId xmlns:p14="http://schemas.microsoft.com/office/powerpoint/2010/main" val="4281784084"/>
+        <p14:creationId xmlns:p14="http://schemas.microsoft.com/office/powerpoint/2010/main" val="1425075094"/>
       </p:ext>
     </p:extLst>
   </p:cSld>
@@ -10476,111 +11649,28 @@
         </p:nvSpPr>
         <p:spPr>
           <a:xfrm>
-            <a:off x="381000" y="228600"/>
+            <a:off x="609600" y="2260600"/>
             <a:ext cx="6347713" cy="1320800"/>
           </a:xfrm>
         </p:spPr>
         <p:txBody>
-          <a:bodyPr/>
+          <a:bodyPr>
+            <a:normAutofit fontScale="90000"/>
+          </a:bodyPr>
           <a:lstStyle/>
           <a:p>
             <a:r>
               <a:rPr lang="en-US" dirty="0" smtClean="0"/>
-              <a:t>Conclusions</a:t>
+              <a:t>Code Demo – Performance : Native Promises vs Bluebird Promises</a:t>
             </a:r>
             <a:endParaRPr lang="en-US" dirty="0"/>
-          </a:p>
-        </p:txBody>
-      </p:sp>
-      <p:sp>
-        <p:nvSpPr>
-          <p:cNvPr id="3" name="Content Placeholder 2"/>
-          <p:cNvSpPr>
-            <a:spLocks noGrp="1"/>
-          </p:cNvSpPr>
-          <p:nvPr>
-            <p:ph idx="1"/>
-          </p:nvPr>
-        </p:nvSpPr>
-        <p:spPr>
-          <a:xfrm>
-            <a:off x="457200" y="1219200"/>
-            <a:ext cx="6347714" cy="3880773"/>
-          </a:xfrm>
-        </p:spPr>
-        <p:txBody>
-          <a:bodyPr>
-            <a:noAutofit/>
-          </a:bodyPr>
-          <a:lstStyle/>
-          <a:p>
-            <a:r>
-              <a:rPr lang="en-US" sz="2400" dirty="0"/>
-              <a:t>P</a:t>
-            </a:r>
-            <a:r>
-              <a:rPr lang="en-US" sz="2400" dirty="0" smtClean="0"/>
-              <a:t>romises and </a:t>
-            </a:r>
-            <a:r>
-              <a:rPr lang="en-US" sz="2400" dirty="0" err="1" smtClean="0"/>
-              <a:t>async</a:t>
-            </a:r>
-            <a:r>
-              <a:rPr lang="en-US" sz="2400" dirty="0" smtClean="0"/>
-              <a:t> await are adding overhead</a:t>
-            </a:r>
-          </a:p>
-          <a:p>
-            <a:r>
-              <a:rPr lang="en-US" sz="2400" dirty="0"/>
-              <a:t>W</a:t>
-            </a:r>
-            <a:r>
-              <a:rPr lang="en-US" sz="2400" dirty="0" smtClean="0"/>
-              <a:t>rite with promises and </a:t>
-            </a:r>
-            <a:r>
-              <a:rPr lang="en-US" sz="2400" dirty="0" err="1" smtClean="0"/>
-              <a:t>async</a:t>
-            </a:r>
-            <a:r>
-              <a:rPr lang="en-US" sz="2400" dirty="0" smtClean="0"/>
-              <a:t> await</a:t>
-            </a:r>
-          </a:p>
-          <a:p>
-            <a:r>
-              <a:rPr lang="en-US" sz="2400" dirty="0" smtClean="0"/>
-              <a:t>In case you need to </a:t>
-            </a:r>
-            <a:r>
-              <a:rPr lang="en-US" sz="2400" b="1" dirty="0" smtClean="0"/>
-              <a:t>‘fight for every millisecond’ </a:t>
-            </a:r>
-            <a:endParaRPr lang="en-US" sz="2400" dirty="0"/>
-          </a:p>
-          <a:p>
-            <a:pPr lvl="1"/>
-            <a:r>
-              <a:rPr lang="en-US" sz="2400" dirty="0" smtClean="0"/>
-              <a:t>Remove promises</a:t>
-            </a:r>
-          </a:p>
-          <a:p>
-            <a:pPr lvl="1"/>
-            <a:r>
-              <a:rPr lang="en-US" sz="2400" dirty="0" smtClean="0"/>
-              <a:t>Go back to callbacks</a:t>
-            </a:r>
-            <a:endParaRPr lang="en-US" sz="2400" dirty="0"/>
           </a:p>
         </p:txBody>
       </p:sp>
     </p:spTree>
     <p:extLst>
       <p:ext uri="{BB962C8B-B14F-4D97-AF65-F5344CB8AC3E}">
-        <p14:creationId xmlns:p14="http://schemas.microsoft.com/office/powerpoint/2010/main" val="3811721980"/>
+        <p14:creationId xmlns:p14="http://schemas.microsoft.com/office/powerpoint/2010/main" val="692989858"/>
       </p:ext>
     </p:extLst>
   </p:cSld>
@@ -10626,26 +11716,82 @@
         </p:nvSpPr>
         <p:spPr>
           <a:xfrm>
-            <a:off x="510287" y="2362200"/>
+            <a:off x="533400" y="228600"/>
             <a:ext cx="6347713" cy="1320800"/>
           </a:xfrm>
         </p:spPr>
         <p:txBody>
-          <a:bodyPr/>
+          <a:bodyPr>
+            <a:normAutofit/>
+          </a:bodyPr>
           <a:lstStyle/>
           <a:p>
             <a:r>
               <a:rPr lang="en-US" dirty="0" smtClean="0"/>
-              <a:t>JavaScript Code Optimizations</a:t>
+              <a:t>Bluebird Promises Are Currently Faster</a:t>
             </a:r>
             <a:endParaRPr lang="en-US" dirty="0"/>
+          </a:p>
+        </p:txBody>
+      </p:sp>
+      <p:sp>
+        <p:nvSpPr>
+          <p:cNvPr id="3" name="Content Placeholder 2"/>
+          <p:cNvSpPr>
+            <a:spLocks noGrp="1"/>
+          </p:cNvSpPr>
+          <p:nvPr>
+            <p:ph idx="1"/>
+          </p:nvPr>
+        </p:nvSpPr>
+        <p:spPr>
+          <a:xfrm>
+            <a:off x="609599" y="1828800"/>
+            <a:ext cx="6347714" cy="3880773"/>
+          </a:xfrm>
+        </p:spPr>
+        <p:txBody>
+          <a:bodyPr>
+            <a:normAutofit/>
+          </a:bodyPr>
+          <a:lstStyle/>
+          <a:p>
+            <a:r>
+              <a:rPr lang="en-US" sz="2400" dirty="0" smtClean="0"/>
+              <a:t>Allocate space much more efficiently</a:t>
+            </a:r>
+          </a:p>
+          <a:p>
+            <a:r>
+              <a:rPr lang="en-US" sz="2400" dirty="0" smtClean="0"/>
+              <a:t>Use less memory</a:t>
+            </a:r>
+          </a:p>
+          <a:p>
+            <a:r>
+              <a:rPr lang="en-US" sz="2400" dirty="0" smtClean="0"/>
+              <a:t>More optimize</a:t>
+            </a:r>
+          </a:p>
+          <a:p>
+            <a:r>
+              <a:rPr lang="en-US" sz="2400" dirty="0"/>
+              <a:t>P</a:t>
+            </a:r>
+            <a:r>
+              <a:rPr lang="en-US" sz="2400" dirty="0" smtClean="0"/>
+              <a:t>refer to use bluebird and not   native promises.</a:t>
+            </a:r>
+          </a:p>
+          <a:p>
+            <a:endParaRPr lang="en-US" sz="2400" dirty="0"/>
           </a:p>
         </p:txBody>
       </p:sp>
     </p:spTree>
     <p:extLst>
       <p:ext uri="{BB962C8B-B14F-4D97-AF65-F5344CB8AC3E}">
-        <p14:creationId xmlns:p14="http://schemas.microsoft.com/office/powerpoint/2010/main" val="697958085"/>
+        <p14:creationId xmlns:p14="http://schemas.microsoft.com/office/powerpoint/2010/main" val="3379303965"/>
       </p:ext>
     </p:extLst>
   </p:cSld>
@@ -10663,7 +11809,7 @@
 </file>
 
 <file path=ppt/slides/slide44.xml><?xml version="1.0" encoding="utf-8"?>
-<p:sld xmlns:a="http://schemas.openxmlformats.org/drawingml/2006/main" xmlns:r="http://schemas.openxmlformats.org/officeDocument/2006/relationships" xmlns:p="http://schemas.openxmlformats.org/presentationml/2006/main" show="0">
+<p:sld xmlns:a="http://schemas.openxmlformats.org/drawingml/2006/main" xmlns:r="http://schemas.openxmlformats.org/officeDocument/2006/relationships" xmlns:p="http://schemas.openxmlformats.org/presentationml/2006/main">
   <p:cSld>
     <p:spTree>
       <p:nvGrpSpPr>
@@ -10696,123 +11842,60 @@
           <a:p>
             <a:r>
               <a:rPr lang="en-US" dirty="0" smtClean="0"/>
-              <a:t>Always Prefer Native Libraries</a:t>
+              <a:t>Callbacks vs Promises vs </a:t>
+            </a:r>
+            <a:r>
+              <a:rPr lang="en-US" dirty="0" err="1" smtClean="0"/>
+              <a:t>Async</a:t>
+            </a:r>
+            <a:r>
+              <a:rPr lang="en-US" dirty="0" smtClean="0"/>
+              <a:t> / Await</a:t>
             </a:r>
             <a:endParaRPr lang="en-US" dirty="0"/>
           </a:p>
         </p:txBody>
       </p:sp>
-      <p:sp>
-        <p:nvSpPr>
-          <p:cNvPr id="3" name="Content Placeholder 2"/>
-          <p:cNvSpPr>
-            <a:spLocks noGrp="1"/>
-          </p:cNvSpPr>
-          <p:nvPr>
-            <p:ph idx="1"/>
-          </p:nvPr>
-        </p:nvSpPr>
-        <p:spPr>
-          <a:xfrm>
-            <a:off x="609599" y="1834227"/>
-            <a:ext cx="6347714" cy="3880773"/>
-          </a:xfrm>
-        </p:spPr>
-        <p:txBody>
-          <a:bodyPr/>
-          <a:lstStyle/>
-          <a:p>
-            <a:r>
-              <a:rPr lang="en-US" dirty="0" smtClean="0"/>
-              <a:t>Always prefer native v8 libraries</a:t>
-            </a:r>
-          </a:p>
-          <a:p>
-            <a:r>
-              <a:rPr lang="en-US" dirty="0" smtClean="0"/>
-              <a:t>Prefer them over client libraries such as :</a:t>
-            </a:r>
-          </a:p>
-          <a:p>
-            <a:pPr lvl="1"/>
-            <a:r>
-              <a:rPr lang="en-US" dirty="0" err="1" smtClean="0"/>
-              <a:t>Loadsh</a:t>
-            </a:r>
-            <a:endParaRPr lang="en-US" dirty="0" smtClean="0"/>
-          </a:p>
-          <a:p>
-            <a:pPr lvl="1"/>
-            <a:r>
-              <a:rPr lang="en-US" dirty="0" err="1" smtClean="0"/>
-              <a:t>Jquery</a:t>
-            </a:r>
-            <a:endParaRPr lang="en-US" dirty="0" smtClean="0"/>
-          </a:p>
-          <a:p>
-            <a:pPr lvl="1"/>
-            <a:r>
-              <a:rPr lang="en-US" dirty="0" err="1" smtClean="0"/>
-              <a:t>etc</a:t>
-            </a:r>
-            <a:endParaRPr lang="en-US" dirty="0" smtClean="0"/>
-          </a:p>
-          <a:p>
-            <a:r>
-              <a:rPr lang="en-US" dirty="0" smtClean="0"/>
-              <a:t>Those </a:t>
-            </a:r>
-            <a:r>
-              <a:rPr lang="en-US" dirty="0"/>
-              <a:t>l</a:t>
-            </a:r>
-            <a:r>
-              <a:rPr lang="en-US" dirty="0" smtClean="0"/>
-              <a:t>ibraries contain code to support multiple browsers </a:t>
-            </a:r>
-            <a:endParaRPr lang="en-US" dirty="0"/>
-          </a:p>
-          <a:p>
-            <a:r>
-              <a:rPr lang="en-US" dirty="0"/>
-              <a:t>N</a:t>
-            </a:r>
-            <a:r>
-              <a:rPr lang="en-US" dirty="0" smtClean="0"/>
-              <a:t>ot needed in Node.js server programming</a:t>
-            </a:r>
-          </a:p>
-          <a:p>
-            <a:r>
-              <a:rPr lang="en-US" dirty="0" smtClean="0"/>
-              <a:t>Exception : </a:t>
-            </a:r>
-            <a:r>
-              <a:rPr lang="en-US" b="1" dirty="0" smtClean="0"/>
-              <a:t>Bluebird promises</a:t>
-            </a:r>
-            <a:endParaRPr lang="en-US" b="1" dirty="0"/>
-          </a:p>
-        </p:txBody>
-      </p:sp>
+      <p:pic>
+        <p:nvPicPr>
+          <p:cNvPr id="5" name="Picture 4"/>
+          <p:cNvPicPr>
+            <a:picLocks noChangeAspect="1"/>
+          </p:cNvPicPr>
+          <p:nvPr/>
+        </p:nvPicPr>
+        <p:blipFill>
+          <a:blip r:embed="rId2">
+            <a:extLst>
+              <a:ext uri="{28A0092B-C50C-407E-A947-70E740481C1C}">
+                <a14:useLocalDpi xmlns:a14="http://schemas.microsoft.com/office/drawing/2010/main" val="0"/>
+              </a:ext>
+            </a:extLst>
+          </a:blip>
+          <a:stretch>
+            <a:fillRect/>
+          </a:stretch>
+        </p:blipFill>
+        <p:spPr>
+          <a:xfrm>
+            <a:off x="593588" y="2133600"/>
+            <a:ext cx="8024555" cy="3368332"/>
+          </a:xfrm>
+          <a:prstGeom prst="rect">
+            <a:avLst/>
+          </a:prstGeom>
+        </p:spPr>
+      </p:pic>
     </p:spTree>
     <p:extLst>
       <p:ext uri="{BB962C8B-B14F-4D97-AF65-F5344CB8AC3E}">
-        <p14:creationId xmlns:p14="http://schemas.microsoft.com/office/powerpoint/2010/main" val="2637987088"/>
+        <p14:creationId xmlns:p14="http://schemas.microsoft.com/office/powerpoint/2010/main" val="4281784084"/>
       </p:ext>
     </p:extLst>
   </p:cSld>
   <p:clrMapOvr>
     <a:masterClrMapping/>
   </p:clrMapOvr>
-  <mc:AlternateContent xmlns:mc="http://schemas.openxmlformats.org/markup-compatibility/2006">
-    <mc:Choice xmlns:p14="http://schemas.microsoft.com/office/powerpoint/2010/main" Requires="p14">
-      <p:transition spd="slow" p14:dur="2000"/>
-    </mc:Choice>
-    <mc:Fallback>
-      <p:transition spd="slow"/>
-    </mc:Fallback>
-  </mc:AlternateContent>
   <p:timing>
     <p:tnLst>
       <p:par>
@@ -10852,7 +11935,7 @@
         </p:nvSpPr>
         <p:spPr>
           <a:xfrm>
-            <a:off x="304800" y="228600"/>
+            <a:off x="381000" y="228600"/>
             <a:ext cx="6347713" cy="1320800"/>
           </a:xfrm>
         </p:spPr>
@@ -10862,15 +11945,7 @@
           <a:p>
             <a:r>
               <a:rPr lang="en-US" dirty="0" smtClean="0"/>
-              <a:t>For vs </a:t>
-            </a:r>
-            <a:r>
-              <a:rPr lang="en-US" dirty="0" err="1" smtClean="0"/>
-              <a:t>forEach</a:t>
-            </a:r>
-            <a:r>
-              <a:rPr lang="en-US" dirty="0" smtClean="0"/>
-              <a:t>() Loops</a:t>
+              <a:t>Conclusions</a:t>
             </a:r>
             <a:endParaRPr lang="en-US" dirty="0"/>
           </a:p>
@@ -10888,46 +11963,75 @@
         </p:nvSpPr>
         <p:spPr>
           <a:xfrm>
-            <a:off x="434086" y="1377027"/>
+            <a:off x="457200" y="1219200"/>
             <a:ext cx="6347714" cy="3880773"/>
           </a:xfrm>
         </p:spPr>
         <p:txBody>
           <a:bodyPr>
-            <a:normAutofit/>
+            <a:noAutofit/>
           </a:bodyPr>
           <a:lstStyle/>
           <a:p>
             <a:r>
+              <a:rPr lang="en-US" sz="2400" dirty="0"/>
+              <a:t>P</a:t>
+            </a:r>
+            <a:r>
               <a:rPr lang="en-US" sz="2400" dirty="0" smtClean="0"/>
-              <a:t>Use </a:t>
+              <a:t>romises and </a:t>
             </a:r>
             <a:r>
               <a:rPr lang="en-US" sz="2400" dirty="0" err="1" smtClean="0"/>
-              <a:t>foreach</a:t>
+              <a:t>async</a:t>
             </a:r>
             <a:r>
               <a:rPr lang="en-US" sz="2400" dirty="0" smtClean="0"/>
-              <a:t>() while iterating on arrays </a:t>
-            </a:r>
-          </a:p>
-          <a:p>
+              <a:t> await are adding overhead</a:t>
+            </a:r>
+          </a:p>
+          <a:p>
+            <a:r>
+              <a:rPr lang="en-US" sz="2400" dirty="0"/>
+              <a:t>W</a:t>
+            </a:r>
             <a:r>
               <a:rPr lang="en-US" sz="2400" dirty="0" smtClean="0"/>
-              <a:t>Prefer not to use the for loop</a:t>
-            </a:r>
-          </a:p>
-          <a:p>
+              <a:t>rite with promises and </a:t>
+            </a:r>
             <a:r>
               <a:rPr lang="en-US" sz="2400" dirty="0" err="1" smtClean="0"/>
-              <a:t>Foreach</a:t>
+              <a:t>async</a:t>
             </a:r>
             <a:r>
               <a:rPr lang="en-US" sz="2400" dirty="0" smtClean="0"/>
-              <a:t>() Prevent you from iterating empty elements in the array.</a:t>
-            </a:r>
-          </a:p>
-          <a:p>
+              <a:t> await</a:t>
+            </a:r>
+          </a:p>
+          <a:p>
+            <a:r>
+              <a:rPr lang="en-US" sz="2400" dirty="0" smtClean="0"/>
+              <a:t>In case you need to </a:t>
+            </a:r>
+            <a:r>
+              <a:rPr lang="en-US" sz="2400" b="1" dirty="0" smtClean="0"/>
+              <a:t>‘fight for every millisecond’ </a:t>
+            </a:r>
+            <a:endParaRPr lang="en-US" sz="2400" dirty="0"/>
+          </a:p>
+          <a:p>
+            <a:pPr lvl="1"/>
+            <a:r>
+              <a:rPr lang="en-US" sz="2400" dirty="0" smtClean="0"/>
+              <a:t>Remove promises</a:t>
+            </a:r>
+          </a:p>
+          <a:p>
+            <a:pPr lvl="1"/>
+            <a:r>
+              <a:rPr lang="en-US" sz="2400" dirty="0" smtClean="0"/>
+              <a:t>Go back to callbacks</a:t>
+            </a:r>
             <a:endParaRPr lang="en-US" sz="2400" dirty="0"/>
           </a:p>
         </p:txBody>
@@ -10935,7 +12039,7 @@
     </p:spTree>
     <p:extLst>
       <p:ext uri="{BB962C8B-B14F-4D97-AF65-F5344CB8AC3E}">
-        <p14:creationId xmlns:p14="http://schemas.microsoft.com/office/powerpoint/2010/main" val="3098557647"/>
+        <p14:creationId xmlns:p14="http://schemas.microsoft.com/office/powerpoint/2010/main" val="3811721980"/>
       </p:ext>
     </p:extLst>
   </p:cSld>
@@ -10981,7 +12085,7 @@
         </p:nvSpPr>
         <p:spPr>
           <a:xfrm>
-            <a:off x="609599" y="2108200"/>
+            <a:off x="510287" y="2362200"/>
             <a:ext cx="6347713" cy="1320800"/>
           </a:xfrm>
         </p:spPr>
@@ -10991,15 +12095,7 @@
           <a:p>
             <a:r>
               <a:rPr lang="en-US" dirty="0" smtClean="0"/>
-              <a:t>Demo – For vs </a:t>
-            </a:r>
-            <a:r>
-              <a:rPr lang="en-US" dirty="0" err="1" smtClean="0"/>
-              <a:t>forEach</a:t>
-            </a:r>
-            <a:r>
-              <a:rPr lang="en-US" dirty="0" smtClean="0"/>
-              <a:t>()</a:t>
+              <a:t>JavaScript Code Optimizations</a:t>
             </a:r>
             <a:endParaRPr lang="en-US" dirty="0"/>
           </a:p>
@@ -11008,7 +12104,7 @@
     </p:spTree>
     <p:extLst>
       <p:ext uri="{BB962C8B-B14F-4D97-AF65-F5344CB8AC3E}">
-        <p14:creationId xmlns:p14="http://schemas.microsoft.com/office/powerpoint/2010/main" val="1282295711"/>
+        <p14:creationId xmlns:p14="http://schemas.microsoft.com/office/powerpoint/2010/main" val="697958085"/>
       </p:ext>
     </p:extLst>
   </p:cSld>
@@ -11026,7 +12122,7 @@
 </file>
 
 <file path=ppt/slides/slide47.xml><?xml version="1.0" encoding="utf-8"?>
-<p:sld xmlns:a="http://schemas.openxmlformats.org/drawingml/2006/main" xmlns:r="http://schemas.openxmlformats.org/officeDocument/2006/relationships" xmlns:p="http://schemas.openxmlformats.org/presentationml/2006/main">
+<p:sld xmlns:a="http://schemas.openxmlformats.org/drawingml/2006/main" xmlns:r="http://schemas.openxmlformats.org/officeDocument/2006/relationships" xmlns:p="http://schemas.openxmlformats.org/presentationml/2006/main" show="0">
   <p:cSld>
     <p:spTree>
       <p:nvGrpSpPr>
@@ -11052,19 +12148,14 @@
             <p:ph type="title"/>
           </p:nvPr>
         </p:nvSpPr>
-        <p:spPr>
-          <a:xfrm>
-            <a:off x="533400" y="304800"/>
-            <a:ext cx="6347713" cy="1320800"/>
-          </a:xfrm>
-        </p:spPr>
+        <p:spPr/>
         <p:txBody>
           <a:bodyPr/>
           <a:lstStyle/>
           <a:p>
             <a:r>
               <a:rPr lang="en-US" dirty="0" smtClean="0"/>
-              <a:t>Put Common Code In Functions</a:t>
+              <a:t>Always Prefer Native Libraries</a:t>
             </a:r>
             <a:endParaRPr lang="en-US" dirty="0"/>
           </a:p>
@@ -11082,46 +12173,105 @@
         </p:nvSpPr>
         <p:spPr>
           <a:xfrm>
-            <a:off x="609599" y="1676400"/>
+            <a:off x="609599" y="1834227"/>
             <a:ext cx="6347714" cy="3880773"/>
           </a:xfrm>
         </p:spPr>
         <p:txBody>
-          <a:bodyPr>
-            <a:normAutofit/>
-          </a:bodyPr>
-          <a:lstStyle/>
-          <a:p>
-            <a:r>
-              <a:rPr lang="en-US" sz="2400" dirty="0" smtClean="0"/>
-              <a:t>Hot Code – function or object which continuously being used</a:t>
-            </a:r>
-          </a:p>
-          <a:p>
-            <a:r>
-              <a:rPr lang="en-US" sz="2400" dirty="0" smtClean="0"/>
-              <a:t>The JIT compiler stores the binary version of a continuously used function or object </a:t>
-            </a:r>
-            <a:endParaRPr lang="en-US" sz="2400" dirty="0"/>
-          </a:p>
-          <a:p>
-            <a:r>
-              <a:rPr lang="en-US" sz="2400" dirty="0" smtClean="0"/>
-              <a:t>If the contract is not changed – v8 will optimize</a:t>
-            </a:r>
+          <a:bodyPr/>
+          <a:lstStyle/>
+          <a:p>
+            <a:r>
+              <a:rPr lang="en-US" dirty="0" smtClean="0"/>
+              <a:t>Always prefer native v8 libraries</a:t>
+            </a:r>
+          </a:p>
+          <a:p>
+            <a:r>
+              <a:rPr lang="en-US" dirty="0" smtClean="0"/>
+              <a:t>Prefer them over client libraries such as :</a:t>
+            </a:r>
+          </a:p>
+          <a:p>
+            <a:pPr lvl="1"/>
+            <a:r>
+              <a:rPr lang="en-US" dirty="0" err="1" smtClean="0"/>
+              <a:t>Loadsh</a:t>
+            </a:r>
+            <a:endParaRPr lang="en-US" dirty="0" smtClean="0"/>
+          </a:p>
+          <a:p>
+            <a:pPr lvl="1"/>
+            <a:r>
+              <a:rPr lang="en-US" dirty="0" err="1" smtClean="0"/>
+              <a:t>Jquery</a:t>
+            </a:r>
+            <a:endParaRPr lang="en-US" dirty="0" smtClean="0"/>
+          </a:p>
+          <a:p>
+            <a:pPr lvl="1"/>
+            <a:r>
+              <a:rPr lang="en-US" dirty="0" err="1" smtClean="0"/>
+              <a:t>etc</a:t>
+            </a:r>
+            <a:endParaRPr lang="en-US" dirty="0" smtClean="0"/>
+          </a:p>
+          <a:p>
+            <a:r>
+              <a:rPr lang="en-US" dirty="0" smtClean="0"/>
+              <a:t>Those </a:t>
+            </a:r>
+            <a:r>
+              <a:rPr lang="en-US" dirty="0"/>
+              <a:t>l</a:t>
+            </a:r>
+            <a:r>
+              <a:rPr lang="en-US" dirty="0" smtClean="0"/>
+              <a:t>ibraries contain code to support multiple browsers </a:t>
+            </a:r>
+            <a:endParaRPr lang="en-US" dirty="0"/>
+          </a:p>
+          <a:p>
+            <a:r>
+              <a:rPr lang="en-US" dirty="0"/>
+              <a:t>N</a:t>
+            </a:r>
+            <a:r>
+              <a:rPr lang="en-US" dirty="0" smtClean="0"/>
+              <a:t>ot needed in Node.js server programming</a:t>
+            </a:r>
+          </a:p>
+          <a:p>
+            <a:r>
+              <a:rPr lang="en-US" dirty="0" smtClean="0"/>
+              <a:t>Exception : </a:t>
+            </a:r>
+            <a:r>
+              <a:rPr lang="en-US" b="1" dirty="0" smtClean="0"/>
+              <a:t>Bluebird promises</a:t>
+            </a:r>
+            <a:endParaRPr lang="en-US" b="1" dirty="0"/>
           </a:p>
         </p:txBody>
       </p:sp>
     </p:spTree>
     <p:extLst>
       <p:ext uri="{BB962C8B-B14F-4D97-AF65-F5344CB8AC3E}">
-        <p14:creationId xmlns:p14="http://schemas.microsoft.com/office/powerpoint/2010/main" val="2890701239"/>
+        <p14:creationId xmlns:p14="http://schemas.microsoft.com/office/powerpoint/2010/main" val="2637987088"/>
       </p:ext>
     </p:extLst>
   </p:cSld>
   <p:clrMapOvr>
     <a:masterClrMapping/>
   </p:clrMapOvr>
+  <mc:AlternateContent xmlns:mc="http://schemas.openxmlformats.org/markup-compatibility/2006" xmlns:p14="http://schemas.microsoft.com/office/powerpoint/2010/main">
+    <mc:Choice Requires="p14">
+      <p:transition spd="slow" p14:dur="2000"/>
+    </mc:Choice>
+    <mc:Fallback xmlns="">
+      <p:transition spd="slow"/>
+    </mc:Fallback>
+  </mc:AlternateContent>
   <p:timing>
     <p:tnLst>
       <p:par>
@@ -11161,7 +12311,7 @@
         </p:nvSpPr>
         <p:spPr>
           <a:xfrm>
-            <a:off x="457200" y="457200"/>
+            <a:off x="304800" y="228600"/>
             <a:ext cx="6347713" cy="1320800"/>
           </a:xfrm>
         </p:spPr>
@@ -11171,136 +12321,80 @@
           <a:p>
             <a:r>
               <a:rPr lang="en-US" dirty="0" smtClean="0"/>
-              <a:t>Create Class For Similar Objects</a:t>
+              <a:t>For vs </a:t>
+            </a:r>
+            <a:r>
+              <a:rPr lang="en-US" dirty="0" err="1" smtClean="0"/>
+              <a:t>forEach</a:t>
+            </a:r>
+            <a:r>
+              <a:rPr lang="en-US" dirty="0" smtClean="0"/>
+              <a:t>() Loops</a:t>
             </a:r>
             <a:endParaRPr lang="en-US" dirty="0"/>
           </a:p>
         </p:txBody>
       </p:sp>
-      <p:pic>
-        <p:nvPicPr>
-          <p:cNvPr id="4" name="Picture 3"/>
-          <p:cNvPicPr>
-            <a:picLocks noChangeAspect="1"/>
-          </p:cNvPicPr>
-          <p:nvPr/>
-        </p:nvPicPr>
-        <p:blipFill>
-          <a:blip r:embed="rId2">
-            <a:extLst>
-              <a:ext uri="{28A0092B-C50C-407E-A947-70E740481C1C}">
-                <a14:useLocalDpi xmlns:a14="http://schemas.microsoft.com/office/drawing/2010/main" val="0"/>
-              </a:ext>
-            </a:extLst>
-          </a:blip>
-          <a:stretch>
-            <a:fillRect/>
-          </a:stretch>
-        </p:blipFill>
-        <p:spPr>
-          <a:xfrm>
-            <a:off x="457200" y="1905000"/>
-            <a:ext cx="3360711" cy="2537680"/>
-          </a:xfrm>
-          <a:prstGeom prst="rect">
-            <a:avLst/>
-          </a:prstGeom>
-        </p:spPr>
-      </p:pic>
-      <p:pic>
-        <p:nvPicPr>
-          <p:cNvPr id="5" name="Picture 4"/>
-          <p:cNvPicPr>
-            <a:picLocks noChangeAspect="1"/>
-          </p:cNvPicPr>
-          <p:nvPr/>
-        </p:nvPicPr>
-        <p:blipFill>
-          <a:blip r:embed="rId3" cstate="print">
-            <a:extLst>
-              <a:ext uri="{28A0092B-C50C-407E-A947-70E740481C1C}">
-                <a14:useLocalDpi xmlns:a14="http://schemas.microsoft.com/office/drawing/2010/main" val="0"/>
-              </a:ext>
-            </a:extLst>
-          </a:blip>
-          <a:stretch>
-            <a:fillRect/>
-          </a:stretch>
-        </p:blipFill>
-        <p:spPr>
-          <a:xfrm>
-            <a:off x="2895600" y="2438400"/>
-            <a:ext cx="1524000" cy="1524000"/>
-          </a:xfrm>
-          <a:prstGeom prst="rect">
-            <a:avLst/>
-          </a:prstGeom>
-        </p:spPr>
-      </p:pic>
-      <p:pic>
-        <p:nvPicPr>
-          <p:cNvPr id="6" name="Picture 5"/>
-          <p:cNvPicPr>
-            <a:picLocks noChangeAspect="1"/>
-          </p:cNvPicPr>
-          <p:nvPr/>
-        </p:nvPicPr>
-        <p:blipFill>
-          <a:blip r:embed="rId4">
-            <a:extLst>
-              <a:ext uri="{28A0092B-C50C-407E-A947-70E740481C1C}">
-                <a14:useLocalDpi xmlns:a14="http://schemas.microsoft.com/office/drawing/2010/main" val="0"/>
-              </a:ext>
-            </a:extLst>
-          </a:blip>
-          <a:stretch>
-            <a:fillRect/>
-          </a:stretch>
-        </p:blipFill>
-        <p:spPr>
-          <a:xfrm>
-            <a:off x="2743200" y="4343400"/>
-            <a:ext cx="5959356" cy="2293819"/>
-          </a:xfrm>
-          <a:prstGeom prst="rect">
-            <a:avLst/>
-          </a:prstGeom>
-        </p:spPr>
-      </p:pic>
-      <p:pic>
-        <p:nvPicPr>
-          <p:cNvPr id="8" name="Picture 7"/>
-          <p:cNvPicPr>
-            <a:picLocks noChangeAspect="1"/>
-          </p:cNvPicPr>
-          <p:nvPr/>
-        </p:nvPicPr>
-        <p:blipFill>
-          <a:blip r:embed="rId5" cstate="print">
-            <a:extLst>
-              <a:ext uri="{28A0092B-C50C-407E-A947-70E740481C1C}">
-                <a14:useLocalDpi xmlns:a14="http://schemas.microsoft.com/office/drawing/2010/main" val="0"/>
-              </a:ext>
-            </a:extLst>
-          </a:blip>
-          <a:stretch>
-            <a:fillRect/>
-          </a:stretch>
-        </p:blipFill>
-        <p:spPr>
-          <a:xfrm>
-            <a:off x="6705600" y="4648200"/>
-            <a:ext cx="1752600" cy="1752600"/>
-          </a:xfrm>
-          <a:prstGeom prst="rect">
-            <a:avLst/>
-          </a:prstGeom>
-        </p:spPr>
-      </p:pic>
+      <p:sp>
+        <p:nvSpPr>
+          <p:cNvPr id="3" name="Content Placeholder 2"/>
+          <p:cNvSpPr>
+            <a:spLocks noGrp="1"/>
+          </p:cNvSpPr>
+          <p:nvPr>
+            <p:ph idx="1"/>
+          </p:nvPr>
+        </p:nvSpPr>
+        <p:spPr>
+          <a:xfrm>
+            <a:off x="434086" y="1377027"/>
+            <a:ext cx="6347714" cy="3880773"/>
+          </a:xfrm>
+        </p:spPr>
+        <p:txBody>
+          <a:bodyPr>
+            <a:normAutofit/>
+          </a:bodyPr>
+          <a:lstStyle/>
+          <a:p>
+            <a:r>
+              <a:rPr lang="en-US" sz="2400" dirty="0" smtClean="0"/>
+              <a:t>Use </a:t>
+            </a:r>
+            <a:r>
+              <a:rPr lang="en-US" sz="2400" dirty="0" err="1" smtClean="0"/>
+              <a:t>foreach</a:t>
+            </a:r>
+            <a:r>
+              <a:rPr lang="en-US" sz="2400" dirty="0" smtClean="0"/>
+              <a:t>() while iterating on arrays </a:t>
+            </a:r>
+          </a:p>
+          <a:p>
+            <a:r>
+              <a:rPr lang="en-US" sz="2400" dirty="0" smtClean="0"/>
+              <a:t>Prefer not to use the for loop</a:t>
+            </a:r>
+          </a:p>
+          <a:p>
+            <a:r>
+              <a:rPr lang="en-US" sz="2400" dirty="0" err="1" smtClean="0"/>
+              <a:t>Foreach</a:t>
+            </a:r>
+            <a:r>
+              <a:rPr lang="en-US" sz="2400" dirty="0" smtClean="0"/>
+              <a:t>() Prevent you from iterating empty elements in the array.</a:t>
+            </a:r>
+          </a:p>
+          <a:p>
+            <a:endParaRPr lang="en-US" sz="2400" dirty="0"/>
+          </a:p>
+        </p:txBody>
+      </p:sp>
     </p:spTree>
     <p:extLst>
       <p:ext uri="{BB962C8B-B14F-4D97-AF65-F5344CB8AC3E}">
-        <p14:creationId xmlns:p14="http://schemas.microsoft.com/office/powerpoint/2010/main" val="1453889512"/>
+        <p14:creationId xmlns:p14="http://schemas.microsoft.com/office/powerpoint/2010/main" val="3098557647"/>
       </p:ext>
     </p:extLst>
   </p:cSld>
@@ -11346,7 +12440,7 @@
         </p:nvSpPr>
         <p:spPr>
           <a:xfrm>
-            <a:off x="609599" y="2032000"/>
+            <a:off x="609599" y="2108200"/>
             <a:ext cx="6347713" cy="1320800"/>
           </a:xfrm>
         </p:spPr>
@@ -11356,7 +12450,15 @@
           <a:p>
             <a:r>
               <a:rPr lang="en-US" dirty="0" smtClean="0"/>
-              <a:t>Demo – Using classes for objects</a:t>
+              <a:t>Demo – For vs </a:t>
+            </a:r>
+            <a:r>
+              <a:rPr lang="en-US" dirty="0" err="1" smtClean="0"/>
+              <a:t>forEach</a:t>
+            </a:r>
+            <a:r>
+              <a:rPr lang="en-US" dirty="0" smtClean="0"/>
+              <a:t>()</a:t>
             </a:r>
             <a:endParaRPr lang="en-US" dirty="0"/>
           </a:p>
@@ -11365,7 +12467,7 @@
     </p:spTree>
     <p:extLst>
       <p:ext uri="{BB962C8B-B14F-4D97-AF65-F5344CB8AC3E}">
-        <p14:creationId xmlns:p14="http://schemas.microsoft.com/office/powerpoint/2010/main" val="1552963710"/>
+        <p14:creationId xmlns:p14="http://schemas.microsoft.com/office/powerpoint/2010/main" val="1282295711"/>
       </p:ext>
     </p:extLst>
   </p:cSld>
@@ -11454,7 +12556,6 @@
               <a:rPr lang="en-US" dirty="0" smtClean="0"/>
               <a:t>level == ERROR</a:t>
             </a:r>
-            <a:endParaRPr lang="en-US" dirty="0" smtClean="0"/>
           </a:p>
           <a:p>
             <a:r>
@@ -11469,7 +12570,6 @@
               <a:rPr lang="en-US" dirty="0" smtClean="0"/>
               <a:t> </a:t>
             </a:r>
-            <a:endParaRPr lang="en-US" dirty="0" smtClean="0"/>
           </a:p>
           <a:p>
             <a:r>
@@ -11493,15 +12593,7 @@
             <a:pPr lvl="1"/>
             <a:r>
               <a:rPr lang="en-US" dirty="0" smtClean="0"/>
-              <a:t>Index </a:t>
-            </a:r>
-            <a:r>
-              <a:rPr lang="en-US" dirty="0" smtClean="0"/>
-              <a:t>your </a:t>
-            </a:r>
-            <a:r>
-              <a:rPr lang="en-US" dirty="0" smtClean="0"/>
-              <a:t>DB</a:t>
+              <a:t>Index your DB</a:t>
             </a:r>
           </a:p>
           <a:p>
@@ -11578,7 +12670,7 @@
         </p:nvSpPr>
         <p:spPr>
           <a:xfrm>
-            <a:off x="457200" y="381000"/>
+            <a:off x="533400" y="304800"/>
             <a:ext cx="6347713" cy="1320800"/>
           </a:xfrm>
         </p:spPr>
@@ -11588,7 +12680,7 @@
           <a:p>
             <a:r>
               <a:rPr lang="en-US" dirty="0" smtClean="0"/>
-              <a:t>Avoid Using Delete</a:t>
+              <a:t>Put Common Code In Functions</a:t>
             </a:r>
             <a:endParaRPr lang="en-US" dirty="0"/>
           </a:p>
@@ -11606,7 +12698,7 @@
         </p:nvSpPr>
         <p:spPr>
           <a:xfrm>
-            <a:off x="457200" y="1371600"/>
+            <a:off x="609599" y="1676400"/>
             <a:ext cx="6347714" cy="3880773"/>
           </a:xfrm>
         </p:spPr>
@@ -11618,21 +12710,20 @@
           <a:p>
             <a:r>
               <a:rPr lang="en-US" sz="2400" dirty="0" smtClean="0"/>
-              <a:t>When using delete on an object :</a:t>
-            </a:r>
-          </a:p>
-          <a:p>
-            <a:pPr lvl="1"/>
+              <a:t>Hot Code – function or object which continuously being used</a:t>
+            </a:r>
+          </a:p>
+          <a:p>
             <a:r>
               <a:rPr lang="en-US" sz="2400" dirty="0" smtClean="0"/>
-              <a:t>JIT compiler invalidate the binary of the object’s class for this instance</a:t>
-            </a:r>
-          </a:p>
-          <a:p>
-            <a:pPr lvl="1"/>
+              <a:t>The JIT compiler stores the binary version of a continuously used function or object </a:t>
+            </a:r>
+            <a:endParaRPr lang="en-US" sz="2400" dirty="0"/>
+          </a:p>
+          <a:p>
             <a:r>
               <a:rPr lang="en-US" sz="2400" dirty="0" smtClean="0"/>
-              <a:t>JIT compiler treats the object separately from the class</a:t>
+              <a:t>If the contract is not changed – v8 will optimize</a:t>
             </a:r>
           </a:p>
         </p:txBody>
@@ -11640,7 +12731,7 @@
     </p:spTree>
     <p:extLst>
       <p:ext uri="{BB962C8B-B14F-4D97-AF65-F5344CB8AC3E}">
-        <p14:creationId xmlns:p14="http://schemas.microsoft.com/office/powerpoint/2010/main" val="1485461485"/>
+        <p14:creationId xmlns:p14="http://schemas.microsoft.com/office/powerpoint/2010/main" val="2890701239"/>
       </p:ext>
     </p:extLst>
   </p:cSld>
@@ -11686,7 +12777,7 @@
         </p:nvSpPr>
         <p:spPr>
           <a:xfrm>
-            <a:off x="381000" y="304800"/>
+            <a:off x="457200" y="457200"/>
             <a:ext cx="6347713" cy="1320800"/>
           </a:xfrm>
         </p:spPr>
@@ -11696,64 +12787,136 @@
           <a:p>
             <a:r>
               <a:rPr lang="en-US" dirty="0" smtClean="0"/>
-              <a:t>Avoid Using Dynamic Properties</a:t>
+              <a:t>Create Class For Similar Objects</a:t>
             </a:r>
             <a:endParaRPr lang="en-US" dirty="0"/>
           </a:p>
         </p:txBody>
       </p:sp>
-      <p:sp>
-        <p:nvSpPr>
-          <p:cNvPr id="3" name="Content Placeholder 2"/>
-          <p:cNvSpPr>
-            <a:spLocks noGrp="1"/>
-          </p:cNvSpPr>
-          <p:nvPr>
-            <p:ph idx="1"/>
-          </p:nvPr>
-        </p:nvSpPr>
-        <p:spPr>
-          <a:xfrm>
-            <a:off x="457200" y="1676400"/>
-            <a:ext cx="6347714" cy="3880773"/>
-          </a:xfrm>
-        </p:spPr>
-        <p:txBody>
-          <a:bodyPr>
-            <a:normAutofit/>
-          </a:bodyPr>
-          <a:lstStyle/>
-          <a:p>
-            <a:r>
-              <a:rPr lang="en-US" sz="2400" dirty="0" smtClean="0"/>
-              <a:t>Dynamic property is a property that you add to the object on the fly.</a:t>
-            </a:r>
-          </a:p>
-          <a:p>
-            <a:r>
-              <a:rPr lang="en-US" sz="2400" dirty="0" smtClean="0"/>
-              <a:t>When using it the same thing </a:t>
-            </a:r>
-            <a:r>
-              <a:rPr lang="en-US" sz="2400" dirty="0" smtClean="0"/>
-              <a:t>happens </a:t>
-            </a:r>
-            <a:r>
-              <a:rPr lang="en-US" sz="2400" dirty="0" smtClean="0"/>
-              <a:t>as in </a:t>
-            </a:r>
-            <a:r>
-              <a:rPr lang="en-US" sz="2400" dirty="0" smtClean="0"/>
-              <a:t>the delete operator example.</a:t>
-            </a:r>
-            <a:endParaRPr lang="en-US" sz="2400" dirty="0"/>
-          </a:p>
-        </p:txBody>
-      </p:sp>
+      <p:pic>
+        <p:nvPicPr>
+          <p:cNvPr id="6" name="Picture 5"/>
+          <p:cNvPicPr>
+            <a:picLocks noChangeAspect="1"/>
+          </p:cNvPicPr>
+          <p:nvPr/>
+        </p:nvPicPr>
+        <p:blipFill>
+          <a:blip r:embed="rId2">
+            <a:extLst>
+              <a:ext uri="{28A0092B-C50C-407E-A947-70E740481C1C}">
+                <a14:useLocalDpi xmlns:a14="http://schemas.microsoft.com/office/drawing/2010/main" val="0"/>
+              </a:ext>
+            </a:extLst>
+          </a:blip>
+          <a:stretch>
+            <a:fillRect/>
+          </a:stretch>
+        </p:blipFill>
+        <p:spPr>
+          <a:xfrm>
+            <a:off x="1752600" y="3733800"/>
+            <a:ext cx="5959356" cy="2293819"/>
+          </a:xfrm>
+          <a:prstGeom prst="rect">
+            <a:avLst/>
+          </a:prstGeom>
+        </p:spPr>
+      </p:pic>
+      <p:pic>
+        <p:nvPicPr>
+          <p:cNvPr id="8" name="Picture 7"/>
+          <p:cNvPicPr>
+            <a:picLocks noChangeAspect="1"/>
+          </p:cNvPicPr>
+          <p:nvPr/>
+        </p:nvPicPr>
+        <p:blipFill>
+          <a:blip r:embed="rId3" cstate="print">
+            <a:extLst>
+              <a:ext uri="{28A0092B-C50C-407E-A947-70E740481C1C}">
+                <a14:useLocalDpi xmlns:a14="http://schemas.microsoft.com/office/drawing/2010/main" val="0"/>
+              </a:ext>
+            </a:extLst>
+          </a:blip>
+          <a:stretch>
+            <a:fillRect/>
+          </a:stretch>
+        </p:blipFill>
+        <p:spPr>
+          <a:xfrm>
+            <a:off x="5486400" y="3710940"/>
+            <a:ext cx="1752600" cy="1752600"/>
+          </a:xfrm>
+          <a:prstGeom prst="rect">
+            <a:avLst/>
+          </a:prstGeom>
+        </p:spPr>
+      </p:pic>
+      <p:pic>
+        <p:nvPicPr>
+          <p:cNvPr id="3" name="Picture 2"/>
+          <p:cNvPicPr>
+            <a:picLocks noChangeAspect="1"/>
+          </p:cNvPicPr>
+          <p:nvPr/>
+        </p:nvPicPr>
+        <p:blipFill>
+          <a:blip r:embed="rId4">
+            <a:extLst>
+              <a:ext uri="{28A0092B-C50C-407E-A947-70E740481C1C}">
+                <a14:useLocalDpi xmlns:a14="http://schemas.microsoft.com/office/drawing/2010/main" val="0"/>
+              </a:ext>
+            </a:extLst>
+          </a:blip>
+          <a:stretch>
+            <a:fillRect/>
+          </a:stretch>
+        </p:blipFill>
+        <p:spPr>
+          <a:xfrm>
+            <a:off x="365178" y="1942970"/>
+            <a:ext cx="6721422" cy="1486029"/>
+          </a:xfrm>
+          <a:prstGeom prst="rect">
+            <a:avLst/>
+          </a:prstGeom>
+        </p:spPr>
+      </p:pic>
+      <p:pic>
+        <p:nvPicPr>
+          <p:cNvPr id="5" name="Picture 4"/>
+          <p:cNvPicPr>
+            <a:picLocks noChangeAspect="1"/>
+          </p:cNvPicPr>
+          <p:nvPr/>
+        </p:nvPicPr>
+        <p:blipFill>
+          <a:blip r:embed="rId5" cstate="print">
+            <a:extLst>
+              <a:ext uri="{28A0092B-C50C-407E-A947-70E740481C1C}">
+                <a14:useLocalDpi xmlns:a14="http://schemas.microsoft.com/office/drawing/2010/main" val="0"/>
+              </a:ext>
+            </a:extLst>
+          </a:blip>
+          <a:stretch>
+            <a:fillRect/>
+          </a:stretch>
+        </p:blipFill>
+        <p:spPr>
+          <a:xfrm>
+            <a:off x="6781800" y="1596455"/>
+            <a:ext cx="1287650" cy="1287650"/>
+          </a:xfrm>
+          <a:prstGeom prst="rect">
+            <a:avLst/>
+          </a:prstGeom>
+        </p:spPr>
+      </p:pic>
     </p:spTree>
     <p:extLst>
       <p:ext uri="{BB962C8B-B14F-4D97-AF65-F5344CB8AC3E}">
-        <p14:creationId xmlns:p14="http://schemas.microsoft.com/office/powerpoint/2010/main" val="2556163300"/>
+        <p14:creationId xmlns:p14="http://schemas.microsoft.com/office/powerpoint/2010/main" val="1453889512"/>
       </p:ext>
     </p:extLst>
   </p:cSld>
@@ -11797,1017 +12960,19 @@
             <p:ph type="title"/>
           </p:nvPr>
         </p:nvSpPr>
-        <p:spPr/>
+        <p:spPr>
+          <a:xfrm>
+            <a:off x="609599" y="2032000"/>
+            <a:ext cx="6347713" cy="1320800"/>
+          </a:xfrm>
+        </p:spPr>
         <p:txBody>
           <a:bodyPr/>
           <a:lstStyle/>
           <a:p>
             <a:r>
               <a:rPr lang="en-US" dirty="0" smtClean="0"/>
-              <a:t>Introduction To JavaScript Arrays </a:t>
-            </a:r>
-            <a:endParaRPr lang="en-US" dirty="0"/>
-          </a:p>
-        </p:txBody>
-      </p:sp>
-      <p:sp>
-        <p:nvSpPr>
-          <p:cNvPr id="4" name="Rectangle 3"/>
-          <p:cNvSpPr/>
-          <p:nvPr/>
-        </p:nvSpPr>
-        <p:spPr>
-          <a:xfrm>
-            <a:off x="533400" y="2590800"/>
-            <a:ext cx="6705600" cy="838200"/>
-          </a:xfrm>
-          <a:prstGeom prst="rect">
-            <a:avLst/>
-          </a:prstGeom>
-          <a:noFill/>
-        </p:spPr>
-        <p:style>
-          <a:lnRef idx="2">
-            <a:schemeClr val="accent1">
-              <a:shade val="50000"/>
-            </a:schemeClr>
-          </a:lnRef>
-          <a:fillRef idx="1">
-            <a:schemeClr val="accent1"/>
-          </a:fillRef>
-          <a:effectRef idx="0">
-            <a:schemeClr val="accent1"/>
-          </a:effectRef>
-          <a:fontRef idx="minor">
-            <a:schemeClr val="lt1"/>
-          </a:fontRef>
-        </p:style>
-        <p:txBody>
-          <a:bodyPr rtlCol="0" anchor="ctr"/>
-          <a:lstStyle/>
-          <a:p>
-            <a:pPr algn="ctr"/>
-            <a:endParaRPr lang="en-US"/>
-          </a:p>
-        </p:txBody>
-      </p:sp>
-      <p:cxnSp>
-        <p:nvCxnSpPr>
-          <p:cNvPr id="6" name="Straight Connector 5"/>
-          <p:cNvCxnSpPr/>
-          <p:nvPr/>
-        </p:nvCxnSpPr>
-        <p:spPr>
-          <a:xfrm>
-            <a:off x="1371600" y="2590800"/>
-            <a:ext cx="0" cy="838200"/>
-          </a:xfrm>
-          <a:prstGeom prst="line">
-            <a:avLst/>
-          </a:prstGeom>
-        </p:spPr>
-        <p:style>
-          <a:lnRef idx="1">
-            <a:schemeClr val="accent1"/>
-          </a:lnRef>
-          <a:fillRef idx="0">
-            <a:schemeClr val="accent1"/>
-          </a:fillRef>
-          <a:effectRef idx="0">
-            <a:schemeClr val="accent1"/>
-          </a:effectRef>
-          <a:fontRef idx="minor">
-            <a:schemeClr val="tx1"/>
-          </a:fontRef>
-        </p:style>
-      </p:cxnSp>
-      <p:cxnSp>
-        <p:nvCxnSpPr>
-          <p:cNvPr id="7" name="Straight Connector 6"/>
-          <p:cNvCxnSpPr/>
-          <p:nvPr/>
-        </p:nvCxnSpPr>
-        <p:spPr>
-          <a:xfrm>
-            <a:off x="2286000" y="2590800"/>
-            <a:ext cx="0" cy="838200"/>
-          </a:xfrm>
-          <a:prstGeom prst="line">
-            <a:avLst/>
-          </a:prstGeom>
-        </p:spPr>
-        <p:style>
-          <a:lnRef idx="1">
-            <a:schemeClr val="accent1"/>
-          </a:lnRef>
-          <a:fillRef idx="0">
-            <a:schemeClr val="accent1"/>
-          </a:fillRef>
-          <a:effectRef idx="0">
-            <a:schemeClr val="accent1"/>
-          </a:effectRef>
-          <a:fontRef idx="minor">
-            <a:schemeClr val="tx1"/>
-          </a:fontRef>
-        </p:style>
-      </p:cxnSp>
-      <p:cxnSp>
-        <p:nvCxnSpPr>
-          <p:cNvPr id="8" name="Straight Connector 7"/>
-          <p:cNvCxnSpPr/>
-          <p:nvPr/>
-        </p:nvCxnSpPr>
-        <p:spPr>
-          <a:xfrm>
-            <a:off x="3200400" y="2590800"/>
-            <a:ext cx="0" cy="838200"/>
-          </a:xfrm>
-          <a:prstGeom prst="line">
-            <a:avLst/>
-          </a:prstGeom>
-        </p:spPr>
-        <p:style>
-          <a:lnRef idx="1">
-            <a:schemeClr val="accent1"/>
-          </a:lnRef>
-          <a:fillRef idx="0">
-            <a:schemeClr val="accent1"/>
-          </a:fillRef>
-          <a:effectRef idx="0">
-            <a:schemeClr val="accent1"/>
-          </a:effectRef>
-          <a:fontRef idx="minor">
-            <a:schemeClr val="tx1"/>
-          </a:fontRef>
-        </p:style>
-      </p:cxnSp>
-      <p:cxnSp>
-        <p:nvCxnSpPr>
-          <p:cNvPr id="9" name="Straight Connector 8"/>
-          <p:cNvCxnSpPr/>
-          <p:nvPr/>
-        </p:nvCxnSpPr>
-        <p:spPr>
-          <a:xfrm>
-            <a:off x="4114800" y="2590800"/>
-            <a:ext cx="0" cy="838200"/>
-          </a:xfrm>
-          <a:prstGeom prst="line">
-            <a:avLst/>
-          </a:prstGeom>
-        </p:spPr>
-        <p:style>
-          <a:lnRef idx="1">
-            <a:schemeClr val="accent1"/>
-          </a:lnRef>
-          <a:fillRef idx="0">
-            <a:schemeClr val="accent1"/>
-          </a:fillRef>
-          <a:effectRef idx="0">
-            <a:schemeClr val="accent1"/>
-          </a:effectRef>
-          <a:fontRef idx="minor">
-            <a:schemeClr val="tx1"/>
-          </a:fontRef>
-        </p:style>
-      </p:cxnSp>
-      <p:cxnSp>
-        <p:nvCxnSpPr>
-          <p:cNvPr id="10" name="Straight Connector 9"/>
-          <p:cNvCxnSpPr/>
-          <p:nvPr/>
-        </p:nvCxnSpPr>
-        <p:spPr>
-          <a:xfrm>
-            <a:off x="4953000" y="2590800"/>
-            <a:ext cx="0" cy="838200"/>
-          </a:xfrm>
-          <a:prstGeom prst="line">
-            <a:avLst/>
-          </a:prstGeom>
-        </p:spPr>
-        <p:style>
-          <a:lnRef idx="1">
-            <a:schemeClr val="accent1"/>
-          </a:lnRef>
-          <a:fillRef idx="0">
-            <a:schemeClr val="accent1"/>
-          </a:fillRef>
-          <a:effectRef idx="0">
-            <a:schemeClr val="accent1"/>
-          </a:effectRef>
-          <a:fontRef idx="minor">
-            <a:schemeClr val="tx1"/>
-          </a:fontRef>
-        </p:style>
-      </p:cxnSp>
-      <p:cxnSp>
-        <p:nvCxnSpPr>
-          <p:cNvPr id="11" name="Straight Connector 10"/>
-          <p:cNvCxnSpPr/>
-          <p:nvPr/>
-        </p:nvCxnSpPr>
-        <p:spPr>
-          <a:xfrm>
-            <a:off x="5791200" y="2590800"/>
-            <a:ext cx="0" cy="838200"/>
-          </a:xfrm>
-          <a:prstGeom prst="line">
-            <a:avLst/>
-          </a:prstGeom>
-        </p:spPr>
-        <p:style>
-          <a:lnRef idx="1">
-            <a:schemeClr val="accent1"/>
-          </a:lnRef>
-          <a:fillRef idx="0">
-            <a:schemeClr val="accent1"/>
-          </a:fillRef>
-          <a:effectRef idx="0">
-            <a:schemeClr val="accent1"/>
-          </a:effectRef>
-          <a:fontRef idx="minor">
-            <a:schemeClr val="tx1"/>
-          </a:fontRef>
-        </p:style>
-      </p:cxnSp>
-      <p:cxnSp>
-        <p:nvCxnSpPr>
-          <p:cNvPr id="12" name="Straight Connector 11"/>
-          <p:cNvCxnSpPr/>
-          <p:nvPr/>
-        </p:nvCxnSpPr>
-        <p:spPr>
-          <a:xfrm>
-            <a:off x="6553200" y="2590800"/>
-            <a:ext cx="0" cy="838200"/>
-          </a:xfrm>
-          <a:prstGeom prst="line">
-            <a:avLst/>
-          </a:prstGeom>
-        </p:spPr>
-        <p:style>
-          <a:lnRef idx="1">
-            <a:schemeClr val="accent1"/>
-          </a:lnRef>
-          <a:fillRef idx="0">
-            <a:schemeClr val="accent1"/>
-          </a:fillRef>
-          <a:effectRef idx="0">
-            <a:schemeClr val="accent1"/>
-          </a:effectRef>
-          <a:fontRef idx="minor">
-            <a:schemeClr val="tx1"/>
-          </a:fontRef>
-        </p:style>
-      </p:cxnSp>
-      <p:sp>
-        <p:nvSpPr>
-          <p:cNvPr id="13" name="TextBox 12"/>
-          <p:cNvSpPr txBox="1"/>
-          <p:nvPr/>
-        </p:nvSpPr>
-        <p:spPr>
-          <a:xfrm>
-            <a:off x="457200" y="1905000"/>
-            <a:ext cx="2667000" cy="646331"/>
-          </a:xfrm>
-          <a:prstGeom prst="rect">
-            <a:avLst/>
-          </a:prstGeom>
-          <a:noFill/>
-        </p:spPr>
-        <p:txBody>
-          <a:bodyPr wrap="square" rtlCol="0">
-            <a:spAutoFit/>
-          </a:bodyPr>
-          <a:lstStyle/>
-          <a:p>
-            <a:r>
-              <a:rPr lang="en-US" dirty="0" smtClean="0"/>
-              <a:t>Arrays In Traditional Languages :</a:t>
-            </a:r>
-            <a:endParaRPr lang="en-US" dirty="0"/>
-          </a:p>
-        </p:txBody>
-      </p:sp>
-      <p:sp>
-        <p:nvSpPr>
-          <p:cNvPr id="14" name="TextBox 13"/>
-          <p:cNvSpPr txBox="1"/>
-          <p:nvPr/>
-        </p:nvSpPr>
-        <p:spPr>
-          <a:xfrm>
-            <a:off x="609600" y="3124200"/>
-            <a:ext cx="762000" cy="369332"/>
-          </a:xfrm>
-          <a:prstGeom prst="rect">
-            <a:avLst/>
-          </a:prstGeom>
-          <a:noFill/>
-        </p:spPr>
-        <p:txBody>
-          <a:bodyPr wrap="square" rtlCol="0">
-            <a:spAutoFit/>
-          </a:bodyPr>
-          <a:lstStyle/>
-          <a:p>
-            <a:r>
-              <a:rPr lang="en-US" dirty="0" smtClean="0"/>
-              <a:t>1000</a:t>
-            </a:r>
-            <a:endParaRPr lang="en-US" dirty="0"/>
-          </a:p>
-        </p:txBody>
-      </p:sp>
-      <p:sp>
-        <p:nvSpPr>
-          <p:cNvPr id="15" name="TextBox 14"/>
-          <p:cNvSpPr txBox="1"/>
-          <p:nvPr/>
-        </p:nvSpPr>
-        <p:spPr>
-          <a:xfrm>
-            <a:off x="1447800" y="3124200"/>
-            <a:ext cx="762000" cy="369332"/>
-          </a:xfrm>
-          <a:prstGeom prst="rect">
-            <a:avLst/>
-          </a:prstGeom>
-          <a:noFill/>
-        </p:spPr>
-        <p:txBody>
-          <a:bodyPr wrap="square" rtlCol="0">
-            <a:spAutoFit/>
-          </a:bodyPr>
-          <a:lstStyle/>
-          <a:p>
-            <a:r>
-              <a:rPr lang="en-US" dirty="0" smtClean="0"/>
-              <a:t>1001</a:t>
-            </a:r>
-            <a:endParaRPr lang="en-US" dirty="0"/>
-          </a:p>
-        </p:txBody>
-      </p:sp>
-      <p:sp>
-        <p:nvSpPr>
-          <p:cNvPr id="16" name="TextBox 15"/>
-          <p:cNvSpPr txBox="1"/>
-          <p:nvPr/>
-        </p:nvSpPr>
-        <p:spPr>
-          <a:xfrm>
-            <a:off x="2362200" y="3124200"/>
-            <a:ext cx="762000" cy="369332"/>
-          </a:xfrm>
-          <a:prstGeom prst="rect">
-            <a:avLst/>
-          </a:prstGeom>
-          <a:noFill/>
-        </p:spPr>
-        <p:txBody>
-          <a:bodyPr wrap="square" rtlCol="0">
-            <a:spAutoFit/>
-          </a:bodyPr>
-          <a:lstStyle/>
-          <a:p>
-            <a:r>
-              <a:rPr lang="en-US" dirty="0" smtClean="0"/>
-              <a:t>1002</a:t>
-            </a:r>
-            <a:endParaRPr lang="en-US" dirty="0"/>
-          </a:p>
-        </p:txBody>
-      </p:sp>
-      <p:sp>
-        <p:nvSpPr>
-          <p:cNvPr id="17" name="TextBox 16"/>
-          <p:cNvSpPr txBox="1"/>
-          <p:nvPr/>
-        </p:nvSpPr>
-        <p:spPr>
-          <a:xfrm>
-            <a:off x="3352800" y="3135868"/>
-            <a:ext cx="762000" cy="369332"/>
-          </a:xfrm>
-          <a:prstGeom prst="rect">
-            <a:avLst/>
-          </a:prstGeom>
-          <a:noFill/>
-        </p:spPr>
-        <p:txBody>
-          <a:bodyPr wrap="square" rtlCol="0">
-            <a:spAutoFit/>
-          </a:bodyPr>
-          <a:lstStyle/>
-          <a:p>
-            <a:r>
-              <a:rPr lang="en-US" dirty="0" smtClean="0"/>
-              <a:t>1003</a:t>
-            </a:r>
-            <a:endParaRPr lang="en-US" dirty="0"/>
-          </a:p>
-        </p:txBody>
-      </p:sp>
-      <p:sp>
-        <p:nvSpPr>
-          <p:cNvPr id="18" name="TextBox 17"/>
-          <p:cNvSpPr txBox="1"/>
-          <p:nvPr/>
-        </p:nvSpPr>
-        <p:spPr>
-          <a:xfrm>
-            <a:off x="533400" y="3821668"/>
-            <a:ext cx="2667000" cy="369332"/>
-          </a:xfrm>
-          <a:prstGeom prst="rect">
-            <a:avLst/>
-          </a:prstGeom>
-          <a:noFill/>
-        </p:spPr>
-        <p:txBody>
-          <a:bodyPr wrap="square" rtlCol="0">
-            <a:spAutoFit/>
-          </a:bodyPr>
-          <a:lstStyle/>
-          <a:p>
-            <a:r>
-              <a:rPr lang="en-US" dirty="0" smtClean="0"/>
-              <a:t>JavaScript Arrays</a:t>
-            </a:r>
-            <a:endParaRPr lang="en-US" dirty="0"/>
-          </a:p>
-        </p:txBody>
-      </p:sp>
-      <p:sp>
-        <p:nvSpPr>
-          <p:cNvPr id="19" name="Rectangle 18"/>
-          <p:cNvSpPr/>
-          <p:nvPr/>
-        </p:nvSpPr>
-        <p:spPr>
-          <a:xfrm>
-            <a:off x="457200" y="4648200"/>
-            <a:ext cx="1219200" cy="533400"/>
-          </a:xfrm>
-          <a:prstGeom prst="rect">
-            <a:avLst/>
-          </a:prstGeom>
-          <a:noFill/>
-        </p:spPr>
-        <p:style>
-          <a:lnRef idx="2">
-            <a:schemeClr val="accent1">
-              <a:shade val="50000"/>
-            </a:schemeClr>
-          </a:lnRef>
-          <a:fillRef idx="1">
-            <a:schemeClr val="accent1"/>
-          </a:fillRef>
-          <a:effectRef idx="0">
-            <a:schemeClr val="accent1"/>
-          </a:effectRef>
-          <a:fontRef idx="minor">
-            <a:schemeClr val="lt1"/>
-          </a:fontRef>
-        </p:style>
-        <p:txBody>
-          <a:bodyPr rtlCol="0" anchor="ctr"/>
-          <a:lstStyle/>
-          <a:p>
-            <a:pPr algn="ctr"/>
-            <a:endParaRPr lang="en-US"/>
-          </a:p>
-        </p:txBody>
-      </p:sp>
-      <p:cxnSp>
-        <p:nvCxnSpPr>
-          <p:cNvPr id="21" name="Straight Connector 20"/>
-          <p:cNvCxnSpPr>
-            <a:stCxn id="19" idx="0"/>
-            <a:endCxn id="19" idx="2"/>
-          </p:cNvCxnSpPr>
-          <p:nvPr/>
-        </p:nvCxnSpPr>
-        <p:spPr>
-          <a:xfrm>
-            <a:off x="1066800" y="4648200"/>
-            <a:ext cx="0" cy="533400"/>
-          </a:xfrm>
-          <a:prstGeom prst="line">
-            <a:avLst/>
-          </a:prstGeom>
-        </p:spPr>
-        <p:style>
-          <a:lnRef idx="1">
-            <a:schemeClr val="accent1"/>
-          </a:lnRef>
-          <a:fillRef idx="0">
-            <a:schemeClr val="accent1"/>
-          </a:fillRef>
-          <a:effectRef idx="0">
-            <a:schemeClr val="accent1"/>
-          </a:effectRef>
-          <a:fontRef idx="minor">
-            <a:schemeClr val="tx1"/>
-          </a:fontRef>
-        </p:style>
-      </p:cxnSp>
-      <p:sp>
-        <p:nvSpPr>
-          <p:cNvPr id="22" name="Rectangle 21"/>
-          <p:cNvSpPr/>
-          <p:nvPr/>
-        </p:nvSpPr>
-        <p:spPr>
-          <a:xfrm>
-            <a:off x="2514600" y="4648200"/>
-            <a:ext cx="1219200" cy="533400"/>
-          </a:xfrm>
-          <a:prstGeom prst="rect">
-            <a:avLst/>
-          </a:prstGeom>
-          <a:noFill/>
-        </p:spPr>
-        <p:style>
-          <a:lnRef idx="2">
-            <a:schemeClr val="accent1">
-              <a:shade val="50000"/>
-            </a:schemeClr>
-          </a:lnRef>
-          <a:fillRef idx="1">
-            <a:schemeClr val="accent1"/>
-          </a:fillRef>
-          <a:effectRef idx="0">
-            <a:schemeClr val="accent1"/>
-          </a:effectRef>
-          <a:fontRef idx="minor">
-            <a:schemeClr val="lt1"/>
-          </a:fontRef>
-        </p:style>
-        <p:txBody>
-          <a:bodyPr rtlCol="0" anchor="ctr"/>
-          <a:lstStyle/>
-          <a:p>
-            <a:pPr algn="ctr"/>
-            <a:endParaRPr lang="en-US"/>
-          </a:p>
-        </p:txBody>
-      </p:sp>
-      <p:cxnSp>
-        <p:nvCxnSpPr>
-          <p:cNvPr id="23" name="Straight Connector 22"/>
-          <p:cNvCxnSpPr/>
-          <p:nvPr/>
-        </p:nvCxnSpPr>
-        <p:spPr>
-          <a:xfrm>
-            <a:off x="3124200" y="4648200"/>
-            <a:ext cx="0" cy="533400"/>
-          </a:xfrm>
-          <a:prstGeom prst="line">
-            <a:avLst/>
-          </a:prstGeom>
-        </p:spPr>
-        <p:style>
-          <a:lnRef idx="1">
-            <a:schemeClr val="accent1"/>
-          </a:lnRef>
-          <a:fillRef idx="0">
-            <a:schemeClr val="accent1"/>
-          </a:fillRef>
-          <a:effectRef idx="0">
-            <a:schemeClr val="accent1"/>
-          </a:effectRef>
-          <a:fontRef idx="minor">
-            <a:schemeClr val="tx1"/>
-          </a:fontRef>
-        </p:style>
-      </p:cxnSp>
-      <p:sp>
-        <p:nvSpPr>
-          <p:cNvPr id="24" name="Rectangle 23"/>
-          <p:cNvSpPr/>
-          <p:nvPr/>
-        </p:nvSpPr>
-        <p:spPr>
-          <a:xfrm>
-            <a:off x="4572000" y="4648200"/>
-            <a:ext cx="1219200" cy="533400"/>
-          </a:xfrm>
-          <a:prstGeom prst="rect">
-            <a:avLst/>
-          </a:prstGeom>
-          <a:noFill/>
-        </p:spPr>
-        <p:style>
-          <a:lnRef idx="2">
-            <a:schemeClr val="accent1">
-              <a:shade val="50000"/>
-            </a:schemeClr>
-          </a:lnRef>
-          <a:fillRef idx="1">
-            <a:schemeClr val="accent1"/>
-          </a:fillRef>
-          <a:effectRef idx="0">
-            <a:schemeClr val="accent1"/>
-          </a:effectRef>
-          <a:fontRef idx="minor">
-            <a:schemeClr val="lt1"/>
-          </a:fontRef>
-        </p:style>
-        <p:txBody>
-          <a:bodyPr rtlCol="0" anchor="ctr"/>
-          <a:lstStyle/>
-          <a:p>
-            <a:pPr algn="ctr"/>
-            <a:endParaRPr lang="en-US"/>
-          </a:p>
-        </p:txBody>
-      </p:sp>
-      <p:cxnSp>
-        <p:nvCxnSpPr>
-          <p:cNvPr id="25" name="Straight Connector 24"/>
-          <p:cNvCxnSpPr/>
-          <p:nvPr/>
-        </p:nvCxnSpPr>
-        <p:spPr>
-          <a:xfrm>
-            <a:off x="5181600" y="4648200"/>
-            <a:ext cx="0" cy="533400"/>
-          </a:xfrm>
-          <a:prstGeom prst="line">
-            <a:avLst/>
-          </a:prstGeom>
-        </p:spPr>
-        <p:style>
-          <a:lnRef idx="1">
-            <a:schemeClr val="accent1"/>
-          </a:lnRef>
-          <a:fillRef idx="0">
-            <a:schemeClr val="accent1"/>
-          </a:fillRef>
-          <a:effectRef idx="0">
-            <a:schemeClr val="accent1"/>
-          </a:effectRef>
-          <a:fontRef idx="minor">
-            <a:schemeClr val="tx1"/>
-          </a:fontRef>
-        </p:style>
-      </p:cxnSp>
-      <p:sp>
-        <p:nvSpPr>
-          <p:cNvPr id="26" name="Rectangle 25"/>
-          <p:cNvSpPr/>
-          <p:nvPr/>
-        </p:nvSpPr>
-        <p:spPr>
-          <a:xfrm>
-            <a:off x="6705600" y="4648200"/>
-            <a:ext cx="1219200" cy="533400"/>
-          </a:xfrm>
-          <a:prstGeom prst="rect">
-            <a:avLst/>
-          </a:prstGeom>
-          <a:noFill/>
-        </p:spPr>
-        <p:style>
-          <a:lnRef idx="2">
-            <a:schemeClr val="accent1">
-              <a:shade val="50000"/>
-            </a:schemeClr>
-          </a:lnRef>
-          <a:fillRef idx="1">
-            <a:schemeClr val="accent1"/>
-          </a:fillRef>
-          <a:effectRef idx="0">
-            <a:schemeClr val="accent1"/>
-          </a:effectRef>
-          <a:fontRef idx="minor">
-            <a:schemeClr val="lt1"/>
-          </a:fontRef>
-        </p:style>
-        <p:txBody>
-          <a:bodyPr rtlCol="0" anchor="ctr"/>
-          <a:lstStyle/>
-          <a:p>
-            <a:pPr algn="ctr"/>
-            <a:endParaRPr lang="en-US"/>
-          </a:p>
-        </p:txBody>
-      </p:sp>
-      <p:cxnSp>
-        <p:nvCxnSpPr>
-          <p:cNvPr id="27" name="Straight Connector 26"/>
-          <p:cNvCxnSpPr/>
-          <p:nvPr/>
-        </p:nvCxnSpPr>
-        <p:spPr>
-          <a:xfrm>
-            <a:off x="7315200" y="4648200"/>
-            <a:ext cx="0" cy="533400"/>
-          </a:xfrm>
-          <a:prstGeom prst="line">
-            <a:avLst/>
-          </a:prstGeom>
-        </p:spPr>
-        <p:style>
-          <a:lnRef idx="1">
-            <a:schemeClr val="accent1"/>
-          </a:lnRef>
-          <a:fillRef idx="0">
-            <a:schemeClr val="accent1"/>
-          </a:fillRef>
-          <a:effectRef idx="0">
-            <a:schemeClr val="accent1"/>
-          </a:effectRef>
-          <a:fontRef idx="minor">
-            <a:schemeClr val="tx1"/>
-          </a:fontRef>
-        </p:style>
-      </p:cxnSp>
-      <p:cxnSp>
-        <p:nvCxnSpPr>
-          <p:cNvPr id="29" name="Straight Arrow Connector 28"/>
-          <p:cNvCxnSpPr>
-            <a:stCxn id="19" idx="3"/>
-            <a:endCxn id="22" idx="1"/>
-          </p:cNvCxnSpPr>
-          <p:nvPr/>
-        </p:nvCxnSpPr>
-        <p:spPr>
-          <a:xfrm>
-            <a:off x="1676400" y="4914900"/>
-            <a:ext cx="838200" cy="0"/>
-          </a:xfrm>
-          <a:prstGeom prst="straightConnector1">
-            <a:avLst/>
-          </a:prstGeom>
-          <a:ln>
-            <a:tailEnd type="arrow"/>
-          </a:ln>
-        </p:spPr>
-        <p:style>
-          <a:lnRef idx="1">
-            <a:schemeClr val="accent1"/>
-          </a:lnRef>
-          <a:fillRef idx="0">
-            <a:schemeClr val="accent1"/>
-          </a:fillRef>
-          <a:effectRef idx="0">
-            <a:schemeClr val="accent1"/>
-          </a:effectRef>
-          <a:fontRef idx="minor">
-            <a:schemeClr val="tx1"/>
-          </a:fontRef>
-        </p:style>
-      </p:cxnSp>
-      <p:cxnSp>
-        <p:nvCxnSpPr>
-          <p:cNvPr id="31" name="Straight Arrow Connector 30"/>
-          <p:cNvCxnSpPr>
-            <a:stCxn id="22" idx="3"/>
-            <a:endCxn id="24" idx="1"/>
-          </p:cNvCxnSpPr>
-          <p:nvPr/>
-        </p:nvCxnSpPr>
-        <p:spPr>
-          <a:xfrm>
-            <a:off x="3733800" y="4914900"/>
-            <a:ext cx="838200" cy="0"/>
-          </a:xfrm>
-          <a:prstGeom prst="straightConnector1">
-            <a:avLst/>
-          </a:prstGeom>
-          <a:ln>
-            <a:tailEnd type="arrow"/>
-          </a:ln>
-        </p:spPr>
-        <p:style>
-          <a:lnRef idx="1">
-            <a:schemeClr val="accent1"/>
-          </a:lnRef>
-          <a:fillRef idx="0">
-            <a:schemeClr val="accent1"/>
-          </a:fillRef>
-          <a:effectRef idx="0">
-            <a:schemeClr val="accent1"/>
-          </a:effectRef>
-          <a:fontRef idx="minor">
-            <a:schemeClr val="tx1"/>
-          </a:fontRef>
-        </p:style>
-      </p:cxnSp>
-      <p:cxnSp>
-        <p:nvCxnSpPr>
-          <p:cNvPr id="34" name="Straight Arrow Connector 33"/>
-          <p:cNvCxnSpPr/>
-          <p:nvPr/>
-        </p:nvCxnSpPr>
-        <p:spPr>
-          <a:xfrm>
-            <a:off x="5791200" y="4953000"/>
-            <a:ext cx="838200" cy="0"/>
-          </a:xfrm>
-          <a:prstGeom prst="straightConnector1">
-            <a:avLst/>
-          </a:prstGeom>
-          <a:ln>
-            <a:tailEnd type="arrow"/>
-          </a:ln>
-        </p:spPr>
-        <p:style>
-          <a:lnRef idx="1">
-            <a:schemeClr val="accent1"/>
-          </a:lnRef>
-          <a:fillRef idx="0">
-            <a:schemeClr val="accent1"/>
-          </a:fillRef>
-          <a:effectRef idx="0">
-            <a:schemeClr val="accent1"/>
-          </a:effectRef>
-          <a:fontRef idx="minor">
-            <a:schemeClr val="tx1"/>
-          </a:fontRef>
-        </p:style>
-      </p:cxnSp>
-      <p:sp>
-        <p:nvSpPr>
-          <p:cNvPr id="35" name="TextBox 34"/>
-          <p:cNvSpPr txBox="1"/>
-          <p:nvPr/>
-        </p:nvSpPr>
-        <p:spPr>
-          <a:xfrm>
-            <a:off x="4267200" y="3135868"/>
-            <a:ext cx="762000" cy="369332"/>
-          </a:xfrm>
-          <a:prstGeom prst="rect">
-            <a:avLst/>
-          </a:prstGeom>
-          <a:noFill/>
-        </p:spPr>
-        <p:txBody>
-          <a:bodyPr wrap="square" rtlCol="0">
-            <a:spAutoFit/>
-          </a:bodyPr>
-          <a:lstStyle/>
-          <a:p>
-            <a:r>
-              <a:rPr lang="en-US" dirty="0" smtClean="0"/>
-              <a:t>1004</a:t>
-            </a:r>
-            <a:endParaRPr lang="en-US" dirty="0"/>
-          </a:p>
-        </p:txBody>
-      </p:sp>
-      <p:sp>
-        <p:nvSpPr>
-          <p:cNvPr id="36" name="TextBox 35"/>
-          <p:cNvSpPr txBox="1"/>
-          <p:nvPr/>
-        </p:nvSpPr>
-        <p:spPr>
-          <a:xfrm>
-            <a:off x="5105400" y="3135868"/>
-            <a:ext cx="762000" cy="369332"/>
-          </a:xfrm>
-          <a:prstGeom prst="rect">
-            <a:avLst/>
-          </a:prstGeom>
-          <a:noFill/>
-        </p:spPr>
-        <p:txBody>
-          <a:bodyPr wrap="square" rtlCol="0">
-            <a:spAutoFit/>
-          </a:bodyPr>
-          <a:lstStyle/>
-          <a:p>
-            <a:r>
-              <a:rPr lang="en-US" dirty="0" smtClean="0"/>
-              <a:t>1005</a:t>
-            </a:r>
-            <a:endParaRPr lang="en-US" dirty="0"/>
-          </a:p>
-        </p:txBody>
-      </p:sp>
-      <p:sp>
-        <p:nvSpPr>
-          <p:cNvPr id="37" name="TextBox 36"/>
-          <p:cNvSpPr txBox="1"/>
-          <p:nvPr/>
-        </p:nvSpPr>
-        <p:spPr>
-          <a:xfrm>
-            <a:off x="457200" y="4812268"/>
-            <a:ext cx="762000" cy="369332"/>
-          </a:xfrm>
-          <a:prstGeom prst="rect">
-            <a:avLst/>
-          </a:prstGeom>
-          <a:noFill/>
-        </p:spPr>
-        <p:txBody>
-          <a:bodyPr wrap="square" rtlCol="0">
-            <a:spAutoFit/>
-          </a:bodyPr>
-          <a:lstStyle/>
-          <a:p>
-            <a:r>
-              <a:rPr lang="en-US" dirty="0" smtClean="0"/>
-              <a:t>1000</a:t>
-            </a:r>
-            <a:endParaRPr lang="en-US" dirty="0"/>
-          </a:p>
-        </p:txBody>
-      </p:sp>
-      <p:sp>
-        <p:nvSpPr>
-          <p:cNvPr id="38" name="TextBox 37"/>
-          <p:cNvSpPr txBox="1"/>
-          <p:nvPr/>
-        </p:nvSpPr>
-        <p:spPr>
-          <a:xfrm>
-            <a:off x="2438400" y="4812268"/>
-            <a:ext cx="762000" cy="369332"/>
-          </a:xfrm>
-          <a:prstGeom prst="rect">
-            <a:avLst/>
-          </a:prstGeom>
-          <a:noFill/>
-        </p:spPr>
-        <p:txBody>
-          <a:bodyPr wrap="square" rtlCol="0">
-            <a:spAutoFit/>
-          </a:bodyPr>
-          <a:lstStyle/>
-          <a:p>
-            <a:r>
-              <a:rPr lang="en-US" dirty="0" smtClean="0"/>
-              <a:t>2021</a:t>
-            </a:r>
-            <a:endParaRPr lang="en-US" dirty="0"/>
-          </a:p>
-        </p:txBody>
-      </p:sp>
-      <p:sp>
-        <p:nvSpPr>
-          <p:cNvPr id="39" name="TextBox 38"/>
-          <p:cNvSpPr txBox="1"/>
-          <p:nvPr/>
-        </p:nvSpPr>
-        <p:spPr>
-          <a:xfrm>
-            <a:off x="4572000" y="4812268"/>
-            <a:ext cx="762000" cy="369332"/>
-          </a:xfrm>
-          <a:prstGeom prst="rect">
-            <a:avLst/>
-          </a:prstGeom>
-          <a:noFill/>
-        </p:spPr>
-        <p:txBody>
-          <a:bodyPr wrap="square" rtlCol="0">
-            <a:spAutoFit/>
-          </a:bodyPr>
-          <a:lstStyle/>
-          <a:p>
-            <a:r>
-              <a:rPr lang="en-US" dirty="0" smtClean="0"/>
-              <a:t>918</a:t>
-            </a:r>
-            <a:endParaRPr lang="en-US" dirty="0"/>
-          </a:p>
-        </p:txBody>
-      </p:sp>
-      <p:sp>
-        <p:nvSpPr>
-          <p:cNvPr id="40" name="TextBox 39"/>
-          <p:cNvSpPr txBox="1"/>
-          <p:nvPr/>
-        </p:nvSpPr>
-        <p:spPr>
-          <a:xfrm>
-            <a:off x="6705600" y="4876800"/>
-            <a:ext cx="762000" cy="369332"/>
-          </a:xfrm>
-          <a:prstGeom prst="rect">
-            <a:avLst/>
-          </a:prstGeom>
-          <a:noFill/>
-        </p:spPr>
-        <p:txBody>
-          <a:bodyPr wrap="square" rtlCol="0">
-            <a:spAutoFit/>
-          </a:bodyPr>
-          <a:lstStyle/>
-          <a:p>
-            <a:r>
-              <a:rPr lang="en-US" dirty="0" smtClean="0"/>
-              <a:t>3388</a:t>
+              <a:t>Demo – Using classes for objects</a:t>
             </a:r>
             <a:endParaRPr lang="en-US" dirty="0"/>
           </a:p>
@@ -12816,7 +12981,7 @@
     </p:spTree>
     <p:extLst>
       <p:ext uri="{BB962C8B-B14F-4D97-AF65-F5344CB8AC3E}">
-        <p14:creationId xmlns:p14="http://schemas.microsoft.com/office/powerpoint/2010/main" val="2752937799"/>
+        <p14:creationId xmlns:p14="http://schemas.microsoft.com/office/powerpoint/2010/main" val="1552963710"/>
       </p:ext>
     </p:extLst>
   </p:cSld>
@@ -12872,7 +13037,7 @@
           <a:p>
             <a:r>
               <a:rPr lang="en-US" dirty="0" smtClean="0"/>
-              <a:t>Use Typed Or Homogenous Arrays</a:t>
+              <a:t>Avoid Using Delete</a:t>
             </a:r>
             <a:endParaRPr lang="en-US" dirty="0"/>
           </a:p>
@@ -12890,7 +13055,7 @@
         </p:nvSpPr>
         <p:spPr>
           <a:xfrm>
-            <a:off x="457200" y="1828800"/>
+            <a:off x="457200" y="1371600"/>
             <a:ext cx="6347714" cy="3880773"/>
           </a:xfrm>
         </p:spPr>
@@ -12901,45 +13066,22 @@
           <a:lstStyle/>
           <a:p>
             <a:r>
-              <a:rPr lang="en-US" sz="2400" dirty="0" err="1" smtClean="0"/>
-              <a:t>ArrayBuffer</a:t>
-            </a:r>
-            <a:r>
               <a:rPr lang="en-US" sz="2400" dirty="0" smtClean="0"/>
-              <a:t> and </a:t>
-            </a:r>
-            <a:r>
-              <a:rPr lang="en-US" sz="2400" dirty="0" err="1" smtClean="0"/>
-              <a:t>TypedArrays</a:t>
-            </a:r>
+              <a:t>When using delete on an object :</a:t>
+            </a:r>
+          </a:p>
+          <a:p>
+            <a:pPr lvl="1"/>
             <a:r>
               <a:rPr lang="en-US" sz="2400" dirty="0" smtClean="0"/>
-              <a:t> introduced in ES6.</a:t>
-            </a:r>
-          </a:p>
-          <a:p>
+              <a:t>JIT compiler invalidate the binary of the object’s class for this instance</a:t>
+            </a:r>
+          </a:p>
+          <a:p>
+            <a:pPr lvl="1"/>
             <a:r>
               <a:rPr lang="en-US" sz="2400" dirty="0" smtClean="0"/>
-              <a:t>If the array contains the same types, the JIT compiler will allocate continuous </a:t>
-            </a:r>
-            <a:r>
-              <a:rPr lang="en-US" sz="2400" dirty="0" smtClean="0"/>
-              <a:t>blocks of memory</a:t>
-            </a:r>
-            <a:endParaRPr lang="en-US" sz="2400" dirty="0" smtClean="0"/>
-          </a:p>
-          <a:p>
-            <a:r>
-              <a:rPr lang="en-US" sz="2400" dirty="0" smtClean="0"/>
-              <a:t>Insertion and </a:t>
-            </a:r>
-            <a:r>
-              <a:rPr lang="en-US" sz="2400" dirty="0" smtClean="0"/>
-              <a:t>reading </a:t>
-            </a:r>
-            <a:r>
-              <a:rPr lang="en-US" sz="2400" dirty="0" smtClean="0"/>
-              <a:t>will become much faster</a:t>
+              <a:t>JIT compiler treats the object separately from the class</a:t>
             </a:r>
           </a:p>
         </p:txBody>
@@ -12947,7 +13089,7 @@
     </p:spTree>
     <p:extLst>
       <p:ext uri="{BB962C8B-B14F-4D97-AF65-F5344CB8AC3E}">
-        <p14:creationId xmlns:p14="http://schemas.microsoft.com/office/powerpoint/2010/main" val="3007600555"/>
+        <p14:creationId xmlns:p14="http://schemas.microsoft.com/office/powerpoint/2010/main" val="1485461485"/>
       </p:ext>
     </p:extLst>
   </p:cSld>
@@ -12993,7 +13135,7 @@
         </p:nvSpPr>
         <p:spPr>
           <a:xfrm>
-            <a:off x="609599" y="2286000"/>
+            <a:off x="381000" y="304800"/>
             <a:ext cx="6347713" cy="1320800"/>
           </a:xfrm>
         </p:spPr>
@@ -13003,16 +13145,52 @@
           <a:p>
             <a:r>
               <a:rPr lang="en-US" dirty="0" smtClean="0"/>
-              <a:t>Demo – Typed Arrays vs Old Arrays Performance</a:t>
+              <a:t>Avoid Using Dynamic Properties</a:t>
             </a:r>
             <a:endParaRPr lang="en-US" dirty="0"/>
+          </a:p>
+        </p:txBody>
+      </p:sp>
+      <p:sp>
+        <p:nvSpPr>
+          <p:cNvPr id="3" name="Content Placeholder 2"/>
+          <p:cNvSpPr>
+            <a:spLocks noGrp="1"/>
+          </p:cNvSpPr>
+          <p:nvPr>
+            <p:ph idx="1"/>
+          </p:nvPr>
+        </p:nvSpPr>
+        <p:spPr>
+          <a:xfrm>
+            <a:off x="457200" y="1676400"/>
+            <a:ext cx="6347714" cy="3880773"/>
+          </a:xfrm>
+        </p:spPr>
+        <p:txBody>
+          <a:bodyPr>
+            <a:normAutofit/>
+          </a:bodyPr>
+          <a:lstStyle/>
+          <a:p>
+            <a:r>
+              <a:rPr lang="en-US" sz="2400" dirty="0" smtClean="0"/>
+              <a:t>Dynamic property is a property that you add to the object on the fly.</a:t>
+            </a:r>
+          </a:p>
+          <a:p>
+            <a:r>
+              <a:rPr lang="en-US" sz="2400" dirty="0" smtClean="0"/>
+              <a:t>When using it the same thing happens as in the delete operator example.</a:t>
+            </a:r>
+            <a:endParaRPr lang="en-US" sz="2400" dirty="0"/>
           </a:p>
         </p:txBody>
       </p:sp>
     </p:spTree>
     <p:extLst>
       <p:ext uri="{BB962C8B-B14F-4D97-AF65-F5344CB8AC3E}">
-        <p14:creationId xmlns:p14="http://schemas.microsoft.com/office/powerpoint/2010/main" val="966624875"/>
+        <p14:creationId xmlns:p14="http://schemas.microsoft.com/office/powerpoint/2010/main" val="2556163300"/>
       </p:ext>
     </p:extLst>
   </p:cSld>
@@ -13056,19 +13234,1017 @@
             <p:ph type="title"/>
           </p:nvPr>
         </p:nvSpPr>
-        <p:spPr>
-          <a:xfrm>
-            <a:off x="609599" y="2438400"/>
-            <a:ext cx="6347713" cy="1320800"/>
-          </a:xfrm>
-        </p:spPr>
+        <p:spPr/>
         <p:txBody>
           <a:bodyPr/>
           <a:lstStyle/>
           <a:p>
             <a:r>
               <a:rPr lang="en-US" dirty="0" smtClean="0"/>
-              <a:t>Low Priority Jobs</a:t>
+              <a:t>Introduction To JavaScript Arrays </a:t>
+            </a:r>
+            <a:endParaRPr lang="en-US" dirty="0"/>
+          </a:p>
+        </p:txBody>
+      </p:sp>
+      <p:sp>
+        <p:nvSpPr>
+          <p:cNvPr id="4" name="Rectangle 3"/>
+          <p:cNvSpPr/>
+          <p:nvPr/>
+        </p:nvSpPr>
+        <p:spPr>
+          <a:xfrm>
+            <a:off x="533400" y="2590800"/>
+            <a:ext cx="6705600" cy="838200"/>
+          </a:xfrm>
+          <a:prstGeom prst="rect">
+            <a:avLst/>
+          </a:prstGeom>
+          <a:noFill/>
+        </p:spPr>
+        <p:style>
+          <a:lnRef idx="2">
+            <a:schemeClr val="accent1">
+              <a:shade val="50000"/>
+            </a:schemeClr>
+          </a:lnRef>
+          <a:fillRef idx="1">
+            <a:schemeClr val="accent1"/>
+          </a:fillRef>
+          <a:effectRef idx="0">
+            <a:schemeClr val="accent1"/>
+          </a:effectRef>
+          <a:fontRef idx="minor">
+            <a:schemeClr val="lt1"/>
+          </a:fontRef>
+        </p:style>
+        <p:txBody>
+          <a:bodyPr rtlCol="0" anchor="ctr"/>
+          <a:lstStyle/>
+          <a:p>
+            <a:pPr algn="ctr"/>
+            <a:endParaRPr lang="en-US"/>
+          </a:p>
+        </p:txBody>
+      </p:sp>
+      <p:cxnSp>
+        <p:nvCxnSpPr>
+          <p:cNvPr id="6" name="Straight Connector 5"/>
+          <p:cNvCxnSpPr/>
+          <p:nvPr/>
+        </p:nvCxnSpPr>
+        <p:spPr>
+          <a:xfrm>
+            <a:off x="1371600" y="2590800"/>
+            <a:ext cx="0" cy="838200"/>
+          </a:xfrm>
+          <a:prstGeom prst="line">
+            <a:avLst/>
+          </a:prstGeom>
+        </p:spPr>
+        <p:style>
+          <a:lnRef idx="1">
+            <a:schemeClr val="accent1"/>
+          </a:lnRef>
+          <a:fillRef idx="0">
+            <a:schemeClr val="accent1"/>
+          </a:fillRef>
+          <a:effectRef idx="0">
+            <a:schemeClr val="accent1"/>
+          </a:effectRef>
+          <a:fontRef idx="minor">
+            <a:schemeClr val="tx1"/>
+          </a:fontRef>
+        </p:style>
+      </p:cxnSp>
+      <p:cxnSp>
+        <p:nvCxnSpPr>
+          <p:cNvPr id="7" name="Straight Connector 6"/>
+          <p:cNvCxnSpPr/>
+          <p:nvPr/>
+        </p:nvCxnSpPr>
+        <p:spPr>
+          <a:xfrm>
+            <a:off x="2286000" y="2590800"/>
+            <a:ext cx="0" cy="838200"/>
+          </a:xfrm>
+          <a:prstGeom prst="line">
+            <a:avLst/>
+          </a:prstGeom>
+        </p:spPr>
+        <p:style>
+          <a:lnRef idx="1">
+            <a:schemeClr val="accent1"/>
+          </a:lnRef>
+          <a:fillRef idx="0">
+            <a:schemeClr val="accent1"/>
+          </a:fillRef>
+          <a:effectRef idx="0">
+            <a:schemeClr val="accent1"/>
+          </a:effectRef>
+          <a:fontRef idx="minor">
+            <a:schemeClr val="tx1"/>
+          </a:fontRef>
+        </p:style>
+      </p:cxnSp>
+      <p:cxnSp>
+        <p:nvCxnSpPr>
+          <p:cNvPr id="8" name="Straight Connector 7"/>
+          <p:cNvCxnSpPr/>
+          <p:nvPr/>
+        </p:nvCxnSpPr>
+        <p:spPr>
+          <a:xfrm>
+            <a:off x="3200400" y="2590800"/>
+            <a:ext cx="0" cy="838200"/>
+          </a:xfrm>
+          <a:prstGeom prst="line">
+            <a:avLst/>
+          </a:prstGeom>
+        </p:spPr>
+        <p:style>
+          <a:lnRef idx="1">
+            <a:schemeClr val="accent1"/>
+          </a:lnRef>
+          <a:fillRef idx="0">
+            <a:schemeClr val="accent1"/>
+          </a:fillRef>
+          <a:effectRef idx="0">
+            <a:schemeClr val="accent1"/>
+          </a:effectRef>
+          <a:fontRef idx="minor">
+            <a:schemeClr val="tx1"/>
+          </a:fontRef>
+        </p:style>
+      </p:cxnSp>
+      <p:cxnSp>
+        <p:nvCxnSpPr>
+          <p:cNvPr id="9" name="Straight Connector 8"/>
+          <p:cNvCxnSpPr/>
+          <p:nvPr/>
+        </p:nvCxnSpPr>
+        <p:spPr>
+          <a:xfrm>
+            <a:off x="4114800" y="2590800"/>
+            <a:ext cx="0" cy="838200"/>
+          </a:xfrm>
+          <a:prstGeom prst="line">
+            <a:avLst/>
+          </a:prstGeom>
+        </p:spPr>
+        <p:style>
+          <a:lnRef idx="1">
+            <a:schemeClr val="accent1"/>
+          </a:lnRef>
+          <a:fillRef idx="0">
+            <a:schemeClr val="accent1"/>
+          </a:fillRef>
+          <a:effectRef idx="0">
+            <a:schemeClr val="accent1"/>
+          </a:effectRef>
+          <a:fontRef idx="minor">
+            <a:schemeClr val="tx1"/>
+          </a:fontRef>
+        </p:style>
+      </p:cxnSp>
+      <p:cxnSp>
+        <p:nvCxnSpPr>
+          <p:cNvPr id="10" name="Straight Connector 9"/>
+          <p:cNvCxnSpPr/>
+          <p:nvPr/>
+        </p:nvCxnSpPr>
+        <p:spPr>
+          <a:xfrm>
+            <a:off x="4953000" y="2590800"/>
+            <a:ext cx="0" cy="838200"/>
+          </a:xfrm>
+          <a:prstGeom prst="line">
+            <a:avLst/>
+          </a:prstGeom>
+        </p:spPr>
+        <p:style>
+          <a:lnRef idx="1">
+            <a:schemeClr val="accent1"/>
+          </a:lnRef>
+          <a:fillRef idx="0">
+            <a:schemeClr val="accent1"/>
+          </a:fillRef>
+          <a:effectRef idx="0">
+            <a:schemeClr val="accent1"/>
+          </a:effectRef>
+          <a:fontRef idx="minor">
+            <a:schemeClr val="tx1"/>
+          </a:fontRef>
+        </p:style>
+      </p:cxnSp>
+      <p:cxnSp>
+        <p:nvCxnSpPr>
+          <p:cNvPr id="11" name="Straight Connector 10"/>
+          <p:cNvCxnSpPr/>
+          <p:nvPr/>
+        </p:nvCxnSpPr>
+        <p:spPr>
+          <a:xfrm>
+            <a:off x="5791200" y="2590800"/>
+            <a:ext cx="0" cy="838200"/>
+          </a:xfrm>
+          <a:prstGeom prst="line">
+            <a:avLst/>
+          </a:prstGeom>
+        </p:spPr>
+        <p:style>
+          <a:lnRef idx="1">
+            <a:schemeClr val="accent1"/>
+          </a:lnRef>
+          <a:fillRef idx="0">
+            <a:schemeClr val="accent1"/>
+          </a:fillRef>
+          <a:effectRef idx="0">
+            <a:schemeClr val="accent1"/>
+          </a:effectRef>
+          <a:fontRef idx="minor">
+            <a:schemeClr val="tx1"/>
+          </a:fontRef>
+        </p:style>
+      </p:cxnSp>
+      <p:cxnSp>
+        <p:nvCxnSpPr>
+          <p:cNvPr id="12" name="Straight Connector 11"/>
+          <p:cNvCxnSpPr/>
+          <p:nvPr/>
+        </p:nvCxnSpPr>
+        <p:spPr>
+          <a:xfrm>
+            <a:off x="6553200" y="2590800"/>
+            <a:ext cx="0" cy="838200"/>
+          </a:xfrm>
+          <a:prstGeom prst="line">
+            <a:avLst/>
+          </a:prstGeom>
+        </p:spPr>
+        <p:style>
+          <a:lnRef idx="1">
+            <a:schemeClr val="accent1"/>
+          </a:lnRef>
+          <a:fillRef idx="0">
+            <a:schemeClr val="accent1"/>
+          </a:fillRef>
+          <a:effectRef idx="0">
+            <a:schemeClr val="accent1"/>
+          </a:effectRef>
+          <a:fontRef idx="minor">
+            <a:schemeClr val="tx1"/>
+          </a:fontRef>
+        </p:style>
+      </p:cxnSp>
+      <p:sp>
+        <p:nvSpPr>
+          <p:cNvPr id="13" name="TextBox 12"/>
+          <p:cNvSpPr txBox="1"/>
+          <p:nvPr/>
+        </p:nvSpPr>
+        <p:spPr>
+          <a:xfrm>
+            <a:off x="457200" y="1905000"/>
+            <a:ext cx="2667000" cy="646331"/>
+          </a:xfrm>
+          <a:prstGeom prst="rect">
+            <a:avLst/>
+          </a:prstGeom>
+          <a:noFill/>
+        </p:spPr>
+        <p:txBody>
+          <a:bodyPr wrap="square" rtlCol="0">
+            <a:spAutoFit/>
+          </a:bodyPr>
+          <a:lstStyle/>
+          <a:p>
+            <a:r>
+              <a:rPr lang="en-US" dirty="0" smtClean="0"/>
+              <a:t>Arrays In Traditional Languages :</a:t>
+            </a:r>
+            <a:endParaRPr lang="en-US" dirty="0"/>
+          </a:p>
+        </p:txBody>
+      </p:sp>
+      <p:sp>
+        <p:nvSpPr>
+          <p:cNvPr id="14" name="TextBox 13"/>
+          <p:cNvSpPr txBox="1"/>
+          <p:nvPr/>
+        </p:nvSpPr>
+        <p:spPr>
+          <a:xfrm>
+            <a:off x="609600" y="3124200"/>
+            <a:ext cx="762000" cy="369332"/>
+          </a:xfrm>
+          <a:prstGeom prst="rect">
+            <a:avLst/>
+          </a:prstGeom>
+          <a:noFill/>
+        </p:spPr>
+        <p:txBody>
+          <a:bodyPr wrap="square" rtlCol="0">
+            <a:spAutoFit/>
+          </a:bodyPr>
+          <a:lstStyle/>
+          <a:p>
+            <a:r>
+              <a:rPr lang="en-US" dirty="0" smtClean="0"/>
+              <a:t>1000</a:t>
+            </a:r>
+            <a:endParaRPr lang="en-US" dirty="0"/>
+          </a:p>
+        </p:txBody>
+      </p:sp>
+      <p:sp>
+        <p:nvSpPr>
+          <p:cNvPr id="15" name="TextBox 14"/>
+          <p:cNvSpPr txBox="1"/>
+          <p:nvPr/>
+        </p:nvSpPr>
+        <p:spPr>
+          <a:xfrm>
+            <a:off x="1447800" y="3124200"/>
+            <a:ext cx="762000" cy="369332"/>
+          </a:xfrm>
+          <a:prstGeom prst="rect">
+            <a:avLst/>
+          </a:prstGeom>
+          <a:noFill/>
+        </p:spPr>
+        <p:txBody>
+          <a:bodyPr wrap="square" rtlCol="0">
+            <a:spAutoFit/>
+          </a:bodyPr>
+          <a:lstStyle/>
+          <a:p>
+            <a:r>
+              <a:rPr lang="en-US" dirty="0" smtClean="0"/>
+              <a:t>1001</a:t>
+            </a:r>
+            <a:endParaRPr lang="en-US" dirty="0"/>
+          </a:p>
+        </p:txBody>
+      </p:sp>
+      <p:sp>
+        <p:nvSpPr>
+          <p:cNvPr id="16" name="TextBox 15"/>
+          <p:cNvSpPr txBox="1"/>
+          <p:nvPr/>
+        </p:nvSpPr>
+        <p:spPr>
+          <a:xfrm>
+            <a:off x="2362200" y="3124200"/>
+            <a:ext cx="762000" cy="369332"/>
+          </a:xfrm>
+          <a:prstGeom prst="rect">
+            <a:avLst/>
+          </a:prstGeom>
+          <a:noFill/>
+        </p:spPr>
+        <p:txBody>
+          <a:bodyPr wrap="square" rtlCol="0">
+            <a:spAutoFit/>
+          </a:bodyPr>
+          <a:lstStyle/>
+          <a:p>
+            <a:r>
+              <a:rPr lang="en-US" dirty="0" smtClean="0"/>
+              <a:t>1002</a:t>
+            </a:r>
+            <a:endParaRPr lang="en-US" dirty="0"/>
+          </a:p>
+        </p:txBody>
+      </p:sp>
+      <p:sp>
+        <p:nvSpPr>
+          <p:cNvPr id="17" name="TextBox 16"/>
+          <p:cNvSpPr txBox="1"/>
+          <p:nvPr/>
+        </p:nvSpPr>
+        <p:spPr>
+          <a:xfrm>
+            <a:off x="3352800" y="3135868"/>
+            <a:ext cx="762000" cy="369332"/>
+          </a:xfrm>
+          <a:prstGeom prst="rect">
+            <a:avLst/>
+          </a:prstGeom>
+          <a:noFill/>
+        </p:spPr>
+        <p:txBody>
+          <a:bodyPr wrap="square" rtlCol="0">
+            <a:spAutoFit/>
+          </a:bodyPr>
+          <a:lstStyle/>
+          <a:p>
+            <a:r>
+              <a:rPr lang="en-US" dirty="0" smtClean="0"/>
+              <a:t>1003</a:t>
+            </a:r>
+            <a:endParaRPr lang="en-US" dirty="0"/>
+          </a:p>
+        </p:txBody>
+      </p:sp>
+      <p:sp>
+        <p:nvSpPr>
+          <p:cNvPr id="18" name="TextBox 17"/>
+          <p:cNvSpPr txBox="1"/>
+          <p:nvPr/>
+        </p:nvSpPr>
+        <p:spPr>
+          <a:xfrm>
+            <a:off x="533400" y="3821668"/>
+            <a:ext cx="2667000" cy="369332"/>
+          </a:xfrm>
+          <a:prstGeom prst="rect">
+            <a:avLst/>
+          </a:prstGeom>
+          <a:noFill/>
+        </p:spPr>
+        <p:txBody>
+          <a:bodyPr wrap="square" rtlCol="0">
+            <a:spAutoFit/>
+          </a:bodyPr>
+          <a:lstStyle/>
+          <a:p>
+            <a:r>
+              <a:rPr lang="en-US" dirty="0" smtClean="0"/>
+              <a:t>JavaScript Arrays</a:t>
+            </a:r>
+            <a:endParaRPr lang="en-US" dirty="0"/>
+          </a:p>
+        </p:txBody>
+      </p:sp>
+      <p:sp>
+        <p:nvSpPr>
+          <p:cNvPr id="19" name="Rectangle 18"/>
+          <p:cNvSpPr/>
+          <p:nvPr/>
+        </p:nvSpPr>
+        <p:spPr>
+          <a:xfrm>
+            <a:off x="457200" y="4648200"/>
+            <a:ext cx="1219200" cy="533400"/>
+          </a:xfrm>
+          <a:prstGeom prst="rect">
+            <a:avLst/>
+          </a:prstGeom>
+          <a:noFill/>
+        </p:spPr>
+        <p:style>
+          <a:lnRef idx="2">
+            <a:schemeClr val="accent1">
+              <a:shade val="50000"/>
+            </a:schemeClr>
+          </a:lnRef>
+          <a:fillRef idx="1">
+            <a:schemeClr val="accent1"/>
+          </a:fillRef>
+          <a:effectRef idx="0">
+            <a:schemeClr val="accent1"/>
+          </a:effectRef>
+          <a:fontRef idx="minor">
+            <a:schemeClr val="lt1"/>
+          </a:fontRef>
+        </p:style>
+        <p:txBody>
+          <a:bodyPr rtlCol="0" anchor="ctr"/>
+          <a:lstStyle/>
+          <a:p>
+            <a:pPr algn="ctr"/>
+            <a:endParaRPr lang="en-US"/>
+          </a:p>
+        </p:txBody>
+      </p:sp>
+      <p:cxnSp>
+        <p:nvCxnSpPr>
+          <p:cNvPr id="21" name="Straight Connector 20"/>
+          <p:cNvCxnSpPr>
+            <a:stCxn id="19" idx="0"/>
+            <a:endCxn id="19" idx="2"/>
+          </p:cNvCxnSpPr>
+          <p:nvPr/>
+        </p:nvCxnSpPr>
+        <p:spPr>
+          <a:xfrm>
+            <a:off x="1066800" y="4648200"/>
+            <a:ext cx="0" cy="533400"/>
+          </a:xfrm>
+          <a:prstGeom prst="line">
+            <a:avLst/>
+          </a:prstGeom>
+        </p:spPr>
+        <p:style>
+          <a:lnRef idx="1">
+            <a:schemeClr val="accent1"/>
+          </a:lnRef>
+          <a:fillRef idx="0">
+            <a:schemeClr val="accent1"/>
+          </a:fillRef>
+          <a:effectRef idx="0">
+            <a:schemeClr val="accent1"/>
+          </a:effectRef>
+          <a:fontRef idx="minor">
+            <a:schemeClr val="tx1"/>
+          </a:fontRef>
+        </p:style>
+      </p:cxnSp>
+      <p:sp>
+        <p:nvSpPr>
+          <p:cNvPr id="22" name="Rectangle 21"/>
+          <p:cNvSpPr/>
+          <p:nvPr/>
+        </p:nvSpPr>
+        <p:spPr>
+          <a:xfrm>
+            <a:off x="2514600" y="4648200"/>
+            <a:ext cx="1219200" cy="533400"/>
+          </a:xfrm>
+          <a:prstGeom prst="rect">
+            <a:avLst/>
+          </a:prstGeom>
+          <a:noFill/>
+        </p:spPr>
+        <p:style>
+          <a:lnRef idx="2">
+            <a:schemeClr val="accent1">
+              <a:shade val="50000"/>
+            </a:schemeClr>
+          </a:lnRef>
+          <a:fillRef idx="1">
+            <a:schemeClr val="accent1"/>
+          </a:fillRef>
+          <a:effectRef idx="0">
+            <a:schemeClr val="accent1"/>
+          </a:effectRef>
+          <a:fontRef idx="minor">
+            <a:schemeClr val="lt1"/>
+          </a:fontRef>
+        </p:style>
+        <p:txBody>
+          <a:bodyPr rtlCol="0" anchor="ctr"/>
+          <a:lstStyle/>
+          <a:p>
+            <a:pPr algn="ctr"/>
+            <a:endParaRPr lang="en-US"/>
+          </a:p>
+        </p:txBody>
+      </p:sp>
+      <p:cxnSp>
+        <p:nvCxnSpPr>
+          <p:cNvPr id="23" name="Straight Connector 22"/>
+          <p:cNvCxnSpPr/>
+          <p:nvPr/>
+        </p:nvCxnSpPr>
+        <p:spPr>
+          <a:xfrm>
+            <a:off x="3124200" y="4648200"/>
+            <a:ext cx="0" cy="533400"/>
+          </a:xfrm>
+          <a:prstGeom prst="line">
+            <a:avLst/>
+          </a:prstGeom>
+        </p:spPr>
+        <p:style>
+          <a:lnRef idx="1">
+            <a:schemeClr val="accent1"/>
+          </a:lnRef>
+          <a:fillRef idx="0">
+            <a:schemeClr val="accent1"/>
+          </a:fillRef>
+          <a:effectRef idx="0">
+            <a:schemeClr val="accent1"/>
+          </a:effectRef>
+          <a:fontRef idx="minor">
+            <a:schemeClr val="tx1"/>
+          </a:fontRef>
+        </p:style>
+      </p:cxnSp>
+      <p:sp>
+        <p:nvSpPr>
+          <p:cNvPr id="24" name="Rectangle 23"/>
+          <p:cNvSpPr/>
+          <p:nvPr/>
+        </p:nvSpPr>
+        <p:spPr>
+          <a:xfrm>
+            <a:off x="4572000" y="4648200"/>
+            <a:ext cx="1219200" cy="533400"/>
+          </a:xfrm>
+          <a:prstGeom prst="rect">
+            <a:avLst/>
+          </a:prstGeom>
+          <a:noFill/>
+        </p:spPr>
+        <p:style>
+          <a:lnRef idx="2">
+            <a:schemeClr val="accent1">
+              <a:shade val="50000"/>
+            </a:schemeClr>
+          </a:lnRef>
+          <a:fillRef idx="1">
+            <a:schemeClr val="accent1"/>
+          </a:fillRef>
+          <a:effectRef idx="0">
+            <a:schemeClr val="accent1"/>
+          </a:effectRef>
+          <a:fontRef idx="minor">
+            <a:schemeClr val="lt1"/>
+          </a:fontRef>
+        </p:style>
+        <p:txBody>
+          <a:bodyPr rtlCol="0" anchor="ctr"/>
+          <a:lstStyle/>
+          <a:p>
+            <a:pPr algn="ctr"/>
+            <a:endParaRPr lang="en-US"/>
+          </a:p>
+        </p:txBody>
+      </p:sp>
+      <p:cxnSp>
+        <p:nvCxnSpPr>
+          <p:cNvPr id="25" name="Straight Connector 24"/>
+          <p:cNvCxnSpPr/>
+          <p:nvPr/>
+        </p:nvCxnSpPr>
+        <p:spPr>
+          <a:xfrm>
+            <a:off x="5181600" y="4648200"/>
+            <a:ext cx="0" cy="533400"/>
+          </a:xfrm>
+          <a:prstGeom prst="line">
+            <a:avLst/>
+          </a:prstGeom>
+        </p:spPr>
+        <p:style>
+          <a:lnRef idx="1">
+            <a:schemeClr val="accent1"/>
+          </a:lnRef>
+          <a:fillRef idx="0">
+            <a:schemeClr val="accent1"/>
+          </a:fillRef>
+          <a:effectRef idx="0">
+            <a:schemeClr val="accent1"/>
+          </a:effectRef>
+          <a:fontRef idx="minor">
+            <a:schemeClr val="tx1"/>
+          </a:fontRef>
+        </p:style>
+      </p:cxnSp>
+      <p:sp>
+        <p:nvSpPr>
+          <p:cNvPr id="26" name="Rectangle 25"/>
+          <p:cNvSpPr/>
+          <p:nvPr/>
+        </p:nvSpPr>
+        <p:spPr>
+          <a:xfrm>
+            <a:off x="6705600" y="4648200"/>
+            <a:ext cx="1219200" cy="533400"/>
+          </a:xfrm>
+          <a:prstGeom prst="rect">
+            <a:avLst/>
+          </a:prstGeom>
+          <a:noFill/>
+        </p:spPr>
+        <p:style>
+          <a:lnRef idx="2">
+            <a:schemeClr val="accent1">
+              <a:shade val="50000"/>
+            </a:schemeClr>
+          </a:lnRef>
+          <a:fillRef idx="1">
+            <a:schemeClr val="accent1"/>
+          </a:fillRef>
+          <a:effectRef idx="0">
+            <a:schemeClr val="accent1"/>
+          </a:effectRef>
+          <a:fontRef idx="minor">
+            <a:schemeClr val="lt1"/>
+          </a:fontRef>
+        </p:style>
+        <p:txBody>
+          <a:bodyPr rtlCol="0" anchor="ctr"/>
+          <a:lstStyle/>
+          <a:p>
+            <a:pPr algn="ctr"/>
+            <a:endParaRPr lang="en-US"/>
+          </a:p>
+        </p:txBody>
+      </p:sp>
+      <p:cxnSp>
+        <p:nvCxnSpPr>
+          <p:cNvPr id="27" name="Straight Connector 26"/>
+          <p:cNvCxnSpPr/>
+          <p:nvPr/>
+        </p:nvCxnSpPr>
+        <p:spPr>
+          <a:xfrm>
+            <a:off x="7315200" y="4648200"/>
+            <a:ext cx="0" cy="533400"/>
+          </a:xfrm>
+          <a:prstGeom prst="line">
+            <a:avLst/>
+          </a:prstGeom>
+        </p:spPr>
+        <p:style>
+          <a:lnRef idx="1">
+            <a:schemeClr val="accent1"/>
+          </a:lnRef>
+          <a:fillRef idx="0">
+            <a:schemeClr val="accent1"/>
+          </a:fillRef>
+          <a:effectRef idx="0">
+            <a:schemeClr val="accent1"/>
+          </a:effectRef>
+          <a:fontRef idx="minor">
+            <a:schemeClr val="tx1"/>
+          </a:fontRef>
+        </p:style>
+      </p:cxnSp>
+      <p:cxnSp>
+        <p:nvCxnSpPr>
+          <p:cNvPr id="29" name="Straight Arrow Connector 28"/>
+          <p:cNvCxnSpPr>
+            <a:stCxn id="19" idx="3"/>
+            <a:endCxn id="22" idx="1"/>
+          </p:cNvCxnSpPr>
+          <p:nvPr/>
+        </p:nvCxnSpPr>
+        <p:spPr>
+          <a:xfrm>
+            <a:off x="1676400" y="4914900"/>
+            <a:ext cx="838200" cy="0"/>
+          </a:xfrm>
+          <a:prstGeom prst="straightConnector1">
+            <a:avLst/>
+          </a:prstGeom>
+          <a:ln>
+            <a:tailEnd type="arrow"/>
+          </a:ln>
+        </p:spPr>
+        <p:style>
+          <a:lnRef idx="1">
+            <a:schemeClr val="accent1"/>
+          </a:lnRef>
+          <a:fillRef idx="0">
+            <a:schemeClr val="accent1"/>
+          </a:fillRef>
+          <a:effectRef idx="0">
+            <a:schemeClr val="accent1"/>
+          </a:effectRef>
+          <a:fontRef idx="minor">
+            <a:schemeClr val="tx1"/>
+          </a:fontRef>
+        </p:style>
+      </p:cxnSp>
+      <p:cxnSp>
+        <p:nvCxnSpPr>
+          <p:cNvPr id="31" name="Straight Arrow Connector 30"/>
+          <p:cNvCxnSpPr>
+            <a:stCxn id="22" idx="3"/>
+            <a:endCxn id="24" idx="1"/>
+          </p:cNvCxnSpPr>
+          <p:nvPr/>
+        </p:nvCxnSpPr>
+        <p:spPr>
+          <a:xfrm>
+            <a:off x="3733800" y="4914900"/>
+            <a:ext cx="838200" cy="0"/>
+          </a:xfrm>
+          <a:prstGeom prst="straightConnector1">
+            <a:avLst/>
+          </a:prstGeom>
+          <a:ln>
+            <a:tailEnd type="arrow"/>
+          </a:ln>
+        </p:spPr>
+        <p:style>
+          <a:lnRef idx="1">
+            <a:schemeClr val="accent1"/>
+          </a:lnRef>
+          <a:fillRef idx="0">
+            <a:schemeClr val="accent1"/>
+          </a:fillRef>
+          <a:effectRef idx="0">
+            <a:schemeClr val="accent1"/>
+          </a:effectRef>
+          <a:fontRef idx="minor">
+            <a:schemeClr val="tx1"/>
+          </a:fontRef>
+        </p:style>
+      </p:cxnSp>
+      <p:cxnSp>
+        <p:nvCxnSpPr>
+          <p:cNvPr id="34" name="Straight Arrow Connector 33"/>
+          <p:cNvCxnSpPr/>
+          <p:nvPr/>
+        </p:nvCxnSpPr>
+        <p:spPr>
+          <a:xfrm>
+            <a:off x="5791200" y="4953000"/>
+            <a:ext cx="838200" cy="0"/>
+          </a:xfrm>
+          <a:prstGeom prst="straightConnector1">
+            <a:avLst/>
+          </a:prstGeom>
+          <a:ln>
+            <a:tailEnd type="arrow"/>
+          </a:ln>
+        </p:spPr>
+        <p:style>
+          <a:lnRef idx="1">
+            <a:schemeClr val="accent1"/>
+          </a:lnRef>
+          <a:fillRef idx="0">
+            <a:schemeClr val="accent1"/>
+          </a:fillRef>
+          <a:effectRef idx="0">
+            <a:schemeClr val="accent1"/>
+          </a:effectRef>
+          <a:fontRef idx="minor">
+            <a:schemeClr val="tx1"/>
+          </a:fontRef>
+        </p:style>
+      </p:cxnSp>
+      <p:sp>
+        <p:nvSpPr>
+          <p:cNvPr id="35" name="TextBox 34"/>
+          <p:cNvSpPr txBox="1"/>
+          <p:nvPr/>
+        </p:nvSpPr>
+        <p:spPr>
+          <a:xfrm>
+            <a:off x="4267200" y="3135868"/>
+            <a:ext cx="762000" cy="369332"/>
+          </a:xfrm>
+          <a:prstGeom prst="rect">
+            <a:avLst/>
+          </a:prstGeom>
+          <a:noFill/>
+        </p:spPr>
+        <p:txBody>
+          <a:bodyPr wrap="square" rtlCol="0">
+            <a:spAutoFit/>
+          </a:bodyPr>
+          <a:lstStyle/>
+          <a:p>
+            <a:r>
+              <a:rPr lang="en-US" dirty="0" smtClean="0"/>
+              <a:t>1004</a:t>
+            </a:r>
+            <a:endParaRPr lang="en-US" dirty="0"/>
+          </a:p>
+        </p:txBody>
+      </p:sp>
+      <p:sp>
+        <p:nvSpPr>
+          <p:cNvPr id="36" name="TextBox 35"/>
+          <p:cNvSpPr txBox="1"/>
+          <p:nvPr/>
+        </p:nvSpPr>
+        <p:spPr>
+          <a:xfrm>
+            <a:off x="5105400" y="3135868"/>
+            <a:ext cx="762000" cy="369332"/>
+          </a:xfrm>
+          <a:prstGeom prst="rect">
+            <a:avLst/>
+          </a:prstGeom>
+          <a:noFill/>
+        </p:spPr>
+        <p:txBody>
+          <a:bodyPr wrap="square" rtlCol="0">
+            <a:spAutoFit/>
+          </a:bodyPr>
+          <a:lstStyle/>
+          <a:p>
+            <a:r>
+              <a:rPr lang="en-US" dirty="0" smtClean="0"/>
+              <a:t>1005</a:t>
+            </a:r>
+            <a:endParaRPr lang="en-US" dirty="0"/>
+          </a:p>
+        </p:txBody>
+      </p:sp>
+      <p:sp>
+        <p:nvSpPr>
+          <p:cNvPr id="37" name="TextBox 36"/>
+          <p:cNvSpPr txBox="1"/>
+          <p:nvPr/>
+        </p:nvSpPr>
+        <p:spPr>
+          <a:xfrm>
+            <a:off x="457200" y="4812268"/>
+            <a:ext cx="762000" cy="369332"/>
+          </a:xfrm>
+          <a:prstGeom prst="rect">
+            <a:avLst/>
+          </a:prstGeom>
+          <a:noFill/>
+        </p:spPr>
+        <p:txBody>
+          <a:bodyPr wrap="square" rtlCol="0">
+            <a:spAutoFit/>
+          </a:bodyPr>
+          <a:lstStyle/>
+          <a:p>
+            <a:r>
+              <a:rPr lang="en-US" dirty="0" smtClean="0"/>
+              <a:t>1000</a:t>
+            </a:r>
+            <a:endParaRPr lang="en-US" dirty="0"/>
+          </a:p>
+        </p:txBody>
+      </p:sp>
+      <p:sp>
+        <p:nvSpPr>
+          <p:cNvPr id="38" name="TextBox 37"/>
+          <p:cNvSpPr txBox="1"/>
+          <p:nvPr/>
+        </p:nvSpPr>
+        <p:spPr>
+          <a:xfrm>
+            <a:off x="2438400" y="4812268"/>
+            <a:ext cx="762000" cy="369332"/>
+          </a:xfrm>
+          <a:prstGeom prst="rect">
+            <a:avLst/>
+          </a:prstGeom>
+          <a:noFill/>
+        </p:spPr>
+        <p:txBody>
+          <a:bodyPr wrap="square" rtlCol="0">
+            <a:spAutoFit/>
+          </a:bodyPr>
+          <a:lstStyle/>
+          <a:p>
+            <a:r>
+              <a:rPr lang="en-US" dirty="0" smtClean="0"/>
+              <a:t>2021</a:t>
+            </a:r>
+            <a:endParaRPr lang="en-US" dirty="0"/>
+          </a:p>
+        </p:txBody>
+      </p:sp>
+      <p:sp>
+        <p:nvSpPr>
+          <p:cNvPr id="39" name="TextBox 38"/>
+          <p:cNvSpPr txBox="1"/>
+          <p:nvPr/>
+        </p:nvSpPr>
+        <p:spPr>
+          <a:xfrm>
+            <a:off x="4572000" y="4812268"/>
+            <a:ext cx="762000" cy="369332"/>
+          </a:xfrm>
+          <a:prstGeom prst="rect">
+            <a:avLst/>
+          </a:prstGeom>
+          <a:noFill/>
+        </p:spPr>
+        <p:txBody>
+          <a:bodyPr wrap="square" rtlCol="0">
+            <a:spAutoFit/>
+          </a:bodyPr>
+          <a:lstStyle/>
+          <a:p>
+            <a:r>
+              <a:rPr lang="en-US" dirty="0" smtClean="0"/>
+              <a:t>918</a:t>
+            </a:r>
+            <a:endParaRPr lang="en-US" dirty="0"/>
+          </a:p>
+        </p:txBody>
+      </p:sp>
+      <p:sp>
+        <p:nvSpPr>
+          <p:cNvPr id="40" name="TextBox 39"/>
+          <p:cNvSpPr txBox="1"/>
+          <p:nvPr/>
+        </p:nvSpPr>
+        <p:spPr>
+          <a:xfrm>
+            <a:off x="6705600" y="4876800"/>
+            <a:ext cx="762000" cy="369332"/>
+          </a:xfrm>
+          <a:prstGeom prst="rect">
+            <a:avLst/>
+          </a:prstGeom>
+          <a:noFill/>
+        </p:spPr>
+        <p:txBody>
+          <a:bodyPr wrap="square" rtlCol="0">
+            <a:spAutoFit/>
+          </a:bodyPr>
+          <a:lstStyle/>
+          <a:p>
+            <a:r>
+              <a:rPr lang="en-US" dirty="0" smtClean="0"/>
+              <a:t>3388</a:t>
             </a:r>
             <a:endParaRPr lang="en-US" dirty="0"/>
           </a:p>
@@ -13077,7 +14253,7 @@
     </p:spTree>
     <p:extLst>
       <p:ext uri="{BB962C8B-B14F-4D97-AF65-F5344CB8AC3E}">
-        <p14:creationId xmlns:p14="http://schemas.microsoft.com/office/powerpoint/2010/main" val="3569024372"/>
+        <p14:creationId xmlns:p14="http://schemas.microsoft.com/office/powerpoint/2010/main" val="2752937799"/>
       </p:ext>
     </p:extLst>
   </p:cSld>
@@ -13123,7 +14299,7 @@
         </p:nvSpPr>
         <p:spPr>
           <a:xfrm>
-            <a:off x="609599" y="304800"/>
+            <a:off x="457200" y="381000"/>
             <a:ext cx="6347713" cy="1320800"/>
           </a:xfrm>
         </p:spPr>
@@ -13133,7 +14309,7 @@
           <a:p>
             <a:r>
               <a:rPr lang="en-US" dirty="0" smtClean="0"/>
-              <a:t>Low Priority Jobs</a:t>
+              <a:t>Use Typed Or Homogenous Arrays</a:t>
             </a:r>
             <a:endParaRPr lang="en-US" dirty="0"/>
           </a:p>
@@ -13151,7 +14327,7 @@
         </p:nvSpPr>
         <p:spPr>
           <a:xfrm>
-            <a:off x="609599" y="1600200"/>
+            <a:off x="457200" y="1828800"/>
             <a:ext cx="6347714" cy="3880773"/>
           </a:xfrm>
         </p:spPr>
@@ -13162,32 +14338,32 @@
           <a:lstStyle/>
           <a:p>
             <a:r>
+              <a:rPr lang="en-US" sz="2400" dirty="0" err="1" smtClean="0"/>
+              <a:t>ArrayBuffer</a:t>
+            </a:r>
+            <a:r>
               <a:rPr lang="en-US" sz="2400" dirty="0" smtClean="0"/>
-              <a:t>Node.js </a:t>
-            </a:r>
-            <a:r>
-              <a:rPr lang="en-US" sz="2400" dirty="0"/>
-              <a:t>is not the optimal framework for background jobs in the same process.</a:t>
-            </a:r>
-          </a:p>
-          <a:p>
-            <a:r>
-              <a:rPr lang="en-US" sz="2400" dirty="0"/>
-              <a:t>Try to make your background job as lightweight as possible</a:t>
-            </a:r>
-          </a:p>
-          <a:p>
+              <a:t> and </a:t>
+            </a:r>
+            <a:r>
+              <a:rPr lang="en-US" sz="2400" dirty="0" err="1" smtClean="0"/>
+              <a:t>TypedArrays</a:t>
+            </a:r>
             <a:r>
               <a:rPr lang="en-US" sz="2400" dirty="0" smtClean="0"/>
-              <a:t>Prefer </a:t>
-            </a:r>
-            <a:r>
-              <a:rPr lang="en-US" sz="2400" dirty="0"/>
-              <a:t>to put your background jobs in a different </a:t>
-            </a:r>
+              <a:t> introduced in ES6.</a:t>
+            </a:r>
+          </a:p>
+          <a:p>
             <a:r>
               <a:rPr lang="en-US" sz="2400" dirty="0" smtClean="0"/>
-              <a:t>process</a:t>
+              <a:t>If the array contains the same types, the JIT compiler will allocate continuous blocks of memory</a:t>
+            </a:r>
+          </a:p>
+          <a:p>
+            <a:r>
+              <a:rPr lang="en-US" sz="2400" dirty="0" smtClean="0"/>
+              <a:t>Insertion and reading will become much faster</a:t>
             </a:r>
           </a:p>
         </p:txBody>
@@ -13195,7 +14371,7 @@
     </p:spTree>
     <p:extLst>
       <p:ext uri="{BB962C8B-B14F-4D97-AF65-F5344CB8AC3E}">
-        <p14:creationId xmlns:p14="http://schemas.microsoft.com/office/powerpoint/2010/main" val="2761244431"/>
+        <p14:creationId xmlns:p14="http://schemas.microsoft.com/office/powerpoint/2010/main" val="3007600555"/>
       </p:ext>
     </p:extLst>
   </p:cSld>
@@ -13241,8 +14417,8 @@
         </p:nvSpPr>
         <p:spPr>
           <a:xfrm>
-            <a:off x="457200" y="2667000"/>
-            <a:ext cx="8229600" cy="1143000"/>
+            <a:off x="609599" y="2286000"/>
+            <a:ext cx="6347713" cy="1320800"/>
           </a:xfrm>
         </p:spPr>
         <p:txBody>
@@ -13250,16 +14426,17 @@
           <a:lstStyle/>
           <a:p>
             <a:r>
-              <a:rPr lang="en-US" dirty="0"/>
-              <a:t>Questions ?</a:t>
-            </a:r>
+              <a:rPr lang="en-US" dirty="0" smtClean="0"/>
+              <a:t>Demo – Typed Arrays vs Old Arrays Performance</a:t>
+            </a:r>
+            <a:endParaRPr lang="en-US" dirty="0"/>
           </a:p>
         </p:txBody>
       </p:sp>
     </p:spTree>
     <p:extLst>
       <p:ext uri="{BB962C8B-B14F-4D97-AF65-F5344CB8AC3E}">
-        <p14:creationId xmlns:p14="http://schemas.microsoft.com/office/powerpoint/2010/main" val="908030248"/>
+        <p14:creationId xmlns:p14="http://schemas.microsoft.com/office/powerpoint/2010/main" val="966624875"/>
       </p:ext>
     </p:extLst>
   </p:cSld>
@@ -13303,19 +14480,89 @@
             <p:ph type="title"/>
           </p:nvPr>
         </p:nvSpPr>
-        <p:spPr/>
+        <p:spPr>
+          <a:xfrm>
+            <a:off x="609599" y="2438400"/>
+            <a:ext cx="6347713" cy="1320800"/>
+          </a:xfrm>
+        </p:spPr>
         <p:txBody>
           <a:bodyPr/>
           <a:lstStyle/>
           <a:p>
             <a:r>
               <a:rPr lang="en-US" dirty="0" smtClean="0"/>
-              <a:t>Contact Me @</a:t>
+              <a:t>Low Priority Jobs</a:t>
             </a:r>
             <a:endParaRPr lang="en-US" dirty="0"/>
           </a:p>
         </p:txBody>
       </p:sp>
+    </p:spTree>
+    <p:extLst>
+      <p:ext uri="{BB962C8B-B14F-4D97-AF65-F5344CB8AC3E}">
+        <p14:creationId xmlns:p14="http://schemas.microsoft.com/office/powerpoint/2010/main" val="3569024372"/>
+      </p:ext>
+    </p:extLst>
+  </p:cSld>
+  <p:clrMapOvr>
+    <a:masterClrMapping/>
+  </p:clrMapOvr>
+  <p:timing>
+    <p:tnLst>
+      <p:par>
+        <p:cTn id="1" dur="indefinite" restart="never" nodeType="tmRoot"/>
+      </p:par>
+    </p:tnLst>
+  </p:timing>
+</p:sld>
+</file>
+
+<file path=ppt/slides/slide59.xml><?xml version="1.0" encoding="utf-8"?>
+<p:sld xmlns:a="http://schemas.openxmlformats.org/drawingml/2006/main" xmlns:r="http://schemas.openxmlformats.org/officeDocument/2006/relationships" xmlns:p="http://schemas.openxmlformats.org/presentationml/2006/main">
+  <p:cSld>
+    <p:spTree>
+      <p:nvGrpSpPr>
+        <p:cNvPr id="1" name=""/>
+        <p:cNvGrpSpPr/>
+        <p:nvPr/>
+      </p:nvGrpSpPr>
+      <p:grpSpPr>
+        <a:xfrm>
+          <a:off x="0" y="0"/>
+          <a:ext cx="0" cy="0"/>
+          <a:chOff x="0" y="0"/>
+          <a:chExt cx="0" cy="0"/>
+        </a:xfrm>
+      </p:grpSpPr>
+      <p:sp>
+        <p:nvSpPr>
+          <p:cNvPr id="2" name="Title 1"/>
+          <p:cNvSpPr>
+            <a:spLocks noGrp="1"/>
+          </p:cNvSpPr>
+          <p:nvPr>
+            <p:ph type="title"/>
+          </p:nvPr>
+        </p:nvSpPr>
+        <p:spPr>
+          <a:xfrm>
+            <a:off x="609599" y="304800"/>
+            <a:ext cx="6347713" cy="1320800"/>
+          </a:xfrm>
+        </p:spPr>
+        <p:txBody>
+          <a:bodyPr/>
+          <a:lstStyle/>
+          <a:p>
+            <a:r>
+              <a:rPr lang="en-US" dirty="0" smtClean="0"/>
+              <a:t>Low Priority Jobs</a:t>
+            </a:r>
+            <a:endParaRPr lang="en-US" dirty="0"/>
+          </a:p>
+        </p:txBody>
+      </p:sp>
       <p:sp>
         <p:nvSpPr>
           <p:cNvPr id="3" name="Content Placeholder 2"/>
@@ -13328,8 +14575,8 @@
         </p:nvSpPr>
         <p:spPr>
           <a:xfrm>
-            <a:off x="533400" y="1524000"/>
-            <a:ext cx="7315200" cy="3880773"/>
+            <a:off x="609599" y="1600200"/>
+            <a:ext cx="6347714" cy="3880773"/>
           </a:xfrm>
         </p:spPr>
         <p:txBody>
@@ -13339,17 +14586,32 @@
           <a:lstStyle/>
           <a:p>
             <a:r>
-              <a:rPr lang="en-US" sz="2400" dirty="0" smtClean="0">
-                <a:hlinkClick r:id="rId2"/>
-              </a:rPr>
-              <a:t>Tamar.twena@gmail.com</a:t>
-            </a:r>
-            <a:endParaRPr lang="en-US" sz="2400" dirty="0" smtClean="0"/>
-          </a:p>
-          <a:p>
+              <a:rPr lang="en-US" sz="2400" dirty="0" smtClean="0"/>
+              <a:t>Node.js </a:t>
+            </a:r>
             <a:r>
               <a:rPr lang="en-US" sz="2400" dirty="0"/>
-              <a:t>https://www.linkedin.com/in/tamarstern/</a:t>
+              <a:t>is not the optimal framework for background jobs in the same process.</a:t>
+            </a:r>
+          </a:p>
+          <a:p>
+            <a:r>
+              <a:rPr lang="en-US" sz="2400" dirty="0"/>
+              <a:t>Try to make your background job as lightweight as possible</a:t>
+            </a:r>
+          </a:p>
+          <a:p>
+            <a:r>
+              <a:rPr lang="en-US" sz="2400" dirty="0" smtClean="0"/>
+              <a:t>Prefer </a:t>
+            </a:r>
+            <a:r>
+              <a:rPr lang="en-US" sz="2400" dirty="0"/>
+              <a:t>to put your background jobs in a different </a:t>
+            </a:r>
+            <a:r>
+              <a:rPr lang="en-US" sz="2400" dirty="0" smtClean="0"/>
+              <a:t>process</a:t>
             </a:r>
           </a:p>
         </p:txBody>
@@ -13357,7 +14619,7 @@
     </p:spTree>
     <p:extLst>
       <p:ext uri="{BB962C8B-B14F-4D97-AF65-F5344CB8AC3E}">
-        <p14:creationId xmlns:p14="http://schemas.microsoft.com/office/powerpoint/2010/main" val="1629638750"/>
+        <p14:creationId xmlns:p14="http://schemas.microsoft.com/office/powerpoint/2010/main" val="2761244431"/>
       </p:ext>
     </p:extLst>
   </p:cSld>
@@ -13436,6 +14698,235 @@
   <p:clrMapOvr>
     <a:masterClrMapping/>
   </p:clrMapOvr>
+  <p:timing>
+    <p:tnLst>
+      <p:par>
+        <p:cTn id="1" dur="indefinite" restart="never" nodeType="tmRoot"/>
+      </p:par>
+    </p:tnLst>
+  </p:timing>
+</p:sld>
+</file>
+
+<file path=ppt/slides/slide60.xml><?xml version="1.0" encoding="utf-8"?>
+<p:sld xmlns:a="http://schemas.openxmlformats.org/drawingml/2006/main" xmlns:r="http://schemas.openxmlformats.org/officeDocument/2006/relationships" xmlns:p="http://schemas.openxmlformats.org/presentationml/2006/main">
+  <p:cSld>
+    <p:spTree>
+      <p:nvGrpSpPr>
+        <p:cNvPr id="1" name=""/>
+        <p:cNvGrpSpPr/>
+        <p:nvPr/>
+      </p:nvGrpSpPr>
+      <p:grpSpPr>
+        <a:xfrm>
+          <a:off x="0" y="0"/>
+          <a:ext cx="0" cy="0"/>
+          <a:chOff x="0" y="0"/>
+          <a:chExt cx="0" cy="0"/>
+        </a:xfrm>
+      </p:grpSpPr>
+      <p:sp>
+        <p:nvSpPr>
+          <p:cNvPr id="2" name="Title 1"/>
+          <p:cNvSpPr>
+            <a:spLocks noGrp="1"/>
+          </p:cNvSpPr>
+          <p:nvPr>
+            <p:ph type="title"/>
+          </p:nvPr>
+        </p:nvSpPr>
+        <p:spPr>
+          <a:xfrm>
+            <a:off x="457200" y="2667000"/>
+            <a:ext cx="8229600" cy="1143000"/>
+          </a:xfrm>
+        </p:spPr>
+        <p:txBody>
+          <a:bodyPr/>
+          <a:lstStyle/>
+          <a:p>
+            <a:r>
+              <a:rPr lang="en-US" dirty="0"/>
+              <a:t>Questions ?</a:t>
+            </a:r>
+          </a:p>
+        </p:txBody>
+      </p:sp>
+    </p:spTree>
+    <p:extLst>
+      <p:ext uri="{BB962C8B-B14F-4D97-AF65-F5344CB8AC3E}">
+        <p14:creationId xmlns:p14="http://schemas.microsoft.com/office/powerpoint/2010/main" val="908030248"/>
+      </p:ext>
+    </p:extLst>
+  </p:cSld>
+  <p:clrMapOvr>
+    <a:masterClrMapping/>
+  </p:clrMapOvr>
+  <p:timing>
+    <p:tnLst>
+      <p:par>
+        <p:cTn id="1" dur="indefinite" restart="never" nodeType="tmRoot"/>
+      </p:par>
+    </p:tnLst>
+  </p:timing>
+</p:sld>
+</file>
+
+<file path=ppt/slides/slide61.xml><?xml version="1.0" encoding="utf-8"?>
+<p:sld xmlns:a="http://schemas.openxmlformats.org/drawingml/2006/main" xmlns:r="http://schemas.openxmlformats.org/officeDocument/2006/relationships" xmlns:p="http://schemas.openxmlformats.org/presentationml/2006/main">
+  <p:cSld>
+    <p:spTree>
+      <p:nvGrpSpPr>
+        <p:cNvPr id="1" name=""/>
+        <p:cNvGrpSpPr/>
+        <p:nvPr/>
+      </p:nvGrpSpPr>
+      <p:grpSpPr>
+        <a:xfrm>
+          <a:off x="0" y="0"/>
+          <a:ext cx="0" cy="0"/>
+          <a:chOff x="0" y="0"/>
+          <a:chExt cx="0" cy="0"/>
+        </a:xfrm>
+      </p:grpSpPr>
+      <p:sp>
+        <p:nvSpPr>
+          <p:cNvPr id="2" name="Title 1"/>
+          <p:cNvSpPr>
+            <a:spLocks noGrp="1"/>
+          </p:cNvSpPr>
+          <p:nvPr>
+            <p:ph type="title"/>
+          </p:nvPr>
+        </p:nvSpPr>
+        <p:spPr/>
+        <p:txBody>
+          <a:bodyPr/>
+          <a:lstStyle/>
+          <a:p>
+            <a:r>
+              <a:rPr lang="en-US" dirty="0" smtClean="0"/>
+              <a:t>Contact Me @</a:t>
+            </a:r>
+            <a:endParaRPr lang="en-US" dirty="0"/>
+          </a:p>
+        </p:txBody>
+      </p:sp>
+      <p:sp>
+        <p:nvSpPr>
+          <p:cNvPr id="3" name="Content Placeholder 2"/>
+          <p:cNvSpPr>
+            <a:spLocks noGrp="1"/>
+          </p:cNvSpPr>
+          <p:nvPr>
+            <p:ph idx="1"/>
+          </p:nvPr>
+        </p:nvSpPr>
+        <p:spPr>
+          <a:xfrm>
+            <a:off x="533400" y="1524000"/>
+            <a:ext cx="7315200" cy="3880773"/>
+          </a:xfrm>
+        </p:spPr>
+        <p:txBody>
+          <a:bodyPr>
+            <a:normAutofit/>
+          </a:bodyPr>
+          <a:lstStyle/>
+          <a:p>
+            <a:r>
+              <a:rPr lang="en-US" sz="2400" dirty="0" smtClean="0">
+                <a:hlinkClick r:id="rId2"/>
+              </a:rPr>
+              <a:t>Tamar.twena@gmail.com</a:t>
+            </a:r>
+            <a:endParaRPr lang="en-US" sz="2400" dirty="0" smtClean="0"/>
+          </a:p>
+          <a:p>
+            <a:r>
+              <a:rPr lang="en-US" sz="2400" dirty="0"/>
+              <a:t>https://www.linkedin.com/in/tamarstern/</a:t>
+            </a:r>
+          </a:p>
+        </p:txBody>
+      </p:sp>
+      <p:pic>
+        <p:nvPicPr>
+          <p:cNvPr id="4" name="Picture 3"/>
+          <p:cNvPicPr>
+            <a:picLocks noChangeAspect="1"/>
+          </p:cNvPicPr>
+          <p:nvPr/>
+        </p:nvPicPr>
+        <p:blipFill>
+          <a:blip r:embed="rId3">
+            <a:extLst>
+              <a:ext uri="{28A0092B-C50C-407E-A947-70E740481C1C}">
+                <a14:useLocalDpi xmlns:a14="http://schemas.microsoft.com/office/drawing/2010/main" val="0"/>
+              </a:ext>
+            </a:extLst>
+          </a:blip>
+          <a:stretch>
+            <a:fillRect/>
+          </a:stretch>
+        </p:blipFill>
+        <p:spPr>
+          <a:xfrm>
+            <a:off x="457200" y="4076700"/>
+            <a:ext cx="1828800" cy="2628900"/>
+          </a:xfrm>
+          <a:prstGeom prst="rect">
+            <a:avLst/>
+          </a:prstGeom>
+        </p:spPr>
+      </p:pic>
+      <p:pic>
+        <p:nvPicPr>
+          <p:cNvPr id="5" name="Picture 4"/>
+          <p:cNvPicPr>
+            <a:picLocks noChangeAspect="1"/>
+          </p:cNvPicPr>
+          <p:nvPr/>
+        </p:nvPicPr>
+        <p:blipFill>
+          <a:blip r:embed="rId4">
+            <a:extLst>
+              <a:ext uri="{28A0092B-C50C-407E-A947-70E740481C1C}">
+                <a14:useLocalDpi xmlns:a14="http://schemas.microsoft.com/office/drawing/2010/main" val="0"/>
+              </a:ext>
+            </a:extLst>
+          </a:blip>
+          <a:stretch>
+            <a:fillRect/>
+          </a:stretch>
+        </p:blipFill>
+        <p:spPr>
+          <a:xfrm>
+            <a:off x="5257800" y="3386667"/>
+            <a:ext cx="3048000" cy="3048000"/>
+          </a:xfrm>
+          <a:prstGeom prst="rect">
+            <a:avLst/>
+          </a:prstGeom>
+        </p:spPr>
+      </p:pic>
+    </p:spTree>
+    <p:extLst>
+      <p:ext uri="{BB962C8B-B14F-4D97-AF65-F5344CB8AC3E}">
+        <p14:creationId xmlns:p14="http://schemas.microsoft.com/office/powerpoint/2010/main" val="1629638750"/>
+      </p:ext>
+    </p:extLst>
+  </p:cSld>
+  <p:clrMapOvr>
+    <a:masterClrMapping/>
+  </p:clrMapOvr>
+  <p:timing>
+    <p:tnLst>
+      <p:par>
+        <p:cTn id="1" dur="indefinite" restart="never" nodeType="tmRoot"/>
+      </p:par>
+    </p:tnLst>
+  </p:timing>
 </p:sld>
 </file>
 
@@ -13616,7 +15107,7 @@
           <p:cNvPr id="12" name="Right Arrow 8">
             <a:extLst>
               <a:ext uri="{FF2B5EF4-FFF2-40B4-BE49-F238E27FC236}">
-                <a16:creationId xmlns:a16="http://schemas.microsoft.com/office/drawing/2014/main" xmlns="" id="{9B6A5C66-3111-42AA-9715-A250ECC26D8A}"/>
+                <a16:creationId xmlns="" xmlns:a16="http://schemas.microsoft.com/office/drawing/2014/main" id="{9B6A5C66-3111-42AA-9715-A250ECC26D8A}"/>
               </a:ext>
             </a:extLst>
           </p:cNvPr>
@@ -13667,7 +15158,7 @@
           <p:cNvPr id="13" name="Right Arrow 8">
             <a:extLst>
               <a:ext uri="{FF2B5EF4-FFF2-40B4-BE49-F238E27FC236}">
-                <a16:creationId xmlns:a16="http://schemas.microsoft.com/office/drawing/2014/main" xmlns="" id="{257D4A4D-49E1-452C-B8F8-AC8F9EC55A3C}"/>
+                <a16:creationId xmlns="" xmlns:a16="http://schemas.microsoft.com/office/drawing/2014/main" id="{257D4A4D-49E1-452C-B8F8-AC8F9EC55A3C}"/>
               </a:ext>
             </a:extLst>
           </p:cNvPr>
@@ -13718,7 +15209,7 @@
           <p:cNvPr id="14" name="Oval 13">
             <a:extLst>
               <a:ext uri="{FF2B5EF4-FFF2-40B4-BE49-F238E27FC236}">
-                <a16:creationId xmlns:a16="http://schemas.microsoft.com/office/drawing/2014/main" xmlns="" id="{8A83D4FD-AB2E-465C-BCEC-16369A33469C}"/>
+                <a16:creationId xmlns="" xmlns:a16="http://schemas.microsoft.com/office/drawing/2014/main" id="{8A83D4FD-AB2E-465C-BCEC-16369A33469C}"/>
               </a:ext>
             </a:extLst>
           </p:cNvPr>
@@ -13770,7 +15261,7 @@
           <p:cNvPr id="15" name="Oval 14">
             <a:extLst>
               <a:ext uri="{FF2B5EF4-FFF2-40B4-BE49-F238E27FC236}">
-                <a16:creationId xmlns:a16="http://schemas.microsoft.com/office/drawing/2014/main" xmlns="" id="{E28EACCF-2AA1-40E1-8755-6DE9B427B333}"/>
+                <a16:creationId xmlns="" xmlns:a16="http://schemas.microsoft.com/office/drawing/2014/main" id="{E28EACCF-2AA1-40E1-8755-6DE9B427B333}"/>
               </a:ext>
             </a:extLst>
           </p:cNvPr>
@@ -13822,7 +15313,7 @@
           <p:cNvPr id="16" name="Rectangle 15">
             <a:extLst>
               <a:ext uri="{FF2B5EF4-FFF2-40B4-BE49-F238E27FC236}">
-                <a16:creationId xmlns:a16="http://schemas.microsoft.com/office/drawing/2014/main" xmlns="" id="{41716F7C-379D-4F85-991A-8555B3EC1DA6}"/>
+                <a16:creationId xmlns="" xmlns:a16="http://schemas.microsoft.com/office/drawing/2014/main" id="{41716F7C-379D-4F85-991A-8555B3EC1DA6}"/>
               </a:ext>
             </a:extLst>
           </p:cNvPr>
@@ -14292,7 +15783,7 @@
   <a:extraClrSchemeLst/>
   <a:extLst>
     <a:ext uri="{05A4C25C-085E-4340-85A3-A5531E510DB2}">
-      <thm15:themeFamily xmlns="" xmlns:thm15="http://schemas.microsoft.com/office/thememl/2012/main" name="Facet" id="{C0C680CD-088A-49FC-A102-D699147F32B2}" vid="{CFBC31BA-B70F-4F30-BCAA-4F3011E16C4D}"/>
+      <thm15:themeFamily xmlns:thm15="http://schemas.microsoft.com/office/thememl/2012/main" xmlns="" name="Facet" id="{C0C680CD-088A-49FC-A102-D699147F32B2}" vid="{CFBC31BA-B70F-4F30-BCAA-4F3011E16C4D}"/>
     </a:ext>
   </a:extLst>
 </a:theme>
